--- a/ServiceInteractions/riv/clinicalprocess/healthcond/actoutcome/trunk/docs/TD_clinicalprocess_healthcond_actoutcome.pptx
+++ b/ServiceInteractions/riv/clinicalprocess/healthcond/actoutcome/trunk/docs/TD_clinicalprocess_healthcond_actoutcome.pptx
@@ -6,10 +6,10 @@
     <p:sldMasterId id="2147483670" r:id="rId2"/>
   </p:sldMasterIdLst>
   <p:notesMasterIdLst>
-    <p:notesMasterId r:id="rId13"/>
+    <p:notesMasterId r:id="rId14"/>
   </p:notesMasterIdLst>
   <p:handoutMasterIdLst>
-    <p:handoutMasterId r:id="rId14"/>
+    <p:handoutMasterId r:id="rId15"/>
   </p:handoutMasterIdLst>
   <p:sldIdLst>
     <p:sldId id="324" r:id="rId3"/>
@@ -22,6 +22,7 @@
     <p:sldId id="331" r:id="rId10"/>
     <p:sldId id="332" r:id="rId11"/>
     <p:sldId id="333" r:id="rId12"/>
+    <p:sldId id="335" r:id="rId13"/>
   </p:sldIdLst>
   <p:sldSz cx="9144000" cy="6858000" type="screen4x3"/>
   <p:notesSz cx="6858000" cy="9144000"/>
@@ -206,7 +207,7 @@
             <a:fld id="{A1CCCE65-3320-6145-9FE0-1D4F0AE2F80D}" type="datetimeFigureOut">
               <a:rPr lang="sv-SE" smtClean="0"/>
               <a:pPr/>
-              <a:t>2013-05-07</a:t>
+              <a:t>2013-06-22</a:t>
             </a:fld>
             <a:endParaRPr lang="sv-SE"/>
           </a:p>
@@ -373,7 +374,7 @@
             <a:fld id="{48064D6E-32A5-4333-B2C8-253366DFFB1E}" type="datetimeFigureOut">
               <a:rPr lang="sv-SE" smtClean="0"/>
               <a:pPr/>
-              <a:t>2013-05-07</a:t>
+              <a:t>2013-06-22</a:t>
             </a:fld>
             <a:endParaRPr lang="sv-SE"/>
           </a:p>
@@ -810,7 +811,7 @@
             <a:fld id="{793AEFA7-59BA-446D-B708-A2D615D75329}" type="datetimeFigureOut">
               <a:rPr lang="sv-SE" smtClean="0"/>
               <a:pPr defTabSz="895350"/>
-              <a:t>2013-05-07</a:t>
+              <a:t>2013-06-22</a:t>
             </a:fld>
             <a:r>
               <a:rPr lang="sv-SE" dirty="0" smtClean="0"/>
@@ -1285,7 +1286,7 @@
             <a:fld id="{793AEFA7-59BA-446D-B708-A2D615D75329}" type="datetimeFigureOut">
               <a:rPr lang="sv-SE" smtClean="0"/>
               <a:pPr defTabSz="895350"/>
-              <a:t>2013-05-07</a:t>
+              <a:t>2013-06-22</a:t>
             </a:fld>
             <a:r>
               <a:rPr lang="sv-SE" dirty="0" smtClean="0"/>
@@ -1743,7 +1744,7 @@
             <a:fld id="{793AEFA7-59BA-446D-B708-A2D615D75329}" type="datetimeFigureOut">
               <a:rPr lang="sv-SE" smtClean="0"/>
               <a:pPr defTabSz="895350"/>
-              <a:t>2013-05-07</a:t>
+              <a:t>2013-06-22</a:t>
             </a:fld>
             <a:r>
               <a:rPr lang="sv-SE" dirty="0" smtClean="0"/>
@@ -1952,7 +1953,7 @@
             <a:fld id="{793AEFA7-59BA-446D-B708-A2D615D75329}" type="datetimeFigureOut">
               <a:rPr lang="sv-SE" smtClean="0"/>
               <a:pPr defTabSz="895350"/>
-              <a:t>2013-05-07</a:t>
+              <a:t>2013-06-22</a:t>
             </a:fld>
             <a:r>
               <a:rPr lang="sv-SE" dirty="0" smtClean="0"/>
@@ -2180,7 +2181,7 @@
             <a:fld id="{793AEFA7-59BA-446D-B708-A2D615D75329}" type="datetimeFigureOut">
               <a:rPr lang="sv-SE" smtClean="0"/>
               <a:pPr defTabSz="895350"/>
-              <a:t>2013-05-07</a:t>
+              <a:t>2013-06-22</a:t>
             </a:fld>
             <a:r>
               <a:rPr lang="sv-SE" dirty="0" smtClean="0"/>
@@ -2575,7 +2576,7 @@
             <a:fld id="{793AEFA7-59BA-446D-B708-A2D615D75329}" type="datetimeFigureOut">
               <a:rPr lang="sv-SE" smtClean="0"/>
               <a:pPr defTabSz="895350"/>
-              <a:t>2013-05-07</a:t>
+              <a:t>2013-06-22</a:t>
             </a:fld>
             <a:r>
               <a:rPr lang="sv-SE" dirty="0" smtClean="0"/>
@@ -3058,7 +3059,7 @@
             <a:fld id="{793AEFA7-59BA-446D-B708-A2D615D75329}" type="datetimeFigureOut">
               <a:rPr lang="sv-SE" smtClean="0"/>
               <a:pPr/>
-              <a:t>2013-05-07</a:t>
+              <a:t>2013-06-22</a:t>
             </a:fld>
             <a:endParaRPr lang="sv-SE" dirty="0"/>
           </a:p>
@@ -3568,7 +3569,7 @@
             <a:fld id="{1557CB54-6EE6-4E9A-A5F4-26576EC193CD}" type="datetimeFigureOut">
               <a:rPr lang="sv-SE" smtClean="0"/>
               <a:pPr/>
-              <a:t>2013-05-07</a:t>
+              <a:t>2013-06-22</a:t>
             </a:fld>
             <a:endParaRPr lang="sv-SE"/>
           </a:p>
@@ -4175,7 +4176,7 @@
             <a:fld id="{793AEFA7-59BA-446D-B708-A2D615D75329}" type="datetimeFigureOut">
               <a:rPr lang="sv-SE" smtClean="0"/>
               <a:pPr defTabSz="895350"/>
-              <a:t>2013-05-07</a:t>
+              <a:t>2013-06-22</a:t>
             </a:fld>
             <a:r>
               <a:rPr lang="sv-SE" smtClean="0"/>
@@ -5797,6 +5798,130 @@
       </p:par>
     </p:tnLst>
   </p:timing>
+</p:sld>
+</file>
+
+<file path=ppt/slides/slide11.xml><?xml version="1.0" encoding="utf-8"?>
+<p:sld xmlns:a="http://schemas.openxmlformats.org/drawingml/2006/main" xmlns:r="http://schemas.openxmlformats.org/officeDocument/2006/relationships" xmlns:p="http://schemas.openxmlformats.org/presentationml/2006/main">
+  <p:cSld>
+    <p:spTree>
+      <p:nvGrpSpPr>
+        <p:cNvPr id="1" name=""/>
+        <p:cNvGrpSpPr/>
+        <p:nvPr/>
+      </p:nvGrpSpPr>
+      <p:grpSpPr>
+        <a:xfrm>
+          <a:off x="0" y="0"/>
+          <a:ext cx="0" cy="0"/>
+          <a:chOff x="0" y="0"/>
+          <a:chExt cx="0" cy="0"/>
+        </a:xfrm>
+      </p:grpSpPr>
+      <p:sp>
+        <p:nvSpPr>
+          <p:cNvPr id="2" name="Rubrik 1"/>
+          <p:cNvSpPr>
+            <a:spLocks noGrp="1"/>
+          </p:cNvSpPr>
+          <p:nvPr>
+            <p:ph type="title"/>
+          </p:nvPr>
+        </p:nvSpPr>
+        <p:spPr/>
+        <p:txBody>
+          <a:bodyPr/>
+          <a:lstStyle/>
+          <a:p>
+            <a:r>
+              <a:rPr lang="sv-SE" dirty="0" smtClean="0"/>
+              <a:t>V-MIM </a:t>
+            </a:r>
+            <a:r>
+              <a:rPr lang="sv-SE" dirty="0" err="1" smtClean="0"/>
+              <a:t>GetMaternityMedicalHistort</a:t>
+            </a:r>
+            <a:endParaRPr lang="sv-SE" dirty="0"/>
+          </a:p>
+        </p:txBody>
+      </p:sp>
+      <p:sp>
+        <p:nvSpPr>
+          <p:cNvPr id="4" name="Platshållare för bildnummer 3"/>
+          <p:cNvSpPr>
+            <a:spLocks noGrp="1"/>
+          </p:cNvSpPr>
+          <p:nvPr>
+            <p:ph type="sldNum" sz="quarter" idx="12"/>
+          </p:nvPr>
+        </p:nvSpPr>
+        <p:spPr/>
+        <p:txBody>
+          <a:bodyPr/>
+          <a:lstStyle/>
+          <a:p>
+            <a:pPr defTabSz="895350"/>
+            <a:fld id="{793AEFA7-59BA-446D-B708-A2D615D75329}" type="datetimeFigureOut">
+              <a:rPr lang="sv-SE" smtClean="0"/>
+              <a:pPr defTabSz="895350"/>
+              <a:t>2013-06-22</a:t>
+            </a:fld>
+            <a:r>
+              <a:rPr lang="sv-SE" smtClean="0"/>
+              <a:t>     sid </a:t>
+            </a:r>
+            <a:fld id="{8BB3268F-30C5-4CD2-9024-B4739203B4BF}" type="slidenum">
+              <a:rPr lang="sv-SE" smtClean="0"/>
+              <a:pPr defTabSz="895350"/>
+              <a:t>11</a:t>
+            </a:fld>
+            <a:endParaRPr lang="sv-SE" dirty="0"/>
+          </a:p>
+        </p:txBody>
+      </p:sp>
+      <p:pic>
+        <p:nvPicPr>
+          <p:cNvPr id="5" name="Bild 6"/>
+          <p:cNvPicPr/>
+          <p:nvPr/>
+        </p:nvPicPr>
+        <p:blipFill>
+          <a:blip r:embed="rId2">
+            <a:extLst>
+              <a:ext uri="{28A0092B-C50C-407E-A947-70E740481C1C}">
+                <a14:useLocalDpi xmlns:a14="http://schemas.microsoft.com/office/drawing/2010/main" val="0"/>
+              </a:ext>
+            </a:extLst>
+          </a:blip>
+          <a:srcRect/>
+          <a:stretch>
+            <a:fillRect/>
+          </a:stretch>
+        </p:blipFill>
+        <p:spPr bwMode="auto">
+          <a:xfrm>
+            <a:off x="395536" y="1700808"/>
+            <a:ext cx="8328813" cy="4248472"/>
+          </a:xfrm>
+          <a:prstGeom prst="rect">
+            <a:avLst/>
+          </a:prstGeom>
+          <a:noFill/>
+          <a:ln>
+            <a:noFill/>
+          </a:ln>
+        </p:spPr>
+      </p:pic>
+    </p:spTree>
+    <p:extLst>
+      <p:ext uri="{BB962C8B-B14F-4D97-AF65-F5344CB8AC3E}">
+        <p14:creationId xmlns:p14="http://schemas.microsoft.com/office/powerpoint/2010/main" val="1821343160"/>
+      </p:ext>
+    </p:extLst>
+  </p:cSld>
+  <p:clrMapOvr>
+    <a:masterClrMapping/>
+  </p:clrMapOvr>
 </p:sld>
 </file>
 
@@ -13638,7 +13763,7 @@
             <a:fld id="{793AEFA7-59BA-446D-B708-A2D615D75329}" type="datetimeFigureOut">
               <a:rPr lang="sv-SE" smtClean="0"/>
               <a:pPr defTabSz="895350"/>
-              <a:t>2013-05-07</a:t>
+              <a:t>2013-06-22</a:t>
             </a:fld>
             <a:r>
               <a:rPr lang="sv-SE" smtClean="0"/>
@@ -16113,7 +16238,7 @@
             <a:fld id="{793AEFA7-59BA-446D-B708-A2D615D75329}" type="datetimeFigureOut">
               <a:rPr lang="sv-SE" smtClean="0"/>
               <a:pPr defTabSz="895350"/>
-              <a:t>2013-05-07</a:t>
+              <a:t>2013-06-22</a:t>
             </a:fld>
             <a:r>
               <a:rPr lang="sv-SE" smtClean="0"/>
@@ -17915,7 +18040,7 @@
             <a:fld id="{793AEFA7-59BA-446D-B708-A2D615D75329}" type="datetimeFigureOut">
               <a:rPr lang="sv-SE" smtClean="0"/>
               <a:pPr defTabSz="895350"/>
-              <a:t>2013-05-07</a:t>
+              <a:t>2013-06-22</a:t>
             </a:fld>
             <a:r>
               <a:rPr lang="sv-SE" smtClean="0"/>
@@ -19737,15 +19862,7 @@
                   <a:srgbClr val="000000"/>
                 </a:solidFill>
               </a:rPr>
-              <a:t> </a:t>
-            </a:r>
-            <a:r>
-              <a:rPr lang="en-GB" sz="1000" dirty="0" smtClean="0">
-                <a:solidFill>
-                  <a:srgbClr val="000000"/>
-                </a:solidFill>
-              </a:rPr>
-              <a:t>de </a:t>
+              <a:t> de </a:t>
             </a:r>
             <a:r>
               <a:rPr lang="en-GB" sz="1000" dirty="0" err="1" smtClean="0">
@@ -20253,7 +20370,7 @@
             <a:fld id="{793AEFA7-59BA-446D-B708-A2D615D75329}" type="datetimeFigureOut">
               <a:rPr lang="sv-SE" smtClean="0"/>
               <a:pPr defTabSz="895350"/>
-              <a:t>2013-05-07</a:t>
+              <a:t>2013-06-22</a:t>
             </a:fld>
             <a:r>
               <a:rPr lang="sv-SE" smtClean="0"/>
@@ -21582,11 +21699,6 @@
               </a:rPr>
               <a:t>.</a:t>
             </a:r>
-            <a:endParaRPr lang="en-GB" sz="1000" dirty="0">
-              <a:solidFill>
-                <a:srgbClr val="000000"/>
-              </a:solidFill>
-            </a:endParaRPr>
           </a:p>
         </p:txBody>
       </p:sp>

--- a/ServiceInteractions/riv/clinicalprocess/healthcond/actoutcome/trunk/docs/TD_clinicalprocess_healthcond_actoutcome.pptx
+++ b/ServiceInteractions/riv/clinicalprocess/healthcond/actoutcome/trunk/docs/TD_clinicalprocess_healthcond_actoutcome.pptx
@@ -14,8 +14,8 @@
   <p:sldIdLst>
     <p:sldId id="324" r:id="rId3"/>
     <p:sldId id="325" r:id="rId4"/>
-    <p:sldId id="326" r:id="rId5"/>
-    <p:sldId id="328" r:id="rId6"/>
+    <p:sldId id="338" r:id="rId5"/>
+    <p:sldId id="337" r:id="rId6"/>
     <p:sldId id="334" r:id="rId7"/>
     <p:sldId id="329" r:id="rId8"/>
     <p:sldId id="330" r:id="rId9"/>
@@ -207,7 +207,7 @@
             <a:fld id="{A1CCCE65-3320-6145-9FE0-1D4F0AE2F80D}" type="datetimeFigureOut">
               <a:rPr lang="sv-SE" smtClean="0"/>
               <a:pPr/>
-              <a:t>2013-06-22</a:t>
+              <a:t>2013-10-21</a:t>
             </a:fld>
             <a:endParaRPr lang="sv-SE"/>
           </a:p>
@@ -374,7 +374,7 @@
             <a:fld id="{48064D6E-32A5-4333-B2C8-253366DFFB1E}" type="datetimeFigureOut">
               <a:rPr lang="sv-SE" smtClean="0"/>
               <a:pPr/>
-              <a:t>2013-06-22</a:t>
+              <a:t>2013-10-21</a:t>
             </a:fld>
             <a:endParaRPr lang="sv-SE"/>
           </a:p>
@@ -811,7 +811,7 @@
             <a:fld id="{793AEFA7-59BA-446D-B708-A2D615D75329}" type="datetimeFigureOut">
               <a:rPr lang="sv-SE" smtClean="0"/>
               <a:pPr defTabSz="895350"/>
-              <a:t>2013-06-22</a:t>
+              <a:t>2013-10-21</a:t>
             </a:fld>
             <a:r>
               <a:rPr lang="sv-SE" dirty="0" smtClean="0"/>
@@ -1286,7 +1286,7 @@
             <a:fld id="{793AEFA7-59BA-446D-B708-A2D615D75329}" type="datetimeFigureOut">
               <a:rPr lang="sv-SE" smtClean="0"/>
               <a:pPr defTabSz="895350"/>
-              <a:t>2013-06-22</a:t>
+              <a:t>2013-10-21</a:t>
             </a:fld>
             <a:r>
               <a:rPr lang="sv-SE" dirty="0" smtClean="0"/>
@@ -1744,7 +1744,7 @@
             <a:fld id="{793AEFA7-59BA-446D-B708-A2D615D75329}" type="datetimeFigureOut">
               <a:rPr lang="sv-SE" smtClean="0"/>
               <a:pPr defTabSz="895350"/>
-              <a:t>2013-06-22</a:t>
+              <a:t>2013-10-21</a:t>
             </a:fld>
             <a:r>
               <a:rPr lang="sv-SE" dirty="0" smtClean="0"/>
@@ -1953,7 +1953,7 @@
             <a:fld id="{793AEFA7-59BA-446D-B708-A2D615D75329}" type="datetimeFigureOut">
               <a:rPr lang="sv-SE" smtClean="0"/>
               <a:pPr defTabSz="895350"/>
-              <a:t>2013-06-22</a:t>
+              <a:t>2013-10-21</a:t>
             </a:fld>
             <a:r>
               <a:rPr lang="sv-SE" dirty="0" smtClean="0"/>
@@ -2181,7 +2181,7 @@
             <a:fld id="{793AEFA7-59BA-446D-B708-A2D615D75329}" type="datetimeFigureOut">
               <a:rPr lang="sv-SE" smtClean="0"/>
               <a:pPr defTabSz="895350"/>
-              <a:t>2013-06-22</a:t>
+              <a:t>2013-10-21</a:t>
             </a:fld>
             <a:r>
               <a:rPr lang="sv-SE" dirty="0" smtClean="0"/>
@@ -2576,7 +2576,7 @@
             <a:fld id="{793AEFA7-59BA-446D-B708-A2D615D75329}" type="datetimeFigureOut">
               <a:rPr lang="sv-SE" smtClean="0"/>
               <a:pPr defTabSz="895350"/>
-              <a:t>2013-06-22</a:t>
+              <a:t>2013-10-21</a:t>
             </a:fld>
             <a:r>
               <a:rPr lang="sv-SE" dirty="0" smtClean="0"/>
@@ -3059,7 +3059,7 @@
             <a:fld id="{793AEFA7-59BA-446D-B708-A2D615D75329}" type="datetimeFigureOut">
               <a:rPr lang="sv-SE" smtClean="0"/>
               <a:pPr/>
-              <a:t>2013-06-22</a:t>
+              <a:t>2013-10-21</a:t>
             </a:fld>
             <a:endParaRPr lang="sv-SE" dirty="0"/>
           </a:p>
@@ -3569,7 +3569,7 @@
             <a:fld id="{1557CB54-6EE6-4E9A-A5F4-26576EC193CD}" type="datetimeFigureOut">
               <a:rPr lang="sv-SE" smtClean="0"/>
               <a:pPr/>
-              <a:t>2013-06-22</a:t>
+              <a:t>2013-10-21</a:t>
             </a:fld>
             <a:endParaRPr lang="sv-SE"/>
           </a:p>
@@ -4176,7 +4176,7 @@
             <a:fld id="{793AEFA7-59BA-446D-B708-A2D615D75329}" type="datetimeFigureOut">
               <a:rPr lang="sv-SE" smtClean="0"/>
               <a:pPr defTabSz="895350"/>
-              <a:t>2013-06-22</a:t>
+              <a:t>2013-10-21</a:t>
             </a:fld>
             <a:r>
               <a:rPr lang="sv-SE" smtClean="0"/>
@@ -5864,7 +5864,7 @@
             <a:fld id="{793AEFA7-59BA-446D-B708-A2D615D75329}" type="datetimeFigureOut">
               <a:rPr lang="sv-SE" smtClean="0"/>
               <a:pPr defTabSz="895350"/>
-              <a:t>2013-06-22</a:t>
+              <a:t>2013-10-21</a:t>
             </a:fld>
             <a:r>
               <a:rPr lang="sv-SE" smtClean="0"/>
@@ -6780,7 +6780,7 @@
             <a:solidFill>
               <a:srgbClr val="003468"/>
             </a:solidFill>
-            <a:prstDash val="solid"/>
+            <a:prstDash val="dash"/>
             <a:round/>
             <a:headEnd type="none" w="med" len="med"/>
             <a:tailEnd type="none" w="med" len="med"/>
@@ -6798,11 +6798,25 @@
               <a:defRPr/>
             </a:pPr>
             <a:r>
+              <a:rPr lang="en-GB" sz="1000" dirty="0" smtClean="0">
+                <a:latin typeface="Verdana" pitchFamily="34" charset="0"/>
+                <a:ea typeface="Geneva" pitchFamily="1" charset="-128"/>
+              </a:rPr>
+              <a:t>(</a:t>
+            </a:r>
+            <a:r>
               <a:rPr lang="en-GB" sz="1000" dirty="0" err="1" smtClean="0">
                 <a:latin typeface="Verdana" pitchFamily="34" charset="0"/>
                 <a:ea typeface="Geneva" pitchFamily="1" charset="-128"/>
               </a:rPr>
               <a:t>Anslutningskatalog</a:t>
+            </a:r>
+            <a:r>
+              <a:rPr lang="en-GB" sz="1000" dirty="0" smtClean="0">
+                <a:latin typeface="Verdana" pitchFamily="34" charset="0"/>
+                <a:ea typeface="Geneva" pitchFamily="1" charset="-128"/>
+              </a:rPr>
+              <a:t>)</a:t>
             </a:r>
             <a:endParaRPr lang="en-GB" sz="1000" dirty="0">
               <a:latin typeface="Verdana" pitchFamily="34" charset="0"/>
@@ -6824,6 +6838,521 @@
           <a:xfrm flipH="1">
             <a:off x="2555776" y="1700808"/>
             <a:ext cx="1030" cy="2160240"/>
+          </a:xfrm>
+          <a:prstGeom prst="straightConnector1">
+            <a:avLst/>
+          </a:prstGeom>
+          <a:noFill/>
+          <a:ln w="38100">
+            <a:solidFill>
+              <a:srgbClr val="003468"/>
+            </a:solidFill>
+            <a:prstDash val="dash"/>
+            <a:round/>
+            <a:headEnd type="triangle" w="med" len="med"/>
+            <a:tailEnd type="oval" w="med" len="med"/>
+          </a:ln>
+          <a:extLst>
+            <a:ext uri="{909E8E84-426E-40dd-AFC4-6F175D3DCCD1}">
+              <a14:hiddenFill xmlns:a14="http://schemas.microsoft.com/office/drawing/2010/main">
+                <a:noFill/>
+              </a14:hiddenFill>
+            </a:ext>
+          </a:extLst>
+        </p:spPr>
+      </p:cxnSp>
+      <p:sp>
+        <p:nvSpPr>
+          <p:cNvPr id="21516" name="textruta 20"/>
+          <p:cNvSpPr txBox="1">
+            <a:spLocks noChangeArrowheads="1"/>
+          </p:cNvSpPr>
+          <p:nvPr/>
+        </p:nvSpPr>
+        <p:spPr bwMode="auto">
+          <a:xfrm>
+            <a:off x="1115616" y="2708920"/>
+            <a:ext cx="2016224" cy="519535"/>
+          </a:xfrm>
+          <a:prstGeom prst="rect">
+            <a:avLst/>
+          </a:prstGeom>
+          <a:solidFill>
+            <a:schemeClr val="bg1"/>
+          </a:solidFill>
+          <a:ln w="9525">
+            <a:solidFill>
+              <a:schemeClr val="tx1"/>
+            </a:solidFill>
+            <a:prstDash val="dash"/>
+            <a:miter lim="800000"/>
+            <a:headEnd/>
+            <a:tailEnd/>
+          </a:ln>
+        </p:spPr>
+        <p:txBody>
+          <a:bodyPr lIns="63898" tIns="31949" rIns="63898" bIns="31949"/>
+          <a:lstStyle>
+            <a:lvl1pPr eaLnBrk="0" hangingPunct="0">
+              <a:defRPr sz="3100">
+                <a:solidFill>
+                  <a:schemeClr val="tx1"/>
+                </a:solidFill>
+                <a:latin typeface="Verdana" charset="0"/>
+                <a:ea typeface="ＭＳ Ｐゴシック" charset="0"/>
+                <a:cs typeface="ＭＳ Ｐゴシック" charset="0"/>
+              </a:defRPr>
+            </a:lvl1pPr>
+            <a:lvl2pPr marL="742950" indent="-285750" eaLnBrk="0" hangingPunct="0">
+              <a:defRPr sz="3100">
+                <a:solidFill>
+                  <a:schemeClr val="tx1"/>
+                </a:solidFill>
+                <a:latin typeface="Verdana" charset="0"/>
+                <a:ea typeface="ＭＳ Ｐゴシック" charset="0"/>
+              </a:defRPr>
+            </a:lvl2pPr>
+            <a:lvl3pPr marL="1143000" indent="-228600" eaLnBrk="0" hangingPunct="0">
+              <a:defRPr sz="3100">
+                <a:solidFill>
+                  <a:schemeClr val="tx1"/>
+                </a:solidFill>
+                <a:latin typeface="Verdana" charset="0"/>
+                <a:ea typeface="ＭＳ Ｐゴシック" charset="0"/>
+              </a:defRPr>
+            </a:lvl3pPr>
+            <a:lvl4pPr marL="1600200" indent="-228600" eaLnBrk="0" hangingPunct="0">
+              <a:defRPr sz="3100">
+                <a:solidFill>
+                  <a:schemeClr val="tx1"/>
+                </a:solidFill>
+                <a:latin typeface="Verdana" charset="0"/>
+                <a:ea typeface="ＭＳ Ｐゴシック" charset="0"/>
+              </a:defRPr>
+            </a:lvl4pPr>
+            <a:lvl5pPr marL="2057400" indent="-228600" eaLnBrk="0" hangingPunct="0">
+              <a:defRPr sz="3100">
+                <a:solidFill>
+                  <a:schemeClr val="tx1"/>
+                </a:solidFill>
+                <a:latin typeface="Verdana" charset="0"/>
+                <a:ea typeface="ＭＳ Ｐゴシック" charset="0"/>
+              </a:defRPr>
+            </a:lvl5pPr>
+            <a:lvl6pPr marL="2514600" indent="-228600" eaLnBrk="0" fontAlgn="base" hangingPunct="0">
+              <a:spcBef>
+                <a:spcPct val="0"/>
+              </a:spcBef>
+              <a:spcAft>
+                <a:spcPct val="0"/>
+              </a:spcAft>
+              <a:defRPr sz="3100">
+                <a:solidFill>
+                  <a:schemeClr val="tx1"/>
+                </a:solidFill>
+                <a:latin typeface="Verdana" charset="0"/>
+                <a:ea typeface="ＭＳ Ｐゴシック" charset="0"/>
+              </a:defRPr>
+            </a:lvl6pPr>
+            <a:lvl7pPr marL="2971800" indent="-228600" eaLnBrk="0" fontAlgn="base" hangingPunct="0">
+              <a:spcBef>
+                <a:spcPct val="0"/>
+              </a:spcBef>
+              <a:spcAft>
+                <a:spcPct val="0"/>
+              </a:spcAft>
+              <a:defRPr sz="3100">
+                <a:solidFill>
+                  <a:schemeClr val="tx1"/>
+                </a:solidFill>
+                <a:latin typeface="Verdana" charset="0"/>
+                <a:ea typeface="ＭＳ Ｐゴシック" charset="0"/>
+              </a:defRPr>
+            </a:lvl7pPr>
+            <a:lvl8pPr marL="3429000" indent="-228600" eaLnBrk="0" fontAlgn="base" hangingPunct="0">
+              <a:spcBef>
+                <a:spcPct val="0"/>
+              </a:spcBef>
+              <a:spcAft>
+                <a:spcPct val="0"/>
+              </a:spcAft>
+              <a:defRPr sz="3100">
+                <a:solidFill>
+                  <a:schemeClr val="tx1"/>
+                </a:solidFill>
+                <a:latin typeface="Verdana" charset="0"/>
+                <a:ea typeface="ＭＳ Ｐゴシック" charset="0"/>
+              </a:defRPr>
+            </a:lvl8pPr>
+            <a:lvl9pPr marL="3886200" indent="-228600" eaLnBrk="0" fontAlgn="base" hangingPunct="0">
+              <a:spcBef>
+                <a:spcPct val="0"/>
+              </a:spcBef>
+              <a:spcAft>
+                <a:spcPct val="0"/>
+              </a:spcAft>
+              <a:defRPr sz="3100">
+                <a:solidFill>
+                  <a:schemeClr val="tx1"/>
+                </a:solidFill>
+                <a:latin typeface="Verdana" charset="0"/>
+                <a:ea typeface="ＭＳ Ｐゴシック" charset="0"/>
+              </a:defRPr>
+            </a:lvl9pPr>
+          </a:lstStyle>
+          <a:p>
+            <a:pPr eaLnBrk="1" hangingPunct="1"/>
+            <a:r>
+              <a:rPr lang="en-GB" sz="800" dirty="0" err="1" smtClean="0"/>
+              <a:t>Begäran</a:t>
+            </a:r>
+            <a:r>
+              <a:rPr lang="en-GB" sz="800" dirty="0" smtClean="0"/>
+              <a:t> </a:t>
+            </a:r>
+            <a:r>
+              <a:rPr lang="en-GB" sz="800" dirty="0" err="1" smtClean="0"/>
+              <a:t>och</a:t>
+            </a:r>
+            <a:r>
+              <a:rPr lang="en-GB" sz="800" dirty="0" smtClean="0"/>
+              <a:t> </a:t>
+            </a:r>
+            <a:r>
+              <a:rPr lang="en-GB" sz="800" dirty="0" err="1" smtClean="0"/>
+              <a:t>svar</a:t>
+            </a:r>
+            <a:r>
+              <a:rPr lang="en-GB" sz="800" dirty="0" smtClean="0"/>
+              <a:t> </a:t>
+            </a:r>
+            <a:r>
+              <a:rPr lang="en-GB" sz="800" dirty="0" err="1" smtClean="0"/>
+              <a:t>om</a:t>
+            </a:r>
+            <a:r>
+              <a:rPr lang="en-GB" sz="800" dirty="0" smtClean="0"/>
+              <a:t> </a:t>
+            </a:r>
+            <a:r>
+              <a:rPr lang="en-GB" sz="800" dirty="0" err="1" smtClean="0"/>
+              <a:t>anslutna</a:t>
+            </a:r>
+            <a:r>
+              <a:rPr lang="en-GB" sz="800" dirty="0" smtClean="0"/>
+              <a:t> PDL-</a:t>
+            </a:r>
+            <a:r>
+              <a:rPr lang="en-GB" sz="800" dirty="0" err="1" smtClean="0"/>
+              <a:t>enheter</a:t>
+            </a:r>
+            <a:r>
+              <a:rPr lang="en-GB" sz="800" dirty="0" smtClean="0"/>
+              <a:t> </a:t>
+            </a:r>
+            <a:r>
+              <a:rPr lang="en-GB" sz="800" dirty="0" err="1" smtClean="0"/>
+              <a:t>och</a:t>
+            </a:r>
+            <a:r>
+              <a:rPr lang="en-GB" sz="800" dirty="0" smtClean="0"/>
+              <a:t> </a:t>
+            </a:r>
+            <a:r>
+              <a:rPr lang="en-GB" sz="800" dirty="0" err="1" smtClean="0"/>
+              <a:t>infomängder</a:t>
+            </a:r>
+            <a:r>
+              <a:rPr lang="en-GB" sz="800" dirty="0" smtClean="0"/>
+              <a:t> </a:t>
+            </a:r>
+            <a:r>
+              <a:rPr lang="en-GB" sz="800" dirty="0" err="1" smtClean="0"/>
+              <a:t>som</a:t>
+            </a:r>
+            <a:r>
+              <a:rPr lang="en-GB" sz="800" dirty="0" smtClean="0"/>
+              <a:t> </a:t>
+            </a:r>
+            <a:r>
+              <a:rPr lang="en-GB" sz="800" dirty="0" err="1" smtClean="0"/>
+              <a:t>är</a:t>
+            </a:r>
+            <a:r>
+              <a:rPr lang="en-GB" sz="800" dirty="0" smtClean="0"/>
+              <a:t> </a:t>
+            </a:r>
+            <a:r>
+              <a:rPr lang="en-GB" sz="800" dirty="0" err="1" smtClean="0"/>
+              <a:t>tillgängliga</a:t>
+            </a:r>
+            <a:r>
+              <a:rPr lang="en-GB" sz="800" dirty="0" smtClean="0"/>
+              <a:t> </a:t>
+            </a:r>
+            <a:r>
+              <a:rPr lang="en-GB" sz="800" dirty="0" err="1" smtClean="0"/>
+              <a:t>för</a:t>
+            </a:r>
+            <a:r>
+              <a:rPr lang="en-GB" sz="800" dirty="0" smtClean="0"/>
+              <a:t> </a:t>
+            </a:r>
+            <a:r>
+              <a:rPr lang="en-GB" sz="800" dirty="0" err="1" smtClean="0"/>
+              <a:t>tillämpningen</a:t>
+            </a:r>
+            <a:endParaRPr lang="en-GB" sz="800" dirty="0"/>
+          </a:p>
+        </p:txBody>
+      </p:sp>
+      <p:sp>
+        <p:nvSpPr>
+          <p:cNvPr id="22" name="Rektangel 21"/>
+          <p:cNvSpPr/>
+          <p:nvPr/>
+        </p:nvSpPr>
+        <p:spPr bwMode="auto">
+          <a:xfrm>
+            <a:off x="971600" y="4509120"/>
+            <a:ext cx="8124317" cy="241023"/>
+          </a:xfrm>
+          <a:prstGeom prst="rect">
+            <a:avLst/>
+          </a:prstGeom>
+          <a:solidFill>
+            <a:schemeClr val="accent1">
+              <a:lumMod val="20000"/>
+              <a:lumOff val="80000"/>
+            </a:schemeClr>
+          </a:solidFill>
+          <a:ln w="9525" cap="flat" cmpd="sng" algn="ctr">
+            <a:solidFill>
+              <a:srgbClr val="003468"/>
+            </a:solidFill>
+            <a:prstDash val="solid"/>
+            <a:round/>
+            <a:headEnd type="none" w="med" len="med"/>
+            <a:tailEnd type="none" w="med" len="med"/>
+          </a:ln>
+          <a:effectLst/>
+        </p:spPr>
+        <p:txBody>
+          <a:bodyPr wrap="none" lIns="63898" tIns="31949" rIns="63898" bIns="31949" anchor="ctr"/>
+          <a:lstStyle/>
+          <a:p>
+            <a:pPr eaLnBrk="0" hangingPunct="0">
+              <a:spcBef>
+                <a:spcPct val="50000"/>
+              </a:spcBef>
+              <a:defRPr/>
+            </a:pPr>
+            <a:r>
+              <a:rPr lang="en-GB" sz="1000" dirty="0" err="1" smtClean="0">
+                <a:latin typeface="Verdana" pitchFamily="34" charset="0"/>
+                <a:ea typeface="Geneva" pitchFamily="1" charset="-128"/>
+              </a:rPr>
+              <a:t>Tjänsteadresseringskatalog</a:t>
+            </a:r>
+            <a:endParaRPr lang="en-GB" sz="1000" dirty="0">
+              <a:latin typeface="Verdana" pitchFamily="34" charset="0"/>
+              <a:ea typeface="Geneva" pitchFamily="1" charset="-128"/>
+            </a:endParaRPr>
+          </a:p>
+        </p:txBody>
+      </p:sp>
+      <p:sp>
+        <p:nvSpPr>
+          <p:cNvPr id="23" name="Rektangel 22"/>
+          <p:cNvSpPr/>
+          <p:nvPr/>
+        </p:nvSpPr>
+        <p:spPr bwMode="auto">
+          <a:xfrm>
+            <a:off x="971600" y="4822151"/>
+            <a:ext cx="8124317" cy="241023"/>
+          </a:xfrm>
+          <a:prstGeom prst="rect">
+            <a:avLst/>
+          </a:prstGeom>
+          <a:solidFill>
+            <a:schemeClr val="accent1">
+              <a:lumMod val="20000"/>
+              <a:lumOff val="80000"/>
+            </a:schemeClr>
+          </a:solidFill>
+          <a:ln w="9525" cap="flat" cmpd="sng" algn="ctr">
+            <a:solidFill>
+              <a:srgbClr val="003468"/>
+            </a:solidFill>
+            <a:prstDash val="solid"/>
+            <a:round/>
+            <a:headEnd type="none" w="med" len="med"/>
+            <a:tailEnd type="none" w="med" len="med"/>
+          </a:ln>
+          <a:effectLst/>
+        </p:spPr>
+        <p:txBody>
+          <a:bodyPr wrap="none" lIns="63898" tIns="31949" rIns="63898" bIns="31949" anchor="ctr"/>
+          <a:lstStyle/>
+          <a:p>
+            <a:pPr eaLnBrk="0" hangingPunct="0">
+              <a:spcBef>
+                <a:spcPct val="50000"/>
+              </a:spcBef>
+              <a:defRPr/>
+            </a:pPr>
+            <a:r>
+              <a:rPr lang="en-GB" sz="1000" dirty="0" smtClean="0">
+                <a:latin typeface="Verdana" pitchFamily="34" charset="0"/>
+                <a:ea typeface="Geneva" pitchFamily="1" charset="-128"/>
+              </a:rPr>
+              <a:t>TGP (</a:t>
+            </a:r>
+            <a:r>
+              <a:rPr lang="en-GB" sz="1000" dirty="0" err="1" smtClean="0">
+                <a:latin typeface="Verdana" pitchFamily="34" charset="0"/>
+                <a:ea typeface="Geneva" pitchFamily="1" charset="-128"/>
+              </a:rPr>
+              <a:t>eg</a:t>
+            </a:r>
+            <a:r>
+              <a:rPr lang="en-GB" sz="1000" dirty="0" smtClean="0">
+                <a:latin typeface="Verdana" pitchFamily="34" charset="0"/>
+                <a:ea typeface="Geneva" pitchFamily="1" charset="-128"/>
+              </a:rPr>
+              <a:t>. </a:t>
+            </a:r>
+            <a:r>
+              <a:rPr lang="en-GB" sz="1000" dirty="0" err="1" smtClean="0">
+                <a:latin typeface="Verdana" pitchFamily="34" charset="0"/>
+                <a:ea typeface="Geneva" pitchFamily="1" charset="-128"/>
+              </a:rPr>
+              <a:t>journalsystem</a:t>
+            </a:r>
+            <a:r>
+              <a:rPr lang="en-GB" sz="1000" dirty="0" smtClean="0">
+                <a:latin typeface="Verdana" pitchFamily="34" charset="0"/>
+                <a:ea typeface="Geneva" pitchFamily="1" charset="-128"/>
+              </a:rPr>
+              <a:t>)</a:t>
+            </a:r>
+            <a:endParaRPr lang="en-GB" sz="1000" dirty="0">
+              <a:latin typeface="Verdana" pitchFamily="34" charset="0"/>
+              <a:ea typeface="Geneva" pitchFamily="1" charset="-128"/>
+            </a:endParaRPr>
+          </a:p>
+        </p:txBody>
+      </p:sp>
+      <p:sp>
+        <p:nvSpPr>
+          <p:cNvPr id="24" name="Rektangel 23"/>
+          <p:cNvSpPr/>
+          <p:nvPr/>
+        </p:nvSpPr>
+        <p:spPr bwMode="auto">
+          <a:xfrm>
+            <a:off x="971600" y="5254199"/>
+            <a:ext cx="8124317" cy="241023"/>
+          </a:xfrm>
+          <a:prstGeom prst="rect">
+            <a:avLst/>
+          </a:prstGeom>
+          <a:solidFill>
+            <a:schemeClr val="accent1">
+              <a:lumMod val="20000"/>
+              <a:lumOff val="80000"/>
+            </a:schemeClr>
+          </a:solidFill>
+          <a:ln w="9525" cap="flat" cmpd="sng" algn="ctr">
+            <a:solidFill>
+              <a:srgbClr val="003468"/>
+            </a:solidFill>
+            <a:prstDash val="solid"/>
+            <a:round/>
+            <a:headEnd type="none" w="med" len="med"/>
+            <a:tailEnd type="none" w="med" len="med"/>
+          </a:ln>
+          <a:effectLst/>
+        </p:spPr>
+        <p:txBody>
+          <a:bodyPr wrap="none" lIns="63898" tIns="31949" rIns="63898" bIns="31949" anchor="ctr"/>
+          <a:lstStyle/>
+          <a:p>
+            <a:pPr eaLnBrk="0" hangingPunct="0">
+              <a:spcBef>
+                <a:spcPct val="50000"/>
+              </a:spcBef>
+              <a:defRPr/>
+            </a:pPr>
+            <a:r>
+              <a:rPr lang="en-GB" sz="1000" dirty="0" err="1" smtClean="0">
+                <a:latin typeface="Verdana" pitchFamily="34" charset="0"/>
+                <a:ea typeface="Geneva" pitchFamily="1" charset="-128"/>
+              </a:rPr>
+              <a:t>Samtycke</a:t>
+            </a:r>
+            <a:r>
+              <a:rPr lang="en-GB" sz="1000" dirty="0" smtClean="0">
+                <a:latin typeface="Verdana" pitchFamily="34" charset="0"/>
+                <a:ea typeface="Geneva" pitchFamily="1" charset="-128"/>
+              </a:rPr>
+              <a:t>, </a:t>
+            </a:r>
+            <a:r>
+              <a:rPr lang="en-GB" sz="1000" dirty="0" err="1" smtClean="0">
+                <a:latin typeface="Verdana" pitchFamily="34" charset="0"/>
+                <a:ea typeface="Geneva" pitchFamily="1" charset="-128"/>
+              </a:rPr>
+              <a:t>Vårdrelation</a:t>
+            </a:r>
+            <a:r>
+              <a:rPr lang="en-GB" sz="1000" dirty="0" smtClean="0">
+                <a:latin typeface="Verdana" pitchFamily="34" charset="0"/>
+                <a:ea typeface="Geneva" pitchFamily="1" charset="-128"/>
+              </a:rPr>
+              <a:t>, </a:t>
+            </a:r>
+            <a:r>
+              <a:rPr lang="en-GB" sz="1000" dirty="0" err="1" smtClean="0">
+                <a:latin typeface="Verdana" pitchFamily="34" charset="0"/>
+                <a:ea typeface="Geneva" pitchFamily="1" charset="-128"/>
+              </a:rPr>
+              <a:t>Spärr</a:t>
+            </a:r>
+            <a:r>
+              <a:rPr lang="en-GB" sz="1000" dirty="0" smtClean="0">
+                <a:latin typeface="Verdana" pitchFamily="34" charset="0"/>
+                <a:ea typeface="Geneva" pitchFamily="1" charset="-128"/>
+              </a:rPr>
+              <a:t>, </a:t>
+            </a:r>
+            <a:r>
+              <a:rPr lang="en-GB" sz="1000" dirty="0" err="1" smtClean="0">
+                <a:latin typeface="Verdana" pitchFamily="34" charset="0"/>
+                <a:ea typeface="Geneva" pitchFamily="1" charset="-128"/>
+              </a:rPr>
+              <a:t>Logg</a:t>
+            </a:r>
+            <a:endParaRPr lang="en-GB" sz="1000" dirty="0">
+              <a:latin typeface="Verdana" pitchFamily="34" charset="0"/>
+              <a:ea typeface="Geneva" pitchFamily="1" charset="-128"/>
+            </a:endParaRPr>
+          </a:p>
+        </p:txBody>
+      </p:sp>
+      <p:cxnSp>
+        <p:nvCxnSpPr>
+          <p:cNvPr id="25" name="Rak pil 33"/>
+          <p:cNvCxnSpPr>
+            <a:cxnSpLocks noChangeShapeType="1"/>
+          </p:cNvCxnSpPr>
+          <p:nvPr/>
+        </p:nvCxnSpPr>
+        <p:spPr bwMode="auto">
+          <a:xfrm>
+            <a:off x="3563888" y="1700808"/>
+            <a:ext cx="0" cy="3240360"/>
           </a:xfrm>
           <a:prstGeom prst="straightConnector1">
             <a:avLst/>
@@ -6848,7 +7377,7 @@
       </p:cxnSp>
       <p:sp>
         <p:nvSpPr>
-          <p:cNvPr id="21516" name="textruta 20"/>
+          <p:cNvPr id="21514" name="textruta 32"/>
           <p:cNvSpPr txBox="1">
             <a:spLocks noChangeArrowheads="1"/>
           </p:cNvSpPr>
@@ -6856,8 +7385,8 @@
         </p:nvSpPr>
         <p:spPr bwMode="auto">
           <a:xfrm>
-            <a:off x="1115616" y="2708920"/>
-            <a:ext cx="2016224" cy="519535"/>
+            <a:off x="2771800" y="3284984"/>
+            <a:ext cx="1296144" cy="576064"/>
           </a:xfrm>
           <a:prstGeom prst="rect">
             <a:avLst/>
@@ -7016,19 +7545,11 @@
             </a:r>
             <a:r>
               <a:rPr lang="en-GB" sz="800" dirty="0" smtClean="0"/>
-              <a:t> </a:t>
+              <a:t> patients  journal </a:t>
             </a:r>
             <a:r>
               <a:rPr lang="en-GB" sz="800" dirty="0" err="1" smtClean="0"/>
-              <a:t>anslutna</a:t>
-            </a:r>
-            <a:r>
-              <a:rPr lang="en-GB" sz="800" dirty="0" smtClean="0"/>
-              <a:t> PDL-</a:t>
-            </a:r>
-            <a:r>
-              <a:rPr lang="en-GB" sz="800" dirty="0" err="1" smtClean="0"/>
-              <a:t>enheter</a:t>
+              <a:t>är</a:t>
             </a:r>
             <a:r>
               <a:rPr lang="en-GB" sz="800" dirty="0" smtClean="0"/>
@@ -7036,7 +7557,7 @@
             </a:r>
             <a:r>
               <a:rPr lang="en-GB" sz="800" dirty="0" err="1" smtClean="0"/>
-              <a:t>och</a:t>
+              <a:t>tillgänglig</a:t>
             </a:r>
             <a:r>
               <a:rPr lang="en-GB" sz="800" dirty="0" smtClean="0"/>
@@ -7044,7 +7565,7 @@
             </a:r>
             <a:r>
               <a:rPr lang="en-GB" sz="800" dirty="0" err="1" smtClean="0"/>
-              <a:t>infomängder</a:t>
+              <a:t>för</a:t>
             </a:r>
             <a:r>
               <a:rPr lang="en-GB" sz="800" dirty="0" smtClean="0"/>
@@ -7052,282 +7573,858 @@
             </a:r>
             <a:r>
               <a:rPr lang="en-GB" sz="800" dirty="0" err="1" smtClean="0"/>
-              <a:t>som</a:t>
-            </a:r>
-            <a:r>
-              <a:rPr lang="en-GB" sz="800" dirty="0" smtClean="0"/>
-              <a:t> </a:t>
-            </a:r>
-            <a:r>
-              <a:rPr lang="en-GB" sz="800" dirty="0" err="1" smtClean="0"/>
-              <a:t>är</a:t>
-            </a:r>
-            <a:r>
-              <a:rPr lang="en-GB" sz="800" dirty="0" smtClean="0"/>
-              <a:t> </a:t>
-            </a:r>
-            <a:r>
-              <a:rPr lang="en-GB" sz="800" dirty="0" err="1" smtClean="0"/>
-              <a:t>tillgängliga</a:t>
-            </a:r>
-            <a:r>
-              <a:rPr lang="en-GB" sz="800" dirty="0" smtClean="0"/>
-              <a:t> </a:t>
-            </a:r>
-            <a:r>
-              <a:rPr lang="en-GB" sz="800" dirty="0" err="1" smtClean="0"/>
-              <a:t>för</a:t>
-            </a:r>
-            <a:r>
-              <a:rPr lang="en-GB" sz="800" dirty="0" smtClean="0"/>
-              <a:t> </a:t>
-            </a:r>
-            <a:r>
-              <a:rPr lang="en-GB" sz="800" dirty="0" err="1" smtClean="0"/>
-              <a:t>tillämpningen</a:t>
+              <a:t>medarbetaren</a:t>
             </a:r>
             <a:endParaRPr lang="en-GB" sz="800" dirty="0"/>
           </a:p>
         </p:txBody>
       </p:sp>
-      <p:sp>
-        <p:nvSpPr>
-          <p:cNvPr id="22" name="Rektangel 21"/>
-          <p:cNvSpPr/>
-          <p:nvPr/>
-        </p:nvSpPr>
+      <p:cxnSp>
+        <p:nvCxnSpPr>
+          <p:cNvPr id="28" name="Rak pil 33"/>
+          <p:cNvCxnSpPr>
+            <a:cxnSpLocks noChangeShapeType="1"/>
+          </p:cNvCxnSpPr>
+          <p:nvPr/>
+        </p:nvCxnSpPr>
         <p:spPr bwMode="auto">
           <a:xfrm>
-            <a:off x="971600" y="4509120"/>
-            <a:ext cx="8124317" cy="241023"/>
-          </a:xfrm>
-          <a:prstGeom prst="rect">
-            <a:avLst/>
-          </a:prstGeom>
-          <a:solidFill>
-            <a:schemeClr val="accent1">
-              <a:lumMod val="20000"/>
-              <a:lumOff val="80000"/>
-            </a:schemeClr>
-          </a:solidFill>
-          <a:ln w="9525" cap="flat" cmpd="sng" algn="ctr">
+            <a:off x="4283968" y="1700808"/>
+            <a:ext cx="0" cy="3744416"/>
+          </a:xfrm>
+          <a:prstGeom prst="straightConnector1">
+            <a:avLst/>
+          </a:prstGeom>
+          <a:noFill/>
+          <a:ln w="38100">
             <a:solidFill>
               <a:srgbClr val="003468"/>
             </a:solidFill>
-            <a:prstDash val="solid"/>
             <a:round/>
-            <a:headEnd type="none" w="med" len="med"/>
-            <a:tailEnd type="none" w="med" len="med"/>
+            <a:headEnd type="triangle" w="med" len="med"/>
+            <a:tailEnd type="triangle" w="med" len="med"/>
           </a:ln>
-          <a:effectLst/>
-        </p:spPr>
-        <p:txBody>
-          <a:bodyPr wrap="none" lIns="63898" tIns="31949" rIns="63898" bIns="31949" anchor="ctr"/>
+          <a:extLst>
+            <a:ext uri="{909E8E84-426E-40dd-AFC4-6F175D3DCCD1}">
+              <a14:hiddenFill xmlns:a14="http://schemas.microsoft.com/office/drawing/2010/main">
+                <a:noFill/>
+              </a14:hiddenFill>
+            </a:ext>
+          </a:extLst>
+        </p:spPr>
+      </p:cxnSp>
+      <p:sp>
+        <p:nvSpPr>
+          <p:cNvPr id="29" name="textruta 32"/>
+          <p:cNvSpPr txBox="1">
+            <a:spLocks noChangeArrowheads="1"/>
+          </p:cNvSpPr>
+          <p:nvPr/>
+        </p:nvSpPr>
+        <p:spPr bwMode="auto">
+          <a:xfrm>
+            <a:off x="3635896" y="2636912"/>
+            <a:ext cx="1080120" cy="648072"/>
+          </a:xfrm>
+          <a:prstGeom prst="rect">
+            <a:avLst/>
+          </a:prstGeom>
+          <a:solidFill>
+            <a:schemeClr val="bg1"/>
+          </a:solidFill>
+          <a:ln w="9525">
+            <a:solidFill>
+              <a:schemeClr val="tx1"/>
+            </a:solidFill>
+            <a:miter lim="800000"/>
+            <a:headEnd/>
+            <a:tailEnd/>
+          </a:ln>
+        </p:spPr>
+        <p:txBody>
+          <a:bodyPr lIns="63898" tIns="31949" rIns="63898" bIns="31949"/>
+          <a:lstStyle>
+            <a:lvl1pPr eaLnBrk="0" hangingPunct="0">
+              <a:defRPr sz="3100">
+                <a:solidFill>
+                  <a:schemeClr val="tx1"/>
+                </a:solidFill>
+                <a:latin typeface="Verdana" charset="0"/>
+                <a:ea typeface="ＭＳ Ｐゴシック" charset="0"/>
+                <a:cs typeface="ＭＳ Ｐゴシック" charset="0"/>
+              </a:defRPr>
+            </a:lvl1pPr>
+            <a:lvl2pPr marL="742950" indent="-285750" eaLnBrk="0" hangingPunct="0">
+              <a:defRPr sz="3100">
+                <a:solidFill>
+                  <a:schemeClr val="tx1"/>
+                </a:solidFill>
+                <a:latin typeface="Verdana" charset="0"/>
+                <a:ea typeface="ＭＳ Ｐゴシック" charset="0"/>
+              </a:defRPr>
+            </a:lvl2pPr>
+            <a:lvl3pPr marL="1143000" indent="-228600" eaLnBrk="0" hangingPunct="0">
+              <a:defRPr sz="3100">
+                <a:solidFill>
+                  <a:schemeClr val="tx1"/>
+                </a:solidFill>
+                <a:latin typeface="Verdana" charset="0"/>
+                <a:ea typeface="ＭＳ Ｐゴシック" charset="0"/>
+              </a:defRPr>
+            </a:lvl3pPr>
+            <a:lvl4pPr marL="1600200" indent="-228600" eaLnBrk="0" hangingPunct="0">
+              <a:defRPr sz="3100">
+                <a:solidFill>
+                  <a:schemeClr val="tx1"/>
+                </a:solidFill>
+                <a:latin typeface="Verdana" charset="0"/>
+                <a:ea typeface="ＭＳ Ｐゴシック" charset="0"/>
+              </a:defRPr>
+            </a:lvl4pPr>
+            <a:lvl5pPr marL="2057400" indent="-228600" eaLnBrk="0" hangingPunct="0">
+              <a:defRPr sz="3100">
+                <a:solidFill>
+                  <a:schemeClr val="tx1"/>
+                </a:solidFill>
+                <a:latin typeface="Verdana" charset="0"/>
+                <a:ea typeface="ＭＳ Ｐゴシック" charset="0"/>
+              </a:defRPr>
+            </a:lvl5pPr>
+            <a:lvl6pPr marL="2514600" indent="-228600" eaLnBrk="0" fontAlgn="base" hangingPunct="0">
+              <a:spcBef>
+                <a:spcPct val="0"/>
+              </a:spcBef>
+              <a:spcAft>
+                <a:spcPct val="0"/>
+              </a:spcAft>
+              <a:defRPr sz="3100">
+                <a:solidFill>
+                  <a:schemeClr val="tx1"/>
+                </a:solidFill>
+                <a:latin typeface="Verdana" charset="0"/>
+                <a:ea typeface="ＭＳ Ｐゴシック" charset="0"/>
+              </a:defRPr>
+            </a:lvl6pPr>
+            <a:lvl7pPr marL="2971800" indent="-228600" eaLnBrk="0" fontAlgn="base" hangingPunct="0">
+              <a:spcBef>
+                <a:spcPct val="0"/>
+              </a:spcBef>
+              <a:spcAft>
+                <a:spcPct val="0"/>
+              </a:spcAft>
+              <a:defRPr sz="3100">
+                <a:solidFill>
+                  <a:schemeClr val="tx1"/>
+                </a:solidFill>
+                <a:latin typeface="Verdana" charset="0"/>
+                <a:ea typeface="ＭＳ Ｐゴシック" charset="0"/>
+              </a:defRPr>
+            </a:lvl7pPr>
+            <a:lvl8pPr marL="3429000" indent="-228600" eaLnBrk="0" fontAlgn="base" hangingPunct="0">
+              <a:spcBef>
+                <a:spcPct val="0"/>
+              </a:spcBef>
+              <a:spcAft>
+                <a:spcPct val="0"/>
+              </a:spcAft>
+              <a:defRPr sz="3100">
+                <a:solidFill>
+                  <a:schemeClr val="tx1"/>
+                </a:solidFill>
+                <a:latin typeface="Verdana" charset="0"/>
+                <a:ea typeface="ＭＳ Ｐゴシック" charset="0"/>
+              </a:defRPr>
+            </a:lvl8pPr>
+            <a:lvl9pPr marL="3886200" indent="-228600" eaLnBrk="0" fontAlgn="base" hangingPunct="0">
+              <a:spcBef>
+                <a:spcPct val="0"/>
+              </a:spcBef>
+              <a:spcAft>
+                <a:spcPct val="0"/>
+              </a:spcAft>
+              <a:defRPr sz="3100">
+                <a:solidFill>
+                  <a:schemeClr val="tx1"/>
+                </a:solidFill>
+                <a:latin typeface="Verdana" charset="0"/>
+                <a:ea typeface="ＭＳ Ｐゴシック" charset="0"/>
+              </a:defRPr>
+            </a:lvl9pPr>
+          </a:lstStyle>
+          <a:p>
+            <a:pPr eaLnBrk="1" hangingPunct="1"/>
+            <a:r>
+              <a:rPr lang="en-GB" sz="800" dirty="0" err="1" smtClean="0"/>
+              <a:t>Kontroll</a:t>
+            </a:r>
+            <a:r>
+              <a:rPr lang="en-GB" sz="800" dirty="0" smtClean="0"/>
+              <a:t> </a:t>
+            </a:r>
+            <a:r>
+              <a:rPr lang="en-GB" sz="800" dirty="0" err="1" smtClean="0"/>
+              <a:t>och</a:t>
+            </a:r>
+            <a:r>
+              <a:rPr lang="en-GB" sz="800" dirty="0" smtClean="0"/>
+              <a:t> </a:t>
+            </a:r>
+            <a:r>
+              <a:rPr lang="en-GB" sz="800" dirty="0" err="1" smtClean="0"/>
+              <a:t>registrering</a:t>
+            </a:r>
+            <a:r>
+              <a:rPr lang="en-GB" sz="800" dirty="0" smtClean="0"/>
+              <a:t> </a:t>
+            </a:r>
+            <a:r>
+              <a:rPr lang="en-GB" sz="800" dirty="0" err="1" smtClean="0"/>
+              <a:t>av</a:t>
+            </a:r>
+            <a:r>
+              <a:rPr lang="en-GB" sz="800" dirty="0" smtClean="0"/>
+              <a:t> </a:t>
+            </a:r>
+            <a:r>
+              <a:rPr lang="en-GB" sz="800" dirty="0" err="1" smtClean="0"/>
+              <a:t>samtycke</a:t>
+            </a:r>
+            <a:r>
+              <a:rPr lang="en-GB" sz="800" dirty="0" smtClean="0"/>
+              <a:t>, </a:t>
+            </a:r>
+            <a:r>
+              <a:rPr lang="en-GB" sz="800" dirty="0" err="1" smtClean="0"/>
+              <a:t>vårdrelation</a:t>
+            </a:r>
+            <a:r>
+              <a:rPr lang="en-GB" sz="800" dirty="0" smtClean="0"/>
+              <a:t> </a:t>
+            </a:r>
+            <a:r>
+              <a:rPr lang="en-GB" sz="800" dirty="0" err="1" smtClean="0"/>
+              <a:t>och</a:t>
+            </a:r>
+            <a:r>
+              <a:rPr lang="en-GB" sz="800" dirty="0" smtClean="0"/>
+              <a:t> </a:t>
+            </a:r>
+            <a:r>
+              <a:rPr lang="en-GB" sz="800" dirty="0" err="1" smtClean="0"/>
+              <a:t>spärr</a:t>
+            </a:r>
+            <a:endParaRPr lang="en-GB" sz="800" dirty="0"/>
+          </a:p>
+        </p:txBody>
+      </p:sp>
+      <p:sp>
+        <p:nvSpPr>
+          <p:cNvPr id="41" name="Femhörning 10"/>
+          <p:cNvSpPr>
+            <a:spLocks noChangeArrowheads="1"/>
+          </p:cNvSpPr>
+          <p:nvPr/>
+        </p:nvSpPr>
+        <p:spPr bwMode="auto">
+          <a:xfrm>
+            <a:off x="4716016" y="1988840"/>
+            <a:ext cx="2592288" cy="504056"/>
+          </a:xfrm>
+          <a:prstGeom prst="homePlate">
+            <a:avLst>
+              <a:gd name="adj" fmla="val 50002"/>
+            </a:avLst>
+          </a:prstGeom>
+          <a:solidFill>
+            <a:schemeClr val="bg1"/>
+          </a:solidFill>
+          <a:ln w="9525">
+            <a:solidFill>
+              <a:srgbClr val="003468"/>
+            </a:solidFill>
+            <a:round/>
+            <a:headEnd/>
+            <a:tailEnd/>
+          </a:ln>
+        </p:spPr>
+        <p:txBody>
+          <a:bodyPr lIns="63898" tIns="31949" rIns="63898" bIns="31949" anchor="ctr"/>
           <a:lstStyle/>
           <a:p>
-            <a:pPr eaLnBrk="0" hangingPunct="0">
+            <a:pPr algn="ctr" eaLnBrk="0" hangingPunct="0">
               <a:spcBef>
                 <a:spcPct val="50000"/>
               </a:spcBef>
-              <a:defRPr/>
             </a:pPr>
             <a:r>
               <a:rPr lang="en-GB" sz="1000" dirty="0" err="1" smtClean="0">
-                <a:latin typeface="Verdana" pitchFamily="34" charset="0"/>
-                <a:ea typeface="Geneva" pitchFamily="1" charset="-128"/>
-              </a:rPr>
-              <a:t>Tjänsteadresseringskatalog</a:t>
+                <a:cs typeface="Geneva" charset="0"/>
+              </a:rPr>
+              <a:t>Hämta</a:t>
+            </a:r>
+            <a:r>
+              <a:rPr lang="en-GB" sz="1000" dirty="0" smtClean="0">
+                <a:cs typeface="Geneva" charset="0"/>
+              </a:rPr>
+              <a:t> info</a:t>
+            </a:r>
+          </a:p>
+          <a:p>
+            <a:pPr algn="ctr" eaLnBrk="0" hangingPunct="0">
+              <a:spcBef>
+                <a:spcPct val="50000"/>
+              </a:spcBef>
+            </a:pPr>
+            <a:r>
+              <a:rPr lang="en-GB" sz="1000" dirty="0" smtClean="0">
+                <a:cs typeface="Geneva" charset="0"/>
+              </a:rPr>
+              <a:t>(aggregering </a:t>
+            </a:r>
+            <a:r>
+              <a:rPr lang="en-GB" sz="1000" dirty="0" err="1" smtClean="0">
+                <a:cs typeface="Geneva" charset="0"/>
+              </a:rPr>
+              <a:t>i</a:t>
+            </a:r>
+            <a:r>
+              <a:rPr lang="en-GB" sz="1000" dirty="0" smtClean="0">
+                <a:cs typeface="Geneva" charset="0"/>
+              </a:rPr>
+              <a:t> </a:t>
+            </a:r>
+            <a:r>
+              <a:rPr lang="en-GB" sz="1000" dirty="0" err="1" smtClean="0">
+                <a:cs typeface="Geneva" charset="0"/>
+              </a:rPr>
+              <a:t>NTjP</a:t>
+            </a:r>
+            <a:r>
+              <a:rPr lang="en-GB" sz="1000" dirty="0" smtClean="0">
+                <a:cs typeface="Geneva" charset="0"/>
+              </a:rPr>
+              <a:t>)</a:t>
             </a:r>
             <a:endParaRPr lang="en-GB" sz="1000" dirty="0">
-              <a:latin typeface="Verdana" pitchFamily="34" charset="0"/>
-              <a:ea typeface="Geneva" pitchFamily="1" charset="-128"/>
+              <a:cs typeface="Geneva" charset="0"/>
             </a:endParaRPr>
           </a:p>
         </p:txBody>
       </p:sp>
       <p:sp>
         <p:nvSpPr>
-          <p:cNvPr id="23" name="Rektangel 22"/>
-          <p:cNvSpPr/>
+          <p:cNvPr id="42" name="Femhörning 8"/>
+          <p:cNvSpPr>
+            <a:spLocks noChangeArrowheads="1"/>
+          </p:cNvSpPr>
           <p:nvPr/>
         </p:nvSpPr>
         <p:spPr bwMode="auto">
           <a:xfrm>
-            <a:off x="971600" y="4822151"/>
-            <a:ext cx="8124317" cy="241023"/>
-          </a:xfrm>
-          <a:prstGeom prst="rect">
-            <a:avLst/>
+            <a:off x="3313960" y="1196752"/>
+            <a:ext cx="1296144" cy="504056"/>
+          </a:xfrm>
+          <a:prstGeom prst="homePlate">
+            <a:avLst>
+              <a:gd name="adj" fmla="val 50008"/>
+            </a:avLst>
           </a:prstGeom>
           <a:solidFill>
-            <a:schemeClr val="accent1">
-              <a:lumMod val="20000"/>
-              <a:lumOff val="80000"/>
-            </a:schemeClr>
+            <a:schemeClr val="bg1"/>
           </a:solidFill>
-          <a:ln w="9525" cap="flat" cmpd="sng" algn="ctr">
+          <a:ln w="9525">
             <a:solidFill>
               <a:srgbClr val="003468"/>
             </a:solidFill>
-            <a:prstDash val="solid"/>
             <a:round/>
-            <a:headEnd type="none" w="med" len="med"/>
-            <a:tailEnd type="none" w="med" len="med"/>
+            <a:headEnd/>
+            <a:tailEnd/>
           </a:ln>
-          <a:effectLst/>
-        </p:spPr>
-        <p:txBody>
-          <a:bodyPr wrap="none" lIns="63898" tIns="31949" rIns="63898" bIns="31949" anchor="ctr"/>
+        </p:spPr>
+        <p:txBody>
+          <a:bodyPr lIns="63898" tIns="31949" rIns="63898" bIns="31949" anchor="ctr"/>
           <a:lstStyle/>
           <a:p>
-            <a:pPr eaLnBrk="0" hangingPunct="0">
+            <a:pPr algn="ctr" eaLnBrk="0" hangingPunct="0">
               <a:spcBef>
                 <a:spcPct val="50000"/>
               </a:spcBef>
-              <a:defRPr/>
             </a:pPr>
             <a:r>
               <a:rPr lang="en-GB" sz="1000" dirty="0" smtClean="0">
-                <a:latin typeface="Verdana" pitchFamily="34" charset="0"/>
-                <a:ea typeface="Geneva" pitchFamily="1" charset="-128"/>
-              </a:rPr>
-              <a:t>TGP (</a:t>
+                <a:cs typeface="Geneva" charset="0"/>
+              </a:rPr>
+              <a:t>Val </a:t>
             </a:r>
             <a:r>
               <a:rPr lang="en-GB" sz="1000" dirty="0" err="1" smtClean="0">
-                <a:latin typeface="Verdana" pitchFamily="34" charset="0"/>
-                <a:ea typeface="Geneva" pitchFamily="1" charset="-128"/>
-              </a:rPr>
-              <a:t>eg</a:t>
+                <a:cs typeface="Geneva" charset="0"/>
+              </a:rPr>
+              <a:t>av</a:t>
             </a:r>
             <a:r>
               <a:rPr lang="en-GB" sz="1000" dirty="0" smtClean="0">
-                <a:latin typeface="Verdana" pitchFamily="34" charset="0"/>
-                <a:ea typeface="Geneva" pitchFamily="1" charset="-128"/>
-              </a:rPr>
-              <a:t>. </a:t>
-            </a:r>
-            <a:r>
-              <a:rPr lang="en-GB" sz="1000" dirty="0" err="1" smtClean="0">
-                <a:latin typeface="Verdana" pitchFamily="34" charset="0"/>
-                <a:ea typeface="Geneva" pitchFamily="1" charset="-128"/>
-              </a:rPr>
-              <a:t>journalsystem</a:t>
-            </a:r>
-            <a:r>
-              <a:rPr lang="en-GB" sz="1000" dirty="0" smtClean="0">
-                <a:latin typeface="Verdana" pitchFamily="34" charset="0"/>
-                <a:ea typeface="Geneva" pitchFamily="1" charset="-128"/>
-              </a:rPr>
-              <a:t>)</a:t>
+                <a:cs typeface="Geneva" charset="0"/>
+              </a:rPr>
+              <a:t> patient</a:t>
             </a:r>
             <a:endParaRPr lang="en-GB" sz="1000" dirty="0">
-              <a:latin typeface="Verdana" pitchFamily="34" charset="0"/>
-              <a:ea typeface="Geneva" pitchFamily="1" charset="-128"/>
+              <a:cs typeface="Geneva" charset="0"/>
             </a:endParaRPr>
           </a:p>
         </p:txBody>
       </p:sp>
       <p:sp>
         <p:nvSpPr>
-          <p:cNvPr id="24" name="Rektangel 23"/>
-          <p:cNvSpPr/>
+          <p:cNvPr id="43" name="textruta 9"/>
+          <p:cNvSpPr txBox="1">
+            <a:spLocks noChangeArrowheads="1"/>
+          </p:cNvSpPr>
           <p:nvPr/>
         </p:nvSpPr>
         <p:spPr bwMode="auto">
           <a:xfrm>
-            <a:off x="971600" y="5254199"/>
-            <a:ext cx="8124317" cy="241023"/>
+            <a:off x="793680" y="1124744"/>
+            <a:ext cx="1547752" cy="680075"/>
           </a:xfrm>
           <a:prstGeom prst="rect">
             <a:avLst/>
           </a:prstGeom>
+          <a:noFill/>
+          <a:ln>
+            <a:noFill/>
+          </a:ln>
+          <a:extLst>
+            <a:ext uri="{909E8E84-426E-40dd-AFC4-6F175D3DCCD1}">
+              <a14:hiddenFill xmlns:a14="http://schemas.microsoft.com/office/drawing/2010/main">
+                <a:solidFill>
+                  <a:srgbClr val="FFFFFF"/>
+                </a:solidFill>
+              </a14:hiddenFill>
+            </a:ext>
+            <a:ext uri="{91240B29-F687-4f45-9708-019B960494DF}">
+              <a14:hiddenLine xmlns:a14="http://schemas.microsoft.com/office/drawing/2010/main" w="9525">
+                <a:solidFill>
+                  <a:srgbClr val="000000"/>
+                </a:solidFill>
+                <a:miter lim="800000"/>
+                <a:headEnd/>
+                <a:tailEnd/>
+              </a14:hiddenLine>
+            </a:ext>
+          </a:extLst>
+        </p:spPr>
+        <p:txBody>
+          <a:bodyPr lIns="63898" tIns="31949" rIns="63898" bIns="31949">
+            <a:spAutoFit/>
+          </a:bodyPr>
+          <a:lstStyle>
+            <a:lvl1pPr eaLnBrk="0" hangingPunct="0">
+              <a:defRPr sz="3100">
+                <a:solidFill>
+                  <a:schemeClr val="tx1"/>
+                </a:solidFill>
+                <a:latin typeface="Verdana" charset="0"/>
+                <a:ea typeface="ＭＳ Ｐゴシック" charset="0"/>
+                <a:cs typeface="ＭＳ Ｐゴシック" charset="0"/>
+              </a:defRPr>
+            </a:lvl1pPr>
+            <a:lvl2pPr marL="742950" indent="-285750" eaLnBrk="0" hangingPunct="0">
+              <a:defRPr sz="3100">
+                <a:solidFill>
+                  <a:schemeClr val="tx1"/>
+                </a:solidFill>
+                <a:latin typeface="Verdana" charset="0"/>
+                <a:ea typeface="ＭＳ Ｐゴシック" charset="0"/>
+              </a:defRPr>
+            </a:lvl2pPr>
+            <a:lvl3pPr marL="1143000" indent="-228600" eaLnBrk="0" hangingPunct="0">
+              <a:defRPr sz="3100">
+                <a:solidFill>
+                  <a:schemeClr val="tx1"/>
+                </a:solidFill>
+                <a:latin typeface="Verdana" charset="0"/>
+                <a:ea typeface="ＭＳ Ｐゴシック" charset="0"/>
+              </a:defRPr>
+            </a:lvl3pPr>
+            <a:lvl4pPr marL="1600200" indent="-228600" eaLnBrk="0" hangingPunct="0">
+              <a:defRPr sz="3100">
+                <a:solidFill>
+                  <a:schemeClr val="tx1"/>
+                </a:solidFill>
+                <a:latin typeface="Verdana" charset="0"/>
+                <a:ea typeface="ＭＳ Ｐゴシック" charset="0"/>
+              </a:defRPr>
+            </a:lvl4pPr>
+            <a:lvl5pPr marL="2057400" indent="-228600" eaLnBrk="0" hangingPunct="0">
+              <a:defRPr sz="3100">
+                <a:solidFill>
+                  <a:schemeClr val="tx1"/>
+                </a:solidFill>
+                <a:latin typeface="Verdana" charset="0"/>
+                <a:ea typeface="ＭＳ Ｐゴシック" charset="0"/>
+              </a:defRPr>
+            </a:lvl5pPr>
+            <a:lvl6pPr marL="2514600" indent="-228600" eaLnBrk="0" fontAlgn="base" hangingPunct="0">
+              <a:spcBef>
+                <a:spcPct val="0"/>
+              </a:spcBef>
+              <a:spcAft>
+                <a:spcPct val="0"/>
+              </a:spcAft>
+              <a:defRPr sz="3100">
+                <a:solidFill>
+                  <a:schemeClr val="tx1"/>
+                </a:solidFill>
+                <a:latin typeface="Verdana" charset="0"/>
+                <a:ea typeface="ＭＳ Ｐゴシック" charset="0"/>
+              </a:defRPr>
+            </a:lvl6pPr>
+            <a:lvl7pPr marL="2971800" indent="-228600" eaLnBrk="0" fontAlgn="base" hangingPunct="0">
+              <a:spcBef>
+                <a:spcPct val="0"/>
+              </a:spcBef>
+              <a:spcAft>
+                <a:spcPct val="0"/>
+              </a:spcAft>
+              <a:defRPr sz="3100">
+                <a:solidFill>
+                  <a:schemeClr val="tx1"/>
+                </a:solidFill>
+                <a:latin typeface="Verdana" charset="0"/>
+                <a:ea typeface="ＭＳ Ｐゴシック" charset="0"/>
+              </a:defRPr>
+            </a:lvl7pPr>
+            <a:lvl8pPr marL="3429000" indent="-228600" eaLnBrk="0" fontAlgn="base" hangingPunct="0">
+              <a:spcBef>
+                <a:spcPct val="0"/>
+              </a:spcBef>
+              <a:spcAft>
+                <a:spcPct val="0"/>
+              </a:spcAft>
+              <a:defRPr sz="3100">
+                <a:solidFill>
+                  <a:schemeClr val="tx1"/>
+                </a:solidFill>
+                <a:latin typeface="Verdana" charset="0"/>
+                <a:ea typeface="ＭＳ Ｐゴシック" charset="0"/>
+              </a:defRPr>
+            </a:lvl8pPr>
+            <a:lvl9pPr marL="3886200" indent="-228600" eaLnBrk="0" fontAlgn="base" hangingPunct="0">
+              <a:spcBef>
+                <a:spcPct val="0"/>
+              </a:spcBef>
+              <a:spcAft>
+                <a:spcPct val="0"/>
+              </a:spcAft>
+              <a:defRPr sz="3100">
+                <a:solidFill>
+                  <a:schemeClr val="tx1"/>
+                </a:solidFill>
+                <a:latin typeface="Verdana" charset="0"/>
+                <a:ea typeface="ＭＳ Ｐゴシック" charset="0"/>
+              </a:defRPr>
+            </a:lvl9pPr>
+          </a:lstStyle>
+          <a:p>
+            <a:pPr eaLnBrk="1" hangingPunct="1"/>
+            <a:r>
+              <a:rPr lang="en-GB" sz="1000" dirty="0" err="1"/>
+              <a:t>Professionens</a:t>
+            </a:r>
+            <a:r>
+              <a:rPr lang="en-GB" sz="1000" dirty="0"/>
+              <a:t> </a:t>
+            </a:r>
+            <a:r>
+              <a:rPr lang="en-GB" sz="1000" dirty="0" err="1" smtClean="0"/>
+              <a:t>aktiviteter</a:t>
+            </a:r>
+            <a:r>
+              <a:rPr lang="en-GB" sz="1000" dirty="0" smtClean="0"/>
+              <a:t> </a:t>
+            </a:r>
+            <a:r>
+              <a:rPr lang="en-GB" sz="1000" dirty="0" err="1" smtClean="0"/>
+              <a:t>i</a:t>
+            </a:r>
+            <a:r>
+              <a:rPr lang="en-GB" sz="1000" dirty="0" smtClean="0"/>
+              <a:t> </a:t>
+            </a:r>
+            <a:r>
+              <a:rPr lang="en-GB" sz="1000" dirty="0" err="1" smtClean="0"/>
+              <a:t>tillämpning</a:t>
+            </a:r>
+            <a:r>
+              <a:rPr lang="en-GB" sz="1000" dirty="0" smtClean="0"/>
+              <a:t> </a:t>
+            </a:r>
+            <a:r>
+              <a:rPr lang="en-GB" sz="1000" dirty="0" err="1" smtClean="0"/>
+              <a:t>för</a:t>
+            </a:r>
+            <a:r>
+              <a:rPr lang="en-GB" sz="1000" dirty="0" smtClean="0"/>
+              <a:t> </a:t>
+            </a:r>
+            <a:r>
+              <a:rPr lang="en-GB" sz="1000" dirty="0" err="1" smtClean="0"/>
+              <a:t>patientöversikt</a:t>
+            </a:r>
+            <a:endParaRPr lang="en-GB" sz="1000" dirty="0"/>
+          </a:p>
+        </p:txBody>
+      </p:sp>
+      <p:sp>
+        <p:nvSpPr>
+          <p:cNvPr id="44" name="Femhörning 10"/>
+          <p:cNvSpPr>
+            <a:spLocks noChangeArrowheads="1"/>
+          </p:cNvSpPr>
+          <p:nvPr/>
+        </p:nvSpPr>
+        <p:spPr bwMode="auto">
+          <a:xfrm>
+            <a:off x="7596336" y="1196752"/>
+            <a:ext cx="1512168" cy="504056"/>
+          </a:xfrm>
+          <a:prstGeom prst="homePlate">
+            <a:avLst>
+              <a:gd name="adj" fmla="val 50002"/>
+            </a:avLst>
+          </a:prstGeom>
           <a:solidFill>
-            <a:schemeClr val="accent1">
-              <a:lumMod val="20000"/>
-              <a:lumOff val="80000"/>
-            </a:schemeClr>
+            <a:schemeClr val="bg1"/>
           </a:solidFill>
-          <a:ln w="9525" cap="flat" cmpd="sng" algn="ctr">
+          <a:ln w="9525">
             <a:solidFill>
               <a:srgbClr val="003468"/>
             </a:solidFill>
-            <a:prstDash val="solid"/>
             <a:round/>
-            <a:headEnd type="none" w="med" len="med"/>
-            <a:tailEnd type="none" w="med" len="med"/>
+            <a:headEnd/>
+            <a:tailEnd/>
           </a:ln>
-          <a:effectLst/>
-        </p:spPr>
-        <p:txBody>
-          <a:bodyPr wrap="none" lIns="63898" tIns="31949" rIns="63898" bIns="31949" anchor="ctr"/>
+        </p:spPr>
+        <p:txBody>
+          <a:bodyPr lIns="63898" tIns="31949" rIns="63898" bIns="31949" anchor="ctr"/>
           <a:lstStyle/>
           <a:p>
-            <a:pPr eaLnBrk="0" hangingPunct="0">
+            <a:pPr algn="ctr" eaLnBrk="0" hangingPunct="0">
               <a:spcBef>
                 <a:spcPct val="50000"/>
               </a:spcBef>
-              <a:defRPr/>
             </a:pPr>
             <a:r>
               <a:rPr lang="en-GB" sz="1000" dirty="0" err="1" smtClean="0">
-                <a:latin typeface="Verdana" pitchFamily="34" charset="0"/>
-                <a:ea typeface="Geneva" pitchFamily="1" charset="-128"/>
-              </a:rPr>
-              <a:t>Samtycke</a:t>
+                <a:cs typeface="Geneva" charset="0"/>
+              </a:rPr>
+              <a:t>Läsa</a:t>
             </a:r>
             <a:r>
               <a:rPr lang="en-GB" sz="1000" dirty="0" smtClean="0">
-                <a:latin typeface="Verdana" pitchFamily="34" charset="0"/>
-                <a:ea typeface="Geneva" pitchFamily="1" charset="-128"/>
-              </a:rPr>
-              <a:t>, </a:t>
+                <a:cs typeface="Geneva" charset="0"/>
+              </a:rPr>
+              <a:t> </a:t>
             </a:r>
             <a:r>
               <a:rPr lang="en-GB" sz="1000" dirty="0" err="1" smtClean="0">
-                <a:latin typeface="Verdana" pitchFamily="34" charset="0"/>
-                <a:ea typeface="Geneva" pitchFamily="1" charset="-128"/>
-              </a:rPr>
-              <a:t>Vårdrelation</a:t>
+                <a:cs typeface="Geneva" charset="0"/>
+              </a:rPr>
+              <a:t>journalhistorik</a:t>
+            </a:r>
+            <a:endParaRPr lang="en-GB" sz="1000" dirty="0">
+              <a:cs typeface="Geneva" charset="0"/>
+            </a:endParaRPr>
+          </a:p>
+        </p:txBody>
+      </p:sp>
+      <p:sp>
+        <p:nvSpPr>
+          <p:cNvPr id="45" name="Rektangel 63"/>
+          <p:cNvSpPr>
+            <a:spLocks noChangeArrowheads="1"/>
+          </p:cNvSpPr>
+          <p:nvPr/>
+        </p:nvSpPr>
+        <p:spPr bwMode="auto">
+          <a:xfrm>
+            <a:off x="827584" y="1124744"/>
+            <a:ext cx="8288725" cy="698506"/>
+          </a:xfrm>
+          <a:prstGeom prst="rect">
+            <a:avLst/>
+          </a:prstGeom>
+          <a:noFill/>
+          <a:ln w="9525">
+            <a:solidFill>
+              <a:srgbClr val="003468"/>
+            </a:solidFill>
+            <a:round/>
+            <a:headEnd/>
+            <a:tailEnd/>
+          </a:ln>
+          <a:extLst>
+            <a:ext uri="{909E8E84-426E-40dd-AFC4-6F175D3DCCD1}">
+              <a14:hiddenFill xmlns:a14="http://schemas.microsoft.com/office/drawing/2010/main">
+                <a:solidFill>
+                  <a:srgbClr val="FFFFFF"/>
+                </a:solidFill>
+              </a14:hiddenFill>
+            </a:ext>
+          </a:extLst>
+        </p:spPr>
+        <p:txBody>
+          <a:bodyPr lIns="63898" tIns="31949" rIns="63898" bIns="31949" anchor="ctr">
+            <a:noAutofit/>
+          </a:bodyPr>
+          <a:lstStyle/>
+          <a:p>
+            <a:pPr algn="ctr" eaLnBrk="0" hangingPunct="0">
+              <a:spcBef>
+                <a:spcPct val="50000"/>
+              </a:spcBef>
+            </a:pPr>
+            <a:endParaRPr lang="en-GB" sz="1500">
+              <a:cs typeface="Geneva" charset="0"/>
+            </a:endParaRPr>
+          </a:p>
+        </p:txBody>
+      </p:sp>
+      <p:sp>
+        <p:nvSpPr>
+          <p:cNvPr id="46" name="Femhörning 8"/>
+          <p:cNvSpPr>
+            <a:spLocks noChangeArrowheads="1"/>
+          </p:cNvSpPr>
+          <p:nvPr/>
+        </p:nvSpPr>
+        <p:spPr bwMode="auto">
+          <a:xfrm>
+            <a:off x="2051720" y="1196752"/>
+            <a:ext cx="1262240" cy="504056"/>
+          </a:xfrm>
+          <a:prstGeom prst="homePlate">
+            <a:avLst>
+              <a:gd name="adj" fmla="val 50008"/>
+            </a:avLst>
+          </a:prstGeom>
+          <a:solidFill>
+            <a:schemeClr val="bg1"/>
+          </a:solidFill>
+          <a:ln w="9525">
+            <a:solidFill>
+              <a:srgbClr val="003468"/>
+            </a:solidFill>
+            <a:round/>
+            <a:headEnd/>
+            <a:tailEnd/>
+          </a:ln>
+        </p:spPr>
+        <p:txBody>
+          <a:bodyPr lIns="63898" tIns="31949" rIns="63898" bIns="31949" anchor="ctr"/>
+          <a:lstStyle/>
+          <a:p>
+            <a:pPr algn="ctr" eaLnBrk="0" hangingPunct="0">
+              <a:spcBef>
+                <a:spcPct val="50000"/>
+              </a:spcBef>
+            </a:pPr>
+            <a:r>
+              <a:rPr lang="en-GB" sz="1000" dirty="0" err="1" smtClean="0">
+                <a:cs typeface="Geneva" charset="0"/>
+              </a:rPr>
+              <a:t>Bedöm</a:t>
             </a:r>
             <a:r>
               <a:rPr lang="en-GB" sz="1000" dirty="0" smtClean="0">
-                <a:latin typeface="Verdana" pitchFamily="34" charset="0"/>
-                <a:ea typeface="Geneva" pitchFamily="1" charset="-128"/>
-              </a:rPr>
-              <a:t>, </a:t>
+                <a:cs typeface="Geneva" charset="0"/>
+              </a:rPr>
+              <a:t> </a:t>
             </a:r>
             <a:r>
               <a:rPr lang="en-GB" sz="1000" dirty="0" err="1" smtClean="0">
-                <a:latin typeface="Verdana" pitchFamily="34" charset="0"/>
-                <a:ea typeface="Geneva" pitchFamily="1" charset="-128"/>
-              </a:rPr>
-              <a:t>Spärr</a:t>
-            </a:r>
-            <a:r>
-              <a:rPr lang="en-GB" sz="1000" dirty="0" smtClean="0">
-                <a:latin typeface="Verdana" pitchFamily="34" charset="0"/>
-                <a:ea typeface="Geneva" pitchFamily="1" charset="-128"/>
-              </a:rPr>
-              <a:t>, </a:t>
-            </a:r>
-            <a:r>
-              <a:rPr lang="en-GB" sz="1000" dirty="0" err="1" smtClean="0">
-                <a:latin typeface="Verdana" pitchFamily="34" charset="0"/>
-                <a:ea typeface="Geneva" pitchFamily="1" charset="-128"/>
-              </a:rPr>
-              <a:t>Logg</a:t>
+                <a:cs typeface="Geneva" charset="0"/>
+              </a:rPr>
+              <a:t>informationskvalité</a:t>
             </a:r>
             <a:endParaRPr lang="en-GB" sz="1000" dirty="0">
-              <a:latin typeface="Verdana" pitchFamily="34" charset="0"/>
-              <a:ea typeface="Geneva" pitchFamily="1" charset="-128"/>
+              <a:cs typeface="Geneva" charset="0"/>
             </a:endParaRPr>
           </a:p>
         </p:txBody>
       </p:sp>
       <p:cxnSp>
         <p:nvCxnSpPr>
-          <p:cNvPr id="25" name="Rak pil 33"/>
+          <p:cNvPr id="12" name="Vinklad  11"/>
+          <p:cNvCxnSpPr>
+            <a:stCxn id="42" idx="3"/>
+            <a:endCxn id="41" idx="1"/>
+          </p:cNvCxnSpPr>
+          <p:nvPr/>
+        </p:nvCxnSpPr>
+        <p:spPr>
+          <a:xfrm>
+            <a:off x="4610104" y="1448780"/>
+            <a:ext cx="105912" cy="792088"/>
+          </a:xfrm>
+          <a:prstGeom prst="bentConnector3">
+            <a:avLst/>
+          </a:prstGeom>
+        </p:spPr>
+        <p:style>
+          <a:lnRef idx="2">
+            <a:schemeClr val="accent1"/>
+          </a:lnRef>
+          <a:fillRef idx="0">
+            <a:schemeClr val="accent1"/>
+          </a:fillRef>
+          <a:effectRef idx="1">
+            <a:schemeClr val="accent1"/>
+          </a:effectRef>
+          <a:fontRef idx="minor">
+            <a:schemeClr val="tx1"/>
+          </a:fontRef>
+        </p:style>
+      </p:cxnSp>
+      <p:cxnSp>
+        <p:nvCxnSpPr>
+          <p:cNvPr id="14" name="Vinklad  13"/>
+          <p:cNvCxnSpPr>
+            <a:stCxn id="41" idx="3"/>
+            <a:endCxn id="44" idx="1"/>
+          </p:cNvCxnSpPr>
+          <p:nvPr/>
+        </p:nvCxnSpPr>
+        <p:spPr>
+          <a:xfrm flipV="1">
+            <a:off x="7308304" y="1448780"/>
+            <a:ext cx="288032" cy="792088"/>
+          </a:xfrm>
+          <a:prstGeom prst="bentConnector3">
+            <a:avLst>
+              <a:gd name="adj1" fmla="val 50000"/>
+            </a:avLst>
+          </a:prstGeom>
+        </p:spPr>
+        <p:style>
+          <a:lnRef idx="2">
+            <a:schemeClr val="accent1"/>
+          </a:lnRef>
+          <a:fillRef idx="0">
+            <a:schemeClr val="accent1"/>
+          </a:fillRef>
+          <a:effectRef idx="1">
+            <a:schemeClr val="accent1"/>
+          </a:effectRef>
+          <a:fontRef idx="minor">
+            <a:schemeClr val="tx1"/>
+          </a:fontRef>
+        </p:style>
+      </p:cxnSp>
+      <p:cxnSp>
+        <p:nvCxnSpPr>
+          <p:cNvPr id="59" name="Rak pil 33"/>
           <p:cNvCxnSpPr>
             <a:cxnSpLocks noChangeShapeType="1"/>
           </p:cNvCxnSpPr>
@@ -7335,8 +8432,8 @@
         </p:nvCxnSpPr>
         <p:spPr bwMode="auto">
           <a:xfrm>
-            <a:off x="3563888" y="1700808"/>
-            <a:ext cx="0" cy="3240360"/>
+            <a:off x="4932040" y="2492896"/>
+            <a:ext cx="0" cy="1872208"/>
           </a:xfrm>
           <a:prstGeom prst="straightConnector1">
             <a:avLst/>
@@ -7361,7 +8458,7 @@
       </p:cxnSp>
       <p:sp>
         <p:nvSpPr>
-          <p:cNvPr id="21514" name="textruta 32"/>
+          <p:cNvPr id="35" name="textruta 32"/>
           <p:cNvSpPr txBox="1">
             <a:spLocks noChangeArrowheads="1"/>
           </p:cNvSpPr>
@@ -7369,8 +8466,8 @@
         </p:nvSpPr>
         <p:spPr bwMode="auto">
           <a:xfrm>
-            <a:off x="2771800" y="3284984"/>
-            <a:ext cx="1296144" cy="576064"/>
+            <a:off x="4355976" y="3313944"/>
+            <a:ext cx="1152128" cy="432048"/>
           </a:xfrm>
           <a:prstGeom prst="rect">
             <a:avLst/>
@@ -7501,7 +8598,7 @@
             <a:pPr eaLnBrk="1" hangingPunct="1"/>
             <a:r>
               <a:rPr lang="en-GB" sz="800" dirty="0" err="1" smtClean="0"/>
-              <a:t>Begärn</a:t>
+              <a:t>Begäran</a:t>
             </a:r>
             <a:r>
               <a:rPr lang="en-GB" sz="800" dirty="0" smtClean="0"/>
@@ -7529,35 +8626,11 @@
             </a:r>
             <a:r>
               <a:rPr lang="en-GB" sz="800" dirty="0" smtClean="0"/>
-              <a:t> patients  journal </a:t>
+              <a:t> </a:t>
             </a:r>
             <a:r>
               <a:rPr lang="en-GB" sz="800" dirty="0" err="1" smtClean="0"/>
-              <a:t>är</a:t>
-            </a:r>
-            <a:r>
-              <a:rPr lang="en-GB" sz="800" dirty="0" smtClean="0"/>
-              <a:t> </a:t>
-            </a:r>
-            <a:r>
-              <a:rPr lang="en-GB" sz="800" dirty="0" err="1" smtClean="0"/>
-              <a:t>tillgänglig</a:t>
-            </a:r>
-            <a:r>
-              <a:rPr lang="en-GB" sz="800" dirty="0" smtClean="0"/>
-              <a:t> </a:t>
-            </a:r>
-            <a:r>
-              <a:rPr lang="en-GB" sz="800" dirty="0" err="1" smtClean="0"/>
-              <a:t>för</a:t>
-            </a:r>
-            <a:r>
-              <a:rPr lang="en-GB" sz="800" dirty="0" smtClean="0"/>
-              <a:t> </a:t>
-            </a:r>
-            <a:r>
-              <a:rPr lang="en-GB" sz="800" dirty="0" err="1" smtClean="0"/>
-              <a:t>medarbetaren</a:t>
+              <a:t>engagemang</a:t>
             </a:r>
             <a:endParaRPr lang="en-GB" sz="800" dirty="0"/>
           </a:p>
@@ -7565,7 +8638,7 @@
       </p:sp>
       <p:cxnSp>
         <p:nvCxnSpPr>
-          <p:cNvPr id="28" name="Rak pil 33"/>
+          <p:cNvPr id="62" name="Rak pil 33"/>
           <p:cNvCxnSpPr>
             <a:cxnSpLocks noChangeShapeType="1"/>
           </p:cNvCxnSpPr>
@@ -7573,851 +8646,8 @@
         </p:nvCxnSpPr>
         <p:spPr bwMode="auto">
           <a:xfrm>
-            <a:off x="4283968" y="1700808"/>
-            <a:ext cx="0" cy="3744416"/>
-          </a:xfrm>
-          <a:prstGeom prst="straightConnector1">
-            <a:avLst/>
-          </a:prstGeom>
-          <a:noFill/>
-          <a:ln w="38100">
-            <a:solidFill>
-              <a:srgbClr val="003468"/>
-            </a:solidFill>
-            <a:round/>
-            <a:headEnd type="triangle" w="med" len="med"/>
-            <a:tailEnd type="triangle" w="med" len="med"/>
-          </a:ln>
-          <a:extLst>
-            <a:ext uri="{909E8E84-426E-40dd-AFC4-6F175D3DCCD1}">
-              <a14:hiddenFill xmlns:a14="http://schemas.microsoft.com/office/drawing/2010/main">
-                <a:noFill/>
-              </a14:hiddenFill>
-            </a:ext>
-          </a:extLst>
-        </p:spPr>
-      </p:cxnSp>
-      <p:sp>
-        <p:nvSpPr>
-          <p:cNvPr id="29" name="textruta 32"/>
-          <p:cNvSpPr txBox="1">
-            <a:spLocks noChangeArrowheads="1"/>
-          </p:cNvSpPr>
-          <p:nvPr/>
-        </p:nvSpPr>
-        <p:spPr bwMode="auto">
-          <a:xfrm>
-            <a:off x="3635896" y="2636912"/>
-            <a:ext cx="1080120" cy="648072"/>
-          </a:xfrm>
-          <a:prstGeom prst="rect">
-            <a:avLst/>
-          </a:prstGeom>
-          <a:solidFill>
-            <a:schemeClr val="bg1"/>
-          </a:solidFill>
-          <a:ln w="9525">
-            <a:solidFill>
-              <a:schemeClr val="tx1"/>
-            </a:solidFill>
-            <a:miter lim="800000"/>
-            <a:headEnd/>
-            <a:tailEnd/>
-          </a:ln>
-        </p:spPr>
-        <p:txBody>
-          <a:bodyPr lIns="63898" tIns="31949" rIns="63898" bIns="31949"/>
-          <a:lstStyle>
-            <a:lvl1pPr eaLnBrk="0" hangingPunct="0">
-              <a:defRPr sz="3100">
-                <a:solidFill>
-                  <a:schemeClr val="tx1"/>
-                </a:solidFill>
-                <a:latin typeface="Verdana" charset="0"/>
-                <a:ea typeface="ＭＳ Ｐゴシック" charset="0"/>
-                <a:cs typeface="ＭＳ Ｐゴシック" charset="0"/>
-              </a:defRPr>
-            </a:lvl1pPr>
-            <a:lvl2pPr marL="742950" indent="-285750" eaLnBrk="0" hangingPunct="0">
-              <a:defRPr sz="3100">
-                <a:solidFill>
-                  <a:schemeClr val="tx1"/>
-                </a:solidFill>
-                <a:latin typeface="Verdana" charset="0"/>
-                <a:ea typeface="ＭＳ Ｐゴシック" charset="0"/>
-              </a:defRPr>
-            </a:lvl2pPr>
-            <a:lvl3pPr marL="1143000" indent="-228600" eaLnBrk="0" hangingPunct="0">
-              <a:defRPr sz="3100">
-                <a:solidFill>
-                  <a:schemeClr val="tx1"/>
-                </a:solidFill>
-                <a:latin typeface="Verdana" charset="0"/>
-                <a:ea typeface="ＭＳ Ｐゴシック" charset="0"/>
-              </a:defRPr>
-            </a:lvl3pPr>
-            <a:lvl4pPr marL="1600200" indent="-228600" eaLnBrk="0" hangingPunct="0">
-              <a:defRPr sz="3100">
-                <a:solidFill>
-                  <a:schemeClr val="tx1"/>
-                </a:solidFill>
-                <a:latin typeface="Verdana" charset="0"/>
-                <a:ea typeface="ＭＳ Ｐゴシック" charset="0"/>
-              </a:defRPr>
-            </a:lvl4pPr>
-            <a:lvl5pPr marL="2057400" indent="-228600" eaLnBrk="0" hangingPunct="0">
-              <a:defRPr sz="3100">
-                <a:solidFill>
-                  <a:schemeClr val="tx1"/>
-                </a:solidFill>
-                <a:latin typeface="Verdana" charset="0"/>
-                <a:ea typeface="ＭＳ Ｐゴシック" charset="0"/>
-              </a:defRPr>
-            </a:lvl5pPr>
-            <a:lvl6pPr marL="2514600" indent="-228600" eaLnBrk="0" fontAlgn="base" hangingPunct="0">
-              <a:spcBef>
-                <a:spcPct val="0"/>
-              </a:spcBef>
-              <a:spcAft>
-                <a:spcPct val="0"/>
-              </a:spcAft>
-              <a:defRPr sz="3100">
-                <a:solidFill>
-                  <a:schemeClr val="tx1"/>
-                </a:solidFill>
-                <a:latin typeface="Verdana" charset="0"/>
-                <a:ea typeface="ＭＳ Ｐゴシック" charset="0"/>
-              </a:defRPr>
-            </a:lvl6pPr>
-            <a:lvl7pPr marL="2971800" indent="-228600" eaLnBrk="0" fontAlgn="base" hangingPunct="0">
-              <a:spcBef>
-                <a:spcPct val="0"/>
-              </a:spcBef>
-              <a:spcAft>
-                <a:spcPct val="0"/>
-              </a:spcAft>
-              <a:defRPr sz="3100">
-                <a:solidFill>
-                  <a:schemeClr val="tx1"/>
-                </a:solidFill>
-                <a:latin typeface="Verdana" charset="0"/>
-                <a:ea typeface="ＭＳ Ｐゴシック" charset="0"/>
-              </a:defRPr>
-            </a:lvl7pPr>
-            <a:lvl8pPr marL="3429000" indent="-228600" eaLnBrk="0" fontAlgn="base" hangingPunct="0">
-              <a:spcBef>
-                <a:spcPct val="0"/>
-              </a:spcBef>
-              <a:spcAft>
-                <a:spcPct val="0"/>
-              </a:spcAft>
-              <a:defRPr sz="3100">
-                <a:solidFill>
-                  <a:schemeClr val="tx1"/>
-                </a:solidFill>
-                <a:latin typeface="Verdana" charset="0"/>
-                <a:ea typeface="ＭＳ Ｐゴシック" charset="0"/>
-              </a:defRPr>
-            </a:lvl8pPr>
-            <a:lvl9pPr marL="3886200" indent="-228600" eaLnBrk="0" fontAlgn="base" hangingPunct="0">
-              <a:spcBef>
-                <a:spcPct val="0"/>
-              </a:spcBef>
-              <a:spcAft>
-                <a:spcPct val="0"/>
-              </a:spcAft>
-              <a:defRPr sz="3100">
-                <a:solidFill>
-                  <a:schemeClr val="tx1"/>
-                </a:solidFill>
-                <a:latin typeface="Verdana" charset="0"/>
-                <a:ea typeface="ＭＳ Ｐゴシック" charset="0"/>
-              </a:defRPr>
-            </a:lvl9pPr>
-          </a:lstStyle>
-          <a:p>
-            <a:pPr eaLnBrk="1" hangingPunct="1"/>
-            <a:r>
-              <a:rPr lang="en-GB" sz="800" dirty="0" err="1" smtClean="0"/>
-              <a:t>Kontroll</a:t>
-            </a:r>
-            <a:r>
-              <a:rPr lang="en-GB" sz="800" dirty="0" smtClean="0"/>
-              <a:t> </a:t>
-            </a:r>
-            <a:r>
-              <a:rPr lang="en-GB" sz="800" dirty="0" err="1" smtClean="0"/>
-              <a:t>och</a:t>
-            </a:r>
-            <a:r>
-              <a:rPr lang="en-GB" sz="800" dirty="0" smtClean="0"/>
-              <a:t> </a:t>
-            </a:r>
-            <a:r>
-              <a:rPr lang="en-GB" sz="800" dirty="0" err="1" smtClean="0"/>
-              <a:t>registrering</a:t>
-            </a:r>
-            <a:r>
-              <a:rPr lang="en-GB" sz="800" dirty="0" smtClean="0"/>
-              <a:t> </a:t>
-            </a:r>
-            <a:r>
-              <a:rPr lang="en-GB" sz="800" dirty="0" err="1" smtClean="0"/>
-              <a:t>av</a:t>
-            </a:r>
-            <a:r>
-              <a:rPr lang="en-GB" sz="800" dirty="0" smtClean="0"/>
-              <a:t> </a:t>
-            </a:r>
-            <a:r>
-              <a:rPr lang="en-GB" sz="800" dirty="0" err="1" smtClean="0"/>
-              <a:t>samtycke</a:t>
-            </a:r>
-            <a:r>
-              <a:rPr lang="en-GB" sz="800" dirty="0" smtClean="0"/>
-              <a:t>, </a:t>
-            </a:r>
-            <a:r>
-              <a:rPr lang="en-GB" sz="800" dirty="0" err="1" smtClean="0"/>
-              <a:t>vårdrelation</a:t>
-            </a:r>
-            <a:r>
-              <a:rPr lang="en-GB" sz="800" dirty="0" smtClean="0"/>
-              <a:t> </a:t>
-            </a:r>
-            <a:r>
-              <a:rPr lang="en-GB" sz="800" dirty="0" err="1" smtClean="0"/>
-              <a:t>och</a:t>
-            </a:r>
-            <a:r>
-              <a:rPr lang="en-GB" sz="800" dirty="0" smtClean="0"/>
-              <a:t> </a:t>
-            </a:r>
-            <a:r>
-              <a:rPr lang="en-GB" sz="800" dirty="0" err="1" smtClean="0"/>
-              <a:t>spärr</a:t>
-            </a:r>
-            <a:endParaRPr lang="en-GB" sz="800" dirty="0"/>
-          </a:p>
-        </p:txBody>
-      </p:sp>
-      <p:sp>
-        <p:nvSpPr>
-          <p:cNvPr id="41" name="Femhörning 10"/>
-          <p:cNvSpPr>
-            <a:spLocks noChangeArrowheads="1"/>
-          </p:cNvSpPr>
-          <p:nvPr/>
-        </p:nvSpPr>
-        <p:spPr bwMode="auto">
-          <a:xfrm>
-            <a:off x="4716016" y="1988840"/>
-            <a:ext cx="2592288" cy="504056"/>
-          </a:xfrm>
-          <a:prstGeom prst="homePlate">
-            <a:avLst>
-              <a:gd name="adj" fmla="val 50002"/>
-            </a:avLst>
-          </a:prstGeom>
-          <a:solidFill>
-            <a:schemeClr val="bg1"/>
-          </a:solidFill>
-          <a:ln w="9525">
-            <a:solidFill>
-              <a:srgbClr val="003468"/>
-            </a:solidFill>
-            <a:round/>
-            <a:headEnd/>
-            <a:tailEnd/>
-          </a:ln>
-        </p:spPr>
-        <p:txBody>
-          <a:bodyPr lIns="63898" tIns="31949" rIns="63898" bIns="31949" anchor="ctr"/>
-          <a:lstStyle/>
-          <a:p>
-            <a:pPr algn="ctr" eaLnBrk="0" hangingPunct="0">
-              <a:spcBef>
-                <a:spcPct val="50000"/>
-              </a:spcBef>
-            </a:pPr>
-            <a:r>
-              <a:rPr lang="en-GB" sz="1000" dirty="0" err="1" smtClean="0">
-                <a:cs typeface="Geneva" charset="0"/>
-              </a:rPr>
-              <a:t>Hämta</a:t>
-            </a:r>
-            <a:r>
-              <a:rPr lang="en-GB" sz="1000" dirty="0" smtClean="0">
-                <a:cs typeface="Geneva" charset="0"/>
-              </a:rPr>
-              <a:t> info</a:t>
-            </a:r>
-          </a:p>
-          <a:p>
-            <a:pPr algn="ctr" eaLnBrk="0" hangingPunct="0">
-              <a:spcBef>
-                <a:spcPct val="50000"/>
-              </a:spcBef>
-            </a:pPr>
-            <a:r>
-              <a:rPr lang="en-GB" sz="1000" dirty="0" smtClean="0">
-                <a:cs typeface="Geneva" charset="0"/>
-              </a:rPr>
-              <a:t>(aggregering </a:t>
-            </a:r>
-            <a:r>
-              <a:rPr lang="en-GB" sz="1000" dirty="0" err="1" smtClean="0">
-                <a:cs typeface="Geneva" charset="0"/>
-              </a:rPr>
-              <a:t>i</a:t>
-            </a:r>
-            <a:r>
-              <a:rPr lang="en-GB" sz="1000" dirty="0" smtClean="0">
-                <a:cs typeface="Geneva" charset="0"/>
-              </a:rPr>
-              <a:t> </a:t>
-            </a:r>
-            <a:r>
-              <a:rPr lang="en-GB" sz="1000" dirty="0" err="1" smtClean="0">
-                <a:cs typeface="Geneva" charset="0"/>
-              </a:rPr>
-              <a:t>NTjP</a:t>
-            </a:r>
-            <a:r>
-              <a:rPr lang="en-GB" sz="1000" dirty="0" smtClean="0">
-                <a:cs typeface="Geneva" charset="0"/>
-              </a:rPr>
-              <a:t>)</a:t>
-            </a:r>
-            <a:endParaRPr lang="en-GB" sz="1000" dirty="0">
-              <a:cs typeface="Geneva" charset="0"/>
-            </a:endParaRPr>
-          </a:p>
-        </p:txBody>
-      </p:sp>
-      <p:sp>
-        <p:nvSpPr>
-          <p:cNvPr id="42" name="Femhörning 8"/>
-          <p:cNvSpPr>
-            <a:spLocks noChangeArrowheads="1"/>
-          </p:cNvSpPr>
-          <p:nvPr/>
-        </p:nvSpPr>
-        <p:spPr bwMode="auto">
-          <a:xfrm>
-            <a:off x="3313960" y="1196752"/>
-            <a:ext cx="1296144" cy="504056"/>
-          </a:xfrm>
-          <a:prstGeom prst="homePlate">
-            <a:avLst>
-              <a:gd name="adj" fmla="val 50008"/>
-            </a:avLst>
-          </a:prstGeom>
-          <a:solidFill>
-            <a:schemeClr val="bg1"/>
-          </a:solidFill>
-          <a:ln w="9525">
-            <a:solidFill>
-              <a:srgbClr val="003468"/>
-            </a:solidFill>
-            <a:round/>
-            <a:headEnd/>
-            <a:tailEnd/>
-          </a:ln>
-        </p:spPr>
-        <p:txBody>
-          <a:bodyPr lIns="63898" tIns="31949" rIns="63898" bIns="31949" anchor="ctr"/>
-          <a:lstStyle/>
-          <a:p>
-            <a:pPr algn="ctr" eaLnBrk="0" hangingPunct="0">
-              <a:spcBef>
-                <a:spcPct val="50000"/>
-              </a:spcBef>
-            </a:pPr>
-            <a:r>
-              <a:rPr lang="en-GB" sz="1000" dirty="0" smtClean="0">
-                <a:cs typeface="Geneva" charset="0"/>
-              </a:rPr>
-              <a:t>Val </a:t>
-            </a:r>
-            <a:r>
-              <a:rPr lang="en-GB" sz="1000" dirty="0" err="1" smtClean="0">
-                <a:cs typeface="Geneva" charset="0"/>
-              </a:rPr>
-              <a:t>av</a:t>
-            </a:r>
-            <a:r>
-              <a:rPr lang="en-GB" sz="1000" dirty="0" smtClean="0">
-                <a:cs typeface="Geneva" charset="0"/>
-              </a:rPr>
-              <a:t> patient</a:t>
-            </a:r>
-            <a:endParaRPr lang="en-GB" sz="1000" dirty="0">
-              <a:cs typeface="Geneva" charset="0"/>
-            </a:endParaRPr>
-          </a:p>
-        </p:txBody>
-      </p:sp>
-      <p:sp>
-        <p:nvSpPr>
-          <p:cNvPr id="43" name="textruta 9"/>
-          <p:cNvSpPr txBox="1">
-            <a:spLocks noChangeArrowheads="1"/>
-          </p:cNvSpPr>
-          <p:nvPr/>
-        </p:nvSpPr>
-        <p:spPr bwMode="auto">
-          <a:xfrm>
-            <a:off x="793680" y="1124744"/>
-            <a:ext cx="1547752" cy="680075"/>
-          </a:xfrm>
-          <a:prstGeom prst="rect">
-            <a:avLst/>
-          </a:prstGeom>
-          <a:noFill/>
-          <a:ln>
-            <a:noFill/>
-          </a:ln>
-          <a:extLst>
-            <a:ext uri="{909E8E84-426E-40dd-AFC4-6F175D3DCCD1}">
-              <a14:hiddenFill xmlns:a14="http://schemas.microsoft.com/office/drawing/2010/main">
-                <a:solidFill>
-                  <a:srgbClr val="FFFFFF"/>
-                </a:solidFill>
-              </a14:hiddenFill>
-            </a:ext>
-            <a:ext uri="{91240B29-F687-4f45-9708-019B960494DF}">
-              <a14:hiddenLine xmlns:a14="http://schemas.microsoft.com/office/drawing/2010/main" w="9525">
-                <a:solidFill>
-                  <a:srgbClr val="000000"/>
-                </a:solidFill>
-                <a:miter lim="800000"/>
-                <a:headEnd/>
-                <a:tailEnd/>
-              </a14:hiddenLine>
-            </a:ext>
-          </a:extLst>
-        </p:spPr>
-        <p:txBody>
-          <a:bodyPr lIns="63898" tIns="31949" rIns="63898" bIns="31949">
-            <a:spAutoFit/>
-          </a:bodyPr>
-          <a:lstStyle>
-            <a:lvl1pPr eaLnBrk="0" hangingPunct="0">
-              <a:defRPr sz="3100">
-                <a:solidFill>
-                  <a:schemeClr val="tx1"/>
-                </a:solidFill>
-                <a:latin typeface="Verdana" charset="0"/>
-                <a:ea typeface="ＭＳ Ｐゴシック" charset="0"/>
-                <a:cs typeface="ＭＳ Ｐゴシック" charset="0"/>
-              </a:defRPr>
-            </a:lvl1pPr>
-            <a:lvl2pPr marL="742950" indent="-285750" eaLnBrk="0" hangingPunct="0">
-              <a:defRPr sz="3100">
-                <a:solidFill>
-                  <a:schemeClr val="tx1"/>
-                </a:solidFill>
-                <a:latin typeface="Verdana" charset="0"/>
-                <a:ea typeface="ＭＳ Ｐゴシック" charset="0"/>
-              </a:defRPr>
-            </a:lvl2pPr>
-            <a:lvl3pPr marL="1143000" indent="-228600" eaLnBrk="0" hangingPunct="0">
-              <a:defRPr sz="3100">
-                <a:solidFill>
-                  <a:schemeClr val="tx1"/>
-                </a:solidFill>
-                <a:latin typeface="Verdana" charset="0"/>
-                <a:ea typeface="ＭＳ Ｐゴシック" charset="0"/>
-              </a:defRPr>
-            </a:lvl3pPr>
-            <a:lvl4pPr marL="1600200" indent="-228600" eaLnBrk="0" hangingPunct="0">
-              <a:defRPr sz="3100">
-                <a:solidFill>
-                  <a:schemeClr val="tx1"/>
-                </a:solidFill>
-                <a:latin typeface="Verdana" charset="0"/>
-                <a:ea typeface="ＭＳ Ｐゴシック" charset="0"/>
-              </a:defRPr>
-            </a:lvl4pPr>
-            <a:lvl5pPr marL="2057400" indent="-228600" eaLnBrk="0" hangingPunct="0">
-              <a:defRPr sz="3100">
-                <a:solidFill>
-                  <a:schemeClr val="tx1"/>
-                </a:solidFill>
-                <a:latin typeface="Verdana" charset="0"/>
-                <a:ea typeface="ＭＳ Ｐゴシック" charset="0"/>
-              </a:defRPr>
-            </a:lvl5pPr>
-            <a:lvl6pPr marL="2514600" indent="-228600" eaLnBrk="0" fontAlgn="base" hangingPunct="0">
-              <a:spcBef>
-                <a:spcPct val="0"/>
-              </a:spcBef>
-              <a:spcAft>
-                <a:spcPct val="0"/>
-              </a:spcAft>
-              <a:defRPr sz="3100">
-                <a:solidFill>
-                  <a:schemeClr val="tx1"/>
-                </a:solidFill>
-                <a:latin typeface="Verdana" charset="0"/>
-                <a:ea typeface="ＭＳ Ｐゴシック" charset="0"/>
-              </a:defRPr>
-            </a:lvl6pPr>
-            <a:lvl7pPr marL="2971800" indent="-228600" eaLnBrk="0" fontAlgn="base" hangingPunct="0">
-              <a:spcBef>
-                <a:spcPct val="0"/>
-              </a:spcBef>
-              <a:spcAft>
-                <a:spcPct val="0"/>
-              </a:spcAft>
-              <a:defRPr sz="3100">
-                <a:solidFill>
-                  <a:schemeClr val="tx1"/>
-                </a:solidFill>
-                <a:latin typeface="Verdana" charset="0"/>
-                <a:ea typeface="ＭＳ Ｐゴシック" charset="0"/>
-              </a:defRPr>
-            </a:lvl7pPr>
-            <a:lvl8pPr marL="3429000" indent="-228600" eaLnBrk="0" fontAlgn="base" hangingPunct="0">
-              <a:spcBef>
-                <a:spcPct val="0"/>
-              </a:spcBef>
-              <a:spcAft>
-                <a:spcPct val="0"/>
-              </a:spcAft>
-              <a:defRPr sz="3100">
-                <a:solidFill>
-                  <a:schemeClr val="tx1"/>
-                </a:solidFill>
-                <a:latin typeface="Verdana" charset="0"/>
-                <a:ea typeface="ＭＳ Ｐゴシック" charset="0"/>
-              </a:defRPr>
-            </a:lvl8pPr>
-            <a:lvl9pPr marL="3886200" indent="-228600" eaLnBrk="0" fontAlgn="base" hangingPunct="0">
-              <a:spcBef>
-                <a:spcPct val="0"/>
-              </a:spcBef>
-              <a:spcAft>
-                <a:spcPct val="0"/>
-              </a:spcAft>
-              <a:defRPr sz="3100">
-                <a:solidFill>
-                  <a:schemeClr val="tx1"/>
-                </a:solidFill>
-                <a:latin typeface="Verdana" charset="0"/>
-                <a:ea typeface="ＭＳ Ｐゴシック" charset="0"/>
-              </a:defRPr>
-            </a:lvl9pPr>
-          </a:lstStyle>
-          <a:p>
-            <a:pPr eaLnBrk="1" hangingPunct="1"/>
-            <a:r>
-              <a:rPr lang="en-GB" sz="1000" dirty="0" err="1"/>
-              <a:t>Professionens</a:t>
-            </a:r>
-            <a:r>
-              <a:rPr lang="en-GB" sz="1000" dirty="0"/>
-              <a:t> </a:t>
-            </a:r>
-            <a:r>
-              <a:rPr lang="en-GB" sz="1000" dirty="0" err="1" smtClean="0"/>
-              <a:t>aktiviteter</a:t>
-            </a:r>
-            <a:r>
-              <a:rPr lang="en-GB" sz="1000" dirty="0" smtClean="0"/>
-              <a:t> </a:t>
-            </a:r>
-            <a:r>
-              <a:rPr lang="en-GB" sz="1000" dirty="0" err="1" smtClean="0"/>
-              <a:t>i</a:t>
-            </a:r>
-            <a:r>
-              <a:rPr lang="en-GB" sz="1000" dirty="0" smtClean="0"/>
-              <a:t> </a:t>
-            </a:r>
-            <a:r>
-              <a:rPr lang="en-GB" sz="1000" dirty="0" err="1" smtClean="0"/>
-              <a:t>tillämpning</a:t>
-            </a:r>
-            <a:r>
-              <a:rPr lang="en-GB" sz="1000" dirty="0" smtClean="0"/>
-              <a:t> </a:t>
-            </a:r>
-            <a:r>
-              <a:rPr lang="en-GB" sz="1000" dirty="0" err="1" smtClean="0"/>
-              <a:t>för</a:t>
-            </a:r>
-            <a:r>
-              <a:rPr lang="en-GB" sz="1000" dirty="0" smtClean="0"/>
-              <a:t> </a:t>
-            </a:r>
-            <a:r>
-              <a:rPr lang="en-GB" sz="1000" dirty="0" err="1" smtClean="0"/>
-              <a:t>patientöversikt</a:t>
-            </a:r>
-            <a:endParaRPr lang="en-GB" sz="1000" dirty="0"/>
-          </a:p>
-        </p:txBody>
-      </p:sp>
-      <p:sp>
-        <p:nvSpPr>
-          <p:cNvPr id="44" name="Femhörning 10"/>
-          <p:cNvSpPr>
-            <a:spLocks noChangeArrowheads="1"/>
-          </p:cNvSpPr>
-          <p:nvPr/>
-        </p:nvSpPr>
-        <p:spPr bwMode="auto">
-          <a:xfrm>
-            <a:off x="7596336" y="1196752"/>
-            <a:ext cx="1512168" cy="504056"/>
-          </a:xfrm>
-          <a:prstGeom prst="homePlate">
-            <a:avLst>
-              <a:gd name="adj" fmla="val 50002"/>
-            </a:avLst>
-          </a:prstGeom>
-          <a:solidFill>
-            <a:schemeClr val="bg1"/>
-          </a:solidFill>
-          <a:ln w="9525">
-            <a:solidFill>
-              <a:srgbClr val="003468"/>
-            </a:solidFill>
-            <a:round/>
-            <a:headEnd/>
-            <a:tailEnd/>
-          </a:ln>
-        </p:spPr>
-        <p:txBody>
-          <a:bodyPr lIns="63898" tIns="31949" rIns="63898" bIns="31949" anchor="ctr"/>
-          <a:lstStyle/>
-          <a:p>
-            <a:pPr algn="ctr" eaLnBrk="0" hangingPunct="0">
-              <a:spcBef>
-                <a:spcPct val="50000"/>
-              </a:spcBef>
-            </a:pPr>
-            <a:r>
-              <a:rPr lang="en-GB" sz="1000" dirty="0" err="1" smtClean="0">
-                <a:cs typeface="Geneva" charset="0"/>
-              </a:rPr>
-              <a:t>Läsa</a:t>
-            </a:r>
-            <a:r>
-              <a:rPr lang="en-GB" sz="1000" dirty="0" smtClean="0">
-                <a:cs typeface="Geneva" charset="0"/>
-              </a:rPr>
-              <a:t> </a:t>
-            </a:r>
-            <a:r>
-              <a:rPr lang="en-GB" sz="1000" dirty="0" err="1" smtClean="0">
-                <a:cs typeface="Geneva" charset="0"/>
-              </a:rPr>
-              <a:t>journalhistorik</a:t>
-            </a:r>
-            <a:endParaRPr lang="en-GB" sz="1000" dirty="0">
-              <a:cs typeface="Geneva" charset="0"/>
-            </a:endParaRPr>
-          </a:p>
-        </p:txBody>
-      </p:sp>
-      <p:sp>
-        <p:nvSpPr>
-          <p:cNvPr id="45" name="Rektangel 63"/>
-          <p:cNvSpPr>
-            <a:spLocks noChangeArrowheads="1"/>
-          </p:cNvSpPr>
-          <p:nvPr/>
-        </p:nvSpPr>
-        <p:spPr bwMode="auto">
-          <a:xfrm>
-            <a:off x="827584" y="1124744"/>
-            <a:ext cx="8288725" cy="698506"/>
-          </a:xfrm>
-          <a:prstGeom prst="rect">
-            <a:avLst/>
-          </a:prstGeom>
-          <a:noFill/>
-          <a:ln w="9525">
-            <a:solidFill>
-              <a:srgbClr val="003468"/>
-            </a:solidFill>
-            <a:round/>
-            <a:headEnd/>
-            <a:tailEnd/>
-          </a:ln>
-          <a:extLst>
-            <a:ext uri="{909E8E84-426E-40dd-AFC4-6F175D3DCCD1}">
-              <a14:hiddenFill xmlns:a14="http://schemas.microsoft.com/office/drawing/2010/main">
-                <a:solidFill>
-                  <a:srgbClr val="FFFFFF"/>
-                </a:solidFill>
-              </a14:hiddenFill>
-            </a:ext>
-          </a:extLst>
-        </p:spPr>
-        <p:txBody>
-          <a:bodyPr lIns="63898" tIns="31949" rIns="63898" bIns="31949" anchor="ctr">
-            <a:noAutofit/>
-          </a:bodyPr>
-          <a:lstStyle/>
-          <a:p>
-            <a:pPr algn="ctr" eaLnBrk="0" hangingPunct="0">
-              <a:spcBef>
-                <a:spcPct val="50000"/>
-              </a:spcBef>
-            </a:pPr>
-            <a:endParaRPr lang="en-GB" sz="1500">
-              <a:cs typeface="Geneva" charset="0"/>
-            </a:endParaRPr>
-          </a:p>
-        </p:txBody>
-      </p:sp>
-      <p:sp>
-        <p:nvSpPr>
-          <p:cNvPr id="46" name="Femhörning 8"/>
-          <p:cNvSpPr>
-            <a:spLocks noChangeArrowheads="1"/>
-          </p:cNvSpPr>
-          <p:nvPr/>
-        </p:nvSpPr>
-        <p:spPr bwMode="auto">
-          <a:xfrm>
-            <a:off x="2051720" y="1196752"/>
-            <a:ext cx="1262240" cy="504056"/>
-          </a:xfrm>
-          <a:prstGeom prst="homePlate">
-            <a:avLst>
-              <a:gd name="adj" fmla="val 50008"/>
-            </a:avLst>
-          </a:prstGeom>
-          <a:solidFill>
-            <a:schemeClr val="bg1"/>
-          </a:solidFill>
-          <a:ln w="9525">
-            <a:solidFill>
-              <a:srgbClr val="003468"/>
-            </a:solidFill>
-            <a:round/>
-            <a:headEnd/>
-            <a:tailEnd/>
-          </a:ln>
-        </p:spPr>
-        <p:txBody>
-          <a:bodyPr lIns="63898" tIns="31949" rIns="63898" bIns="31949" anchor="ctr"/>
-          <a:lstStyle/>
-          <a:p>
-            <a:pPr algn="ctr" eaLnBrk="0" hangingPunct="0">
-              <a:spcBef>
-                <a:spcPct val="50000"/>
-              </a:spcBef>
-            </a:pPr>
-            <a:r>
-              <a:rPr lang="en-GB" sz="1000" dirty="0" err="1" smtClean="0">
-                <a:cs typeface="Geneva" charset="0"/>
-              </a:rPr>
-              <a:t>Bedöm</a:t>
-            </a:r>
-            <a:r>
-              <a:rPr lang="en-GB" sz="1000" dirty="0" smtClean="0">
-                <a:cs typeface="Geneva" charset="0"/>
-              </a:rPr>
-              <a:t> </a:t>
-            </a:r>
-            <a:r>
-              <a:rPr lang="en-GB" sz="1000" dirty="0" err="1" smtClean="0">
-                <a:cs typeface="Geneva" charset="0"/>
-              </a:rPr>
-              <a:t>informationskvalité</a:t>
-            </a:r>
-            <a:endParaRPr lang="en-GB" sz="1000" dirty="0">
-              <a:cs typeface="Geneva" charset="0"/>
-            </a:endParaRPr>
-          </a:p>
-        </p:txBody>
-      </p:sp>
-      <p:cxnSp>
-        <p:nvCxnSpPr>
-          <p:cNvPr id="12" name="Vinklad  11"/>
-          <p:cNvCxnSpPr>
-            <a:stCxn id="42" idx="3"/>
-            <a:endCxn id="41" idx="1"/>
-          </p:cNvCxnSpPr>
-          <p:nvPr/>
-        </p:nvCxnSpPr>
-        <p:spPr>
-          <a:xfrm>
-            <a:off x="4610104" y="1448780"/>
-            <a:ext cx="105912" cy="792088"/>
-          </a:xfrm>
-          <a:prstGeom prst="bentConnector3">
-            <a:avLst/>
-          </a:prstGeom>
-        </p:spPr>
-        <p:style>
-          <a:lnRef idx="2">
-            <a:schemeClr val="accent1"/>
-          </a:lnRef>
-          <a:fillRef idx="0">
-            <a:schemeClr val="accent1"/>
-          </a:fillRef>
-          <a:effectRef idx="1">
-            <a:schemeClr val="accent1"/>
-          </a:effectRef>
-          <a:fontRef idx="minor">
-            <a:schemeClr val="tx1"/>
-          </a:fontRef>
-        </p:style>
-      </p:cxnSp>
-      <p:cxnSp>
-        <p:nvCxnSpPr>
-          <p:cNvPr id="14" name="Vinklad  13"/>
-          <p:cNvCxnSpPr>
-            <a:stCxn id="41" idx="3"/>
-            <a:endCxn id="44" idx="1"/>
-          </p:cNvCxnSpPr>
-          <p:nvPr/>
-        </p:nvCxnSpPr>
-        <p:spPr>
-          <a:xfrm flipV="1">
-            <a:off x="7308304" y="1448780"/>
-            <a:ext cx="288032" cy="792088"/>
-          </a:xfrm>
-          <a:prstGeom prst="bentConnector3">
-            <a:avLst>
-              <a:gd name="adj1" fmla="val 50000"/>
-            </a:avLst>
-          </a:prstGeom>
-        </p:spPr>
-        <p:style>
-          <a:lnRef idx="2">
-            <a:schemeClr val="accent1"/>
-          </a:lnRef>
-          <a:fillRef idx="0">
-            <a:schemeClr val="accent1"/>
-          </a:fillRef>
-          <a:effectRef idx="1">
-            <a:schemeClr val="accent1"/>
-          </a:effectRef>
-          <a:fontRef idx="minor">
-            <a:schemeClr val="tx1"/>
-          </a:fontRef>
-        </p:style>
-      </p:cxnSp>
-      <p:cxnSp>
-        <p:nvCxnSpPr>
-          <p:cNvPr id="59" name="Rak pil 33"/>
-          <p:cNvCxnSpPr>
-            <a:cxnSpLocks noChangeShapeType="1"/>
-          </p:cNvCxnSpPr>
-          <p:nvPr/>
-        </p:nvCxnSpPr>
-        <p:spPr bwMode="auto">
-          <a:xfrm>
-            <a:off x="4932040" y="2492896"/>
-            <a:ext cx="0" cy="1872208"/>
+            <a:off x="5580112" y="2492896"/>
+            <a:ext cx="0" cy="2160240"/>
           </a:xfrm>
           <a:prstGeom prst="straightConnector1">
             <a:avLst/>
@@ -8442,7 +8672,7 @@
       </p:cxnSp>
       <p:sp>
         <p:nvSpPr>
-          <p:cNvPr id="35" name="textruta 32"/>
+          <p:cNvPr id="64" name="textruta 32"/>
           <p:cNvSpPr txBox="1">
             <a:spLocks noChangeArrowheads="1"/>
           </p:cNvSpPr>
@@ -8450,8 +8680,8 @@
         </p:nvSpPr>
         <p:spPr bwMode="auto">
           <a:xfrm>
-            <a:off x="4355976" y="3313944"/>
-            <a:ext cx="1152128" cy="432048"/>
+            <a:off x="5076056" y="2780928"/>
+            <a:ext cx="1512168" cy="432048"/>
           </a:xfrm>
           <a:prstGeom prst="rect">
             <a:avLst/>
@@ -8614,7 +8844,39 @@
             </a:r>
             <a:r>
               <a:rPr lang="en-GB" sz="800" dirty="0" err="1" smtClean="0"/>
-              <a:t>engagemang</a:t>
+              <a:t>anslutningspunkter</a:t>
+            </a:r>
+            <a:r>
+              <a:rPr lang="en-GB" sz="800" dirty="0" smtClean="0"/>
+              <a:t> </a:t>
+            </a:r>
+            <a:r>
+              <a:rPr lang="en-GB" sz="800" dirty="0" err="1" smtClean="0"/>
+              <a:t>för</a:t>
+            </a:r>
+            <a:r>
+              <a:rPr lang="en-GB" sz="800" dirty="0" smtClean="0"/>
+              <a:t> </a:t>
+            </a:r>
+            <a:r>
+              <a:rPr lang="en-GB" sz="800" dirty="0" err="1" smtClean="0"/>
+              <a:t>systemen</a:t>
+            </a:r>
+            <a:r>
+              <a:rPr lang="en-GB" sz="800" dirty="0" smtClean="0"/>
+              <a:t> </a:t>
+            </a:r>
+            <a:r>
+              <a:rPr lang="en-GB" sz="800" dirty="0" err="1" smtClean="0"/>
+              <a:t>från</a:t>
+            </a:r>
+            <a:r>
+              <a:rPr lang="en-GB" sz="800" dirty="0" smtClean="0"/>
+              <a:t> </a:t>
+            </a:r>
+            <a:r>
+              <a:rPr lang="en-GB" sz="800" dirty="0" err="1" smtClean="0"/>
+              <a:t>indexposter</a:t>
             </a:r>
             <a:endParaRPr lang="en-GB" sz="800" dirty="0"/>
           </a:p>
@@ -8622,7 +8884,7 @@
       </p:sp>
       <p:cxnSp>
         <p:nvCxnSpPr>
-          <p:cNvPr id="62" name="Rak pil 33"/>
+          <p:cNvPr id="68" name="Rak pil 33"/>
           <p:cNvCxnSpPr>
             <a:cxnSpLocks noChangeShapeType="1"/>
           </p:cNvCxnSpPr>
@@ -8630,8 +8892,8 @@
         </p:nvCxnSpPr>
         <p:spPr bwMode="auto">
           <a:xfrm>
-            <a:off x="5580112" y="2492896"/>
-            <a:ext cx="0" cy="2160240"/>
+            <a:off x="6732240" y="2492896"/>
+            <a:ext cx="0" cy="3312368"/>
           </a:xfrm>
           <a:prstGeom prst="straightConnector1">
             <a:avLst/>
@@ -8656,219 +8918,134 @@
       </p:cxnSp>
       <p:sp>
         <p:nvSpPr>
-          <p:cNvPr id="64" name="textruta 32"/>
-          <p:cNvSpPr txBox="1">
+          <p:cNvPr id="69" name="Rektangel 7"/>
+          <p:cNvSpPr>
             <a:spLocks noChangeArrowheads="1"/>
           </p:cNvSpPr>
           <p:nvPr/>
         </p:nvSpPr>
         <p:spPr bwMode="auto">
           <a:xfrm>
-            <a:off x="5076056" y="2780928"/>
-            <a:ext cx="1512168" cy="432048"/>
+            <a:off x="971600" y="6093296"/>
+            <a:ext cx="8174031" cy="235444"/>
           </a:xfrm>
           <a:prstGeom prst="rect">
             <a:avLst/>
           </a:prstGeom>
           <a:solidFill>
-            <a:schemeClr val="bg1"/>
+            <a:srgbClr val="CCFFCC"/>
           </a:solidFill>
           <a:ln w="9525">
             <a:solidFill>
-              <a:schemeClr val="tx1"/>
+              <a:srgbClr val="003468"/>
             </a:solidFill>
-            <a:miter lim="800000"/>
+            <a:round/>
             <a:headEnd/>
             <a:tailEnd/>
           </a:ln>
         </p:spPr>
         <p:txBody>
-          <a:bodyPr lIns="63898" tIns="31949" rIns="63898" bIns="31949"/>
-          <a:lstStyle>
-            <a:lvl1pPr eaLnBrk="0" hangingPunct="0">
-              <a:defRPr sz="3100">
-                <a:solidFill>
-                  <a:schemeClr val="tx1"/>
-                </a:solidFill>
-                <a:latin typeface="Verdana" charset="0"/>
-                <a:ea typeface="ＭＳ Ｐゴシック" charset="0"/>
-                <a:cs typeface="ＭＳ Ｐゴシック" charset="0"/>
-              </a:defRPr>
-            </a:lvl1pPr>
-            <a:lvl2pPr marL="742950" indent="-285750" eaLnBrk="0" hangingPunct="0">
-              <a:defRPr sz="3100">
-                <a:solidFill>
-                  <a:schemeClr val="tx1"/>
-                </a:solidFill>
-                <a:latin typeface="Verdana" charset="0"/>
-                <a:ea typeface="ＭＳ Ｐゴシック" charset="0"/>
-              </a:defRPr>
-            </a:lvl2pPr>
-            <a:lvl3pPr marL="1143000" indent="-228600" eaLnBrk="0" hangingPunct="0">
-              <a:defRPr sz="3100">
-                <a:solidFill>
-                  <a:schemeClr val="tx1"/>
-                </a:solidFill>
-                <a:latin typeface="Verdana" charset="0"/>
-                <a:ea typeface="ＭＳ Ｐゴシック" charset="0"/>
-              </a:defRPr>
-            </a:lvl3pPr>
-            <a:lvl4pPr marL="1600200" indent="-228600" eaLnBrk="0" hangingPunct="0">
-              <a:defRPr sz="3100">
-                <a:solidFill>
-                  <a:schemeClr val="tx1"/>
-                </a:solidFill>
-                <a:latin typeface="Verdana" charset="0"/>
-                <a:ea typeface="ＭＳ Ｐゴシック" charset="0"/>
-              </a:defRPr>
-            </a:lvl4pPr>
-            <a:lvl5pPr marL="2057400" indent="-228600" eaLnBrk="0" hangingPunct="0">
-              <a:defRPr sz="3100">
-                <a:solidFill>
-                  <a:schemeClr val="tx1"/>
-                </a:solidFill>
-                <a:latin typeface="Verdana" charset="0"/>
-                <a:ea typeface="ＭＳ Ｐゴシック" charset="0"/>
-              </a:defRPr>
-            </a:lvl5pPr>
-            <a:lvl6pPr marL="2514600" indent="-228600" eaLnBrk="0" fontAlgn="base" hangingPunct="0">
+          <a:bodyPr wrap="none" lIns="63898" tIns="31949" rIns="63898" bIns="31949" anchor="ctr"/>
+          <a:lstStyle/>
+          <a:p>
+            <a:pPr eaLnBrk="0" hangingPunct="0">
               <a:spcBef>
-                <a:spcPct val="0"/>
+                <a:spcPct val="50000"/>
               </a:spcBef>
-              <a:spcAft>
-                <a:spcPct val="0"/>
-              </a:spcAft>
-              <a:defRPr sz="3100">
-                <a:solidFill>
-                  <a:schemeClr val="tx1"/>
-                </a:solidFill>
-                <a:latin typeface="Verdana" charset="0"/>
-                <a:ea typeface="ＭＳ Ｐゴシック" charset="0"/>
-              </a:defRPr>
-            </a:lvl6pPr>
-            <a:lvl7pPr marL="2971800" indent="-228600" eaLnBrk="0" fontAlgn="base" hangingPunct="0">
-              <a:spcBef>
-                <a:spcPct val="0"/>
-              </a:spcBef>
-              <a:spcAft>
-                <a:spcPct val="0"/>
-              </a:spcAft>
-              <a:defRPr sz="3100">
-                <a:solidFill>
-                  <a:schemeClr val="tx1"/>
-                </a:solidFill>
-                <a:latin typeface="Verdana" charset="0"/>
-                <a:ea typeface="ＭＳ Ｐゴシック" charset="0"/>
-              </a:defRPr>
-            </a:lvl7pPr>
-            <a:lvl8pPr marL="3429000" indent="-228600" eaLnBrk="0" fontAlgn="base" hangingPunct="0">
-              <a:spcBef>
-                <a:spcPct val="0"/>
-              </a:spcBef>
-              <a:spcAft>
-                <a:spcPct val="0"/>
-              </a:spcAft>
-              <a:defRPr sz="3100">
-                <a:solidFill>
-                  <a:schemeClr val="tx1"/>
-                </a:solidFill>
-                <a:latin typeface="Verdana" charset="0"/>
-                <a:ea typeface="ＭＳ Ｐゴシック" charset="0"/>
-              </a:defRPr>
-            </a:lvl8pPr>
-            <a:lvl9pPr marL="3886200" indent="-228600" eaLnBrk="0" fontAlgn="base" hangingPunct="0">
-              <a:spcBef>
-                <a:spcPct val="0"/>
-              </a:spcBef>
-              <a:spcAft>
-                <a:spcPct val="0"/>
-              </a:spcAft>
-              <a:defRPr sz="3100">
-                <a:solidFill>
-                  <a:schemeClr val="tx1"/>
-                </a:solidFill>
-                <a:latin typeface="Verdana" charset="0"/>
-                <a:ea typeface="ＭＳ Ｐゴシック" charset="0"/>
-              </a:defRPr>
-            </a:lvl9pPr>
-          </a:lstStyle>
-          <a:p>
-            <a:pPr eaLnBrk="1" hangingPunct="1"/>
-            <a:r>
-              <a:rPr lang="en-GB" sz="800" dirty="0" err="1" smtClean="0"/>
-              <a:t>Begäran</a:t>
-            </a:r>
-            <a:r>
-              <a:rPr lang="en-GB" sz="800" dirty="0" smtClean="0"/>
-              <a:t> </a:t>
-            </a:r>
-            <a:r>
-              <a:rPr lang="en-GB" sz="800" dirty="0" err="1" smtClean="0"/>
-              <a:t>och</a:t>
-            </a:r>
-            <a:r>
-              <a:rPr lang="en-GB" sz="800" dirty="0" smtClean="0"/>
-              <a:t> </a:t>
-            </a:r>
-            <a:r>
-              <a:rPr lang="en-GB" sz="800" dirty="0" err="1" smtClean="0"/>
-              <a:t>svar</a:t>
-            </a:r>
-            <a:r>
-              <a:rPr lang="en-GB" sz="800" dirty="0" smtClean="0"/>
-              <a:t> </a:t>
-            </a:r>
-            <a:r>
-              <a:rPr lang="en-GB" sz="800" dirty="0" err="1" smtClean="0"/>
-              <a:t>om</a:t>
-            </a:r>
-            <a:r>
-              <a:rPr lang="en-GB" sz="800" dirty="0" smtClean="0"/>
-              <a:t> </a:t>
-            </a:r>
-            <a:r>
-              <a:rPr lang="en-GB" sz="800" dirty="0" err="1" smtClean="0"/>
-              <a:t>anslutningspunkter</a:t>
-            </a:r>
-            <a:r>
-              <a:rPr lang="en-GB" sz="800" dirty="0" smtClean="0"/>
-              <a:t> </a:t>
-            </a:r>
-            <a:r>
-              <a:rPr lang="en-GB" sz="800" dirty="0" err="1" smtClean="0"/>
-              <a:t>för</a:t>
-            </a:r>
-            <a:r>
-              <a:rPr lang="en-GB" sz="800" dirty="0" smtClean="0"/>
-              <a:t> </a:t>
-            </a:r>
-            <a:r>
-              <a:rPr lang="en-GB" sz="800" dirty="0" err="1" smtClean="0"/>
-              <a:t>systemen</a:t>
-            </a:r>
-            <a:r>
-              <a:rPr lang="en-GB" sz="800" dirty="0" smtClean="0"/>
-              <a:t> </a:t>
-            </a:r>
-            <a:r>
-              <a:rPr lang="en-GB" sz="800" dirty="0" err="1" smtClean="0"/>
-              <a:t>från</a:t>
-            </a:r>
-            <a:r>
-              <a:rPr lang="en-GB" sz="800" dirty="0" smtClean="0"/>
-              <a:t> </a:t>
-            </a:r>
-            <a:r>
-              <a:rPr lang="en-GB" sz="800" dirty="0" err="1" smtClean="0"/>
-              <a:t>indexposter</a:t>
-            </a:r>
-            <a:endParaRPr lang="en-GB" sz="800" dirty="0"/>
+            </a:pPr>
+            <a:r>
+              <a:rPr lang="en-GB" sz="1000" dirty="0" err="1" smtClean="0">
+                <a:cs typeface="Geneva" charset="0"/>
+              </a:rPr>
+              <a:t>Informationskälla</a:t>
+            </a:r>
+            <a:r>
+              <a:rPr lang="en-GB" sz="1000" dirty="0">
+                <a:cs typeface="Geneva" charset="0"/>
+              </a:rPr>
+              <a:t>/</a:t>
+            </a:r>
+            <a:r>
+              <a:rPr lang="en-GB" sz="1000" dirty="0" err="1">
+                <a:cs typeface="Geneva" charset="0"/>
+              </a:rPr>
+              <a:t>vårdsystem</a:t>
+            </a:r>
+            <a:r>
+              <a:rPr lang="en-GB" sz="1000" dirty="0" smtClean="0">
+                <a:cs typeface="Geneva" charset="0"/>
+              </a:rPr>
+              <a:t> 2 (</a:t>
+            </a:r>
+            <a:r>
+              <a:rPr lang="en-GB" sz="1000" dirty="0" err="1" smtClean="0">
+                <a:cs typeface="Geneva" charset="0"/>
+              </a:rPr>
+              <a:t>ev</a:t>
+            </a:r>
+            <a:r>
+              <a:rPr lang="en-GB" sz="1000" dirty="0" smtClean="0">
+                <a:cs typeface="Geneva" charset="0"/>
+              </a:rPr>
+              <a:t>. </a:t>
+            </a:r>
+            <a:r>
+              <a:rPr lang="en-GB" sz="1000" dirty="0">
+                <a:cs typeface="Geneva" charset="0"/>
+              </a:rPr>
+              <a:t>v</a:t>
+            </a:r>
+            <a:r>
+              <a:rPr lang="en-GB" sz="1000" dirty="0" smtClean="0">
+                <a:cs typeface="Geneva" charset="0"/>
+              </a:rPr>
+              <a:t>ia </a:t>
+            </a:r>
+            <a:r>
+              <a:rPr lang="en-GB" sz="1000" dirty="0" err="1" smtClean="0">
+                <a:cs typeface="Geneva" charset="0"/>
+              </a:rPr>
+              <a:t>anslutningpunkt</a:t>
+            </a:r>
+            <a:r>
+              <a:rPr lang="en-GB" sz="1000" dirty="0" smtClean="0">
+                <a:cs typeface="Geneva" charset="0"/>
+              </a:rPr>
+              <a:t>/</a:t>
+            </a:r>
+            <a:r>
+              <a:rPr lang="en-GB" sz="1000" dirty="0" err="1" smtClean="0">
+                <a:cs typeface="Geneva" charset="0"/>
+              </a:rPr>
+              <a:t>RTjP</a:t>
+            </a:r>
+            <a:r>
+              <a:rPr lang="en-GB" sz="1000" dirty="0" smtClean="0">
+                <a:cs typeface="Geneva" charset="0"/>
+              </a:rPr>
+              <a:t>/</a:t>
+            </a:r>
+            <a:r>
+              <a:rPr lang="en-GB" sz="1000" dirty="0" err="1" smtClean="0">
+                <a:cs typeface="Geneva" charset="0"/>
+              </a:rPr>
+              <a:t>mellanlager</a:t>
+            </a:r>
+            <a:r>
+              <a:rPr lang="en-GB" sz="1000" dirty="0" smtClean="0">
+                <a:cs typeface="Geneva" charset="0"/>
+              </a:rPr>
+              <a:t>)</a:t>
+            </a:r>
+            <a:endParaRPr lang="en-GB" sz="1000" dirty="0">
+              <a:cs typeface="Geneva" charset="0"/>
+            </a:endParaRPr>
           </a:p>
         </p:txBody>
       </p:sp>
       <p:cxnSp>
         <p:nvCxnSpPr>
-          <p:cNvPr id="68" name="Rak pil 33"/>
+          <p:cNvPr id="71" name="Rak pil 33"/>
           <p:cNvCxnSpPr>
             <a:cxnSpLocks noChangeShapeType="1"/>
           </p:cNvCxnSpPr>
@@ -8876,8 +9053,8 @@
         </p:nvCxnSpPr>
         <p:spPr bwMode="auto">
           <a:xfrm>
-            <a:off x="6732240" y="2492896"/>
-            <a:ext cx="0" cy="3312368"/>
+            <a:off x="7020272" y="2492896"/>
+            <a:ext cx="0" cy="3672408"/>
           </a:xfrm>
           <a:prstGeom prst="straightConnector1">
             <a:avLst/>
@@ -8900,167 +9077,6 @@
           </a:extLst>
         </p:spPr>
       </p:cxnSp>
-      <p:sp>
-        <p:nvSpPr>
-          <p:cNvPr id="69" name="Rektangel 7"/>
-          <p:cNvSpPr>
-            <a:spLocks noChangeArrowheads="1"/>
-          </p:cNvSpPr>
-          <p:nvPr/>
-        </p:nvSpPr>
-        <p:spPr bwMode="auto">
-          <a:xfrm>
-            <a:off x="971600" y="6093296"/>
-            <a:ext cx="8174031" cy="235444"/>
-          </a:xfrm>
-          <a:prstGeom prst="rect">
-            <a:avLst/>
-          </a:prstGeom>
-          <a:solidFill>
-            <a:srgbClr val="CCFFCC"/>
-          </a:solidFill>
-          <a:ln w="9525">
-            <a:solidFill>
-              <a:srgbClr val="003468"/>
-            </a:solidFill>
-            <a:round/>
-            <a:headEnd/>
-            <a:tailEnd/>
-          </a:ln>
-        </p:spPr>
-        <p:txBody>
-          <a:bodyPr wrap="none" lIns="63898" tIns="31949" rIns="63898" bIns="31949" anchor="ctr"/>
-          <a:lstStyle/>
-          <a:p>
-            <a:pPr eaLnBrk="0" hangingPunct="0">
-              <a:spcBef>
-                <a:spcPct val="50000"/>
-              </a:spcBef>
-            </a:pPr>
-            <a:r>
-              <a:rPr lang="en-GB" sz="1000" dirty="0" err="1" smtClean="0">
-                <a:cs typeface="Geneva" charset="0"/>
-              </a:rPr>
-              <a:t>Informationskälla</a:t>
-            </a:r>
-            <a:r>
-              <a:rPr lang="en-GB" sz="1000" dirty="0">
-                <a:cs typeface="Geneva" charset="0"/>
-              </a:rPr>
-              <a:t>/</a:t>
-            </a:r>
-            <a:r>
-              <a:rPr lang="en-GB" sz="1000" dirty="0" err="1">
-                <a:cs typeface="Geneva" charset="0"/>
-              </a:rPr>
-              <a:t>vårdsystem</a:t>
-            </a:r>
-            <a:r>
-              <a:rPr lang="en-GB" sz="1000" dirty="0" smtClean="0">
-                <a:cs typeface="Geneva" charset="0"/>
-              </a:rPr>
-              <a:t> 2 (</a:t>
-            </a:r>
-            <a:r>
-              <a:rPr lang="en-GB" sz="1000" dirty="0" err="1" smtClean="0">
-                <a:cs typeface="Geneva" charset="0"/>
-              </a:rPr>
-              <a:t>ev</a:t>
-            </a:r>
-            <a:r>
-              <a:rPr lang="en-GB" sz="1000" dirty="0" smtClean="0">
-                <a:cs typeface="Geneva" charset="0"/>
-              </a:rPr>
-              <a:t>. </a:t>
-            </a:r>
-            <a:r>
-              <a:rPr lang="en-GB" sz="1000" dirty="0">
-                <a:cs typeface="Geneva" charset="0"/>
-              </a:rPr>
-              <a:t>v</a:t>
-            </a:r>
-            <a:r>
-              <a:rPr lang="en-GB" sz="1000" dirty="0" smtClean="0">
-                <a:cs typeface="Geneva" charset="0"/>
-              </a:rPr>
-              <a:t>ia </a:t>
-            </a:r>
-            <a:r>
-              <a:rPr lang="en-GB" sz="1000" dirty="0" err="1" smtClean="0">
-                <a:cs typeface="Geneva" charset="0"/>
-              </a:rPr>
-              <a:t>anslutningpunkt</a:t>
-            </a:r>
-            <a:r>
-              <a:rPr lang="en-GB" sz="1000" dirty="0" smtClean="0">
-                <a:cs typeface="Geneva" charset="0"/>
-              </a:rPr>
-              <a:t>/</a:t>
-            </a:r>
-            <a:r>
-              <a:rPr lang="en-GB" sz="1000" dirty="0" err="1" smtClean="0">
-                <a:cs typeface="Geneva" charset="0"/>
-              </a:rPr>
-              <a:t>RTjP</a:t>
-            </a:r>
-            <a:r>
-              <a:rPr lang="en-GB" sz="1000" dirty="0" smtClean="0">
-                <a:cs typeface="Geneva" charset="0"/>
-              </a:rPr>
-              <a:t>/</a:t>
-            </a:r>
-            <a:r>
-              <a:rPr lang="en-GB" sz="1000" dirty="0" err="1" smtClean="0">
-                <a:cs typeface="Geneva" charset="0"/>
-              </a:rPr>
-              <a:t>mellanlager</a:t>
-            </a:r>
-            <a:r>
-              <a:rPr lang="en-GB" sz="1000" dirty="0" smtClean="0">
-                <a:cs typeface="Geneva" charset="0"/>
-              </a:rPr>
-              <a:t>)</a:t>
-            </a:r>
-            <a:endParaRPr lang="en-GB" sz="1000" dirty="0">
-              <a:cs typeface="Geneva" charset="0"/>
-            </a:endParaRPr>
-          </a:p>
-        </p:txBody>
-      </p:sp>
-      <p:cxnSp>
-        <p:nvCxnSpPr>
-          <p:cNvPr id="71" name="Rak pil 33"/>
-          <p:cNvCxnSpPr>
-            <a:cxnSpLocks noChangeShapeType="1"/>
-          </p:cNvCxnSpPr>
-          <p:nvPr/>
-        </p:nvCxnSpPr>
-        <p:spPr bwMode="auto">
-          <a:xfrm>
-            <a:off x="7020272" y="2492896"/>
-            <a:ext cx="0" cy="3672408"/>
-          </a:xfrm>
-          <a:prstGeom prst="straightConnector1">
-            <a:avLst/>
-          </a:prstGeom>
-          <a:noFill/>
-          <a:ln w="38100">
-            <a:solidFill>
-              <a:srgbClr val="003468"/>
-            </a:solidFill>
-            <a:round/>
-            <a:headEnd type="triangle" w="med" len="med"/>
-            <a:tailEnd type="oval" w="med" len="med"/>
-          </a:ln>
-          <a:extLst>
-            <a:ext uri="{909E8E84-426E-40dd-AFC4-6F175D3DCCD1}">
-              <a14:hiddenFill xmlns:a14="http://schemas.microsoft.com/office/drawing/2010/main">
-                <a:noFill/>
-              </a14:hiddenFill>
-            </a:ext>
-          </a:extLst>
-        </p:spPr>
-      </p:cxnSp>
       <p:cxnSp>
         <p:nvCxnSpPr>
           <p:cNvPr id="38" name="Rak pil 33"/>
@@ -9559,7 +9575,7 @@
     </p:spTree>
     <p:extLst>
       <p:ext uri="{BB962C8B-B14F-4D97-AF65-F5344CB8AC3E}">
-        <p14:creationId xmlns:p14="http://schemas.microsoft.com/office/powerpoint/2010/main" val="3663167449"/>
+        <p14:creationId xmlns:p14="http://schemas.microsoft.com/office/powerpoint/2010/main" val="1240835255"/>
       </p:ext>
     </p:extLst>
   </p:cSld>
@@ -10072,7 +10088,7 @@
             <a:solidFill>
               <a:srgbClr val="003468"/>
             </a:solidFill>
-            <a:prstDash val="solid"/>
+            <a:prstDash val="dash"/>
             <a:round/>
             <a:headEnd type="none" w="med" len="med"/>
             <a:tailEnd type="none" w="med" len="med"/>
@@ -10090,11 +10106,25 @@
               <a:defRPr/>
             </a:pPr>
             <a:r>
+              <a:rPr lang="en-GB" sz="1000" dirty="0" smtClean="0">
+                <a:latin typeface="Verdana" pitchFamily="34" charset="0"/>
+                <a:ea typeface="Geneva" pitchFamily="1" charset="-128"/>
+              </a:rPr>
+              <a:t>(</a:t>
+            </a:r>
+            <a:r>
               <a:rPr lang="en-GB" sz="1000" dirty="0" err="1" smtClean="0">
                 <a:latin typeface="Verdana" pitchFamily="34" charset="0"/>
                 <a:ea typeface="Geneva" pitchFamily="1" charset="-128"/>
               </a:rPr>
               <a:t>Anslutningskatalog</a:t>
+            </a:r>
+            <a:r>
+              <a:rPr lang="en-GB" sz="1000" dirty="0" smtClean="0">
+                <a:latin typeface="Verdana" pitchFamily="34" charset="0"/>
+                <a:ea typeface="Geneva" pitchFamily="1" charset="-128"/>
+              </a:rPr>
+              <a:t>)</a:t>
             </a:r>
             <a:endParaRPr lang="en-GB" sz="1000" dirty="0">
               <a:latin typeface="Verdana" pitchFamily="34" charset="0"/>
@@ -10116,6 +10146,883 @@
           <a:xfrm flipH="1">
             <a:off x="2475963" y="1772816"/>
             <a:ext cx="1030" cy="2160240"/>
+          </a:xfrm>
+          <a:prstGeom prst="straightConnector1">
+            <a:avLst/>
+          </a:prstGeom>
+          <a:noFill/>
+          <a:ln w="38100">
+            <a:solidFill>
+              <a:srgbClr val="003468"/>
+            </a:solidFill>
+            <a:prstDash val="dash"/>
+            <a:round/>
+            <a:headEnd type="triangle" w="med" len="med"/>
+            <a:tailEnd type="oval" w="med" len="med"/>
+          </a:ln>
+          <a:extLst>
+            <a:ext uri="{909E8E84-426E-40dd-AFC4-6F175D3DCCD1}">
+              <a14:hiddenFill xmlns:a14="http://schemas.microsoft.com/office/drawing/2010/main">
+                <a:noFill/>
+              </a14:hiddenFill>
+            </a:ext>
+          </a:extLst>
+        </p:spPr>
+      </p:cxnSp>
+      <p:sp>
+        <p:nvSpPr>
+          <p:cNvPr id="21516" name="textruta 20"/>
+          <p:cNvSpPr txBox="1">
+            <a:spLocks noChangeArrowheads="1"/>
+          </p:cNvSpPr>
+          <p:nvPr/>
+        </p:nvSpPr>
+        <p:spPr bwMode="auto">
+          <a:xfrm>
+            <a:off x="1073907" y="2780928"/>
+            <a:ext cx="2016224" cy="519535"/>
+          </a:xfrm>
+          <a:prstGeom prst="rect">
+            <a:avLst/>
+          </a:prstGeom>
+          <a:solidFill>
+            <a:schemeClr val="bg1"/>
+          </a:solidFill>
+          <a:ln w="9525">
+            <a:solidFill>
+              <a:schemeClr val="tx1"/>
+            </a:solidFill>
+            <a:prstDash val="dash"/>
+            <a:miter lim="800000"/>
+            <a:headEnd/>
+            <a:tailEnd/>
+          </a:ln>
+        </p:spPr>
+        <p:txBody>
+          <a:bodyPr lIns="63898" tIns="31949" rIns="63898" bIns="31949"/>
+          <a:lstStyle>
+            <a:lvl1pPr eaLnBrk="0" hangingPunct="0">
+              <a:defRPr sz="3100">
+                <a:solidFill>
+                  <a:schemeClr val="tx1"/>
+                </a:solidFill>
+                <a:latin typeface="Verdana" charset="0"/>
+                <a:ea typeface="ＭＳ Ｐゴシック" charset="0"/>
+                <a:cs typeface="ＭＳ Ｐゴシック" charset="0"/>
+              </a:defRPr>
+            </a:lvl1pPr>
+            <a:lvl2pPr marL="742950" indent="-285750" eaLnBrk="0" hangingPunct="0">
+              <a:defRPr sz="3100">
+                <a:solidFill>
+                  <a:schemeClr val="tx1"/>
+                </a:solidFill>
+                <a:latin typeface="Verdana" charset="0"/>
+                <a:ea typeface="ＭＳ Ｐゴシック" charset="0"/>
+              </a:defRPr>
+            </a:lvl2pPr>
+            <a:lvl3pPr marL="1143000" indent="-228600" eaLnBrk="0" hangingPunct="0">
+              <a:defRPr sz="3100">
+                <a:solidFill>
+                  <a:schemeClr val="tx1"/>
+                </a:solidFill>
+                <a:latin typeface="Verdana" charset="0"/>
+                <a:ea typeface="ＭＳ Ｐゴシック" charset="0"/>
+              </a:defRPr>
+            </a:lvl3pPr>
+            <a:lvl4pPr marL="1600200" indent="-228600" eaLnBrk="0" hangingPunct="0">
+              <a:defRPr sz="3100">
+                <a:solidFill>
+                  <a:schemeClr val="tx1"/>
+                </a:solidFill>
+                <a:latin typeface="Verdana" charset="0"/>
+                <a:ea typeface="ＭＳ Ｐゴシック" charset="0"/>
+              </a:defRPr>
+            </a:lvl4pPr>
+            <a:lvl5pPr marL="2057400" indent="-228600" eaLnBrk="0" hangingPunct="0">
+              <a:defRPr sz="3100">
+                <a:solidFill>
+                  <a:schemeClr val="tx1"/>
+                </a:solidFill>
+                <a:latin typeface="Verdana" charset="0"/>
+                <a:ea typeface="ＭＳ Ｐゴシック" charset="0"/>
+              </a:defRPr>
+            </a:lvl5pPr>
+            <a:lvl6pPr marL="2514600" indent="-228600" eaLnBrk="0" fontAlgn="base" hangingPunct="0">
+              <a:spcBef>
+                <a:spcPct val="0"/>
+              </a:spcBef>
+              <a:spcAft>
+                <a:spcPct val="0"/>
+              </a:spcAft>
+              <a:defRPr sz="3100">
+                <a:solidFill>
+                  <a:schemeClr val="tx1"/>
+                </a:solidFill>
+                <a:latin typeface="Verdana" charset="0"/>
+                <a:ea typeface="ＭＳ Ｐゴシック" charset="0"/>
+              </a:defRPr>
+            </a:lvl6pPr>
+            <a:lvl7pPr marL="2971800" indent="-228600" eaLnBrk="0" fontAlgn="base" hangingPunct="0">
+              <a:spcBef>
+                <a:spcPct val="0"/>
+              </a:spcBef>
+              <a:spcAft>
+                <a:spcPct val="0"/>
+              </a:spcAft>
+              <a:defRPr sz="3100">
+                <a:solidFill>
+                  <a:schemeClr val="tx1"/>
+                </a:solidFill>
+                <a:latin typeface="Verdana" charset="0"/>
+                <a:ea typeface="ＭＳ Ｐゴシック" charset="0"/>
+              </a:defRPr>
+            </a:lvl7pPr>
+            <a:lvl8pPr marL="3429000" indent="-228600" eaLnBrk="0" fontAlgn="base" hangingPunct="0">
+              <a:spcBef>
+                <a:spcPct val="0"/>
+              </a:spcBef>
+              <a:spcAft>
+                <a:spcPct val="0"/>
+              </a:spcAft>
+              <a:defRPr sz="3100">
+                <a:solidFill>
+                  <a:schemeClr val="tx1"/>
+                </a:solidFill>
+                <a:latin typeface="Verdana" charset="0"/>
+                <a:ea typeface="ＭＳ Ｐゴシック" charset="0"/>
+              </a:defRPr>
+            </a:lvl8pPr>
+            <a:lvl9pPr marL="3886200" indent="-228600" eaLnBrk="0" fontAlgn="base" hangingPunct="0">
+              <a:spcBef>
+                <a:spcPct val="0"/>
+              </a:spcBef>
+              <a:spcAft>
+                <a:spcPct val="0"/>
+              </a:spcAft>
+              <a:defRPr sz="3100">
+                <a:solidFill>
+                  <a:schemeClr val="tx1"/>
+                </a:solidFill>
+                <a:latin typeface="Verdana" charset="0"/>
+                <a:ea typeface="ＭＳ Ｐゴシック" charset="0"/>
+              </a:defRPr>
+            </a:lvl9pPr>
+          </a:lstStyle>
+          <a:p>
+            <a:pPr eaLnBrk="1" hangingPunct="1"/>
+            <a:r>
+              <a:rPr lang="en-GB" sz="800" dirty="0" err="1" smtClean="0"/>
+              <a:t>Begärn</a:t>
+            </a:r>
+            <a:r>
+              <a:rPr lang="en-GB" sz="800" dirty="0" smtClean="0"/>
+              <a:t> </a:t>
+            </a:r>
+            <a:r>
+              <a:rPr lang="en-GB" sz="800" dirty="0" err="1" smtClean="0"/>
+              <a:t>och</a:t>
+            </a:r>
+            <a:r>
+              <a:rPr lang="en-GB" sz="800" dirty="0" smtClean="0"/>
+              <a:t> </a:t>
+            </a:r>
+            <a:r>
+              <a:rPr lang="en-GB" sz="800" dirty="0" err="1" smtClean="0"/>
+              <a:t>svar</a:t>
+            </a:r>
+            <a:r>
+              <a:rPr lang="en-GB" sz="800" dirty="0" smtClean="0"/>
+              <a:t> </a:t>
+            </a:r>
+            <a:r>
+              <a:rPr lang="en-GB" sz="800" dirty="0" err="1" smtClean="0"/>
+              <a:t>om</a:t>
+            </a:r>
+            <a:r>
+              <a:rPr lang="en-GB" sz="800" dirty="0" smtClean="0"/>
+              <a:t> </a:t>
+            </a:r>
+            <a:r>
+              <a:rPr lang="en-GB" sz="800" dirty="0" err="1" smtClean="0"/>
+              <a:t>anslutna</a:t>
+            </a:r>
+            <a:r>
+              <a:rPr lang="en-GB" sz="800" dirty="0" smtClean="0"/>
+              <a:t> PDL-</a:t>
+            </a:r>
+            <a:r>
+              <a:rPr lang="en-GB" sz="800" dirty="0" err="1" smtClean="0"/>
+              <a:t>enheter</a:t>
+            </a:r>
+            <a:r>
+              <a:rPr lang="en-GB" sz="800" dirty="0" smtClean="0"/>
+              <a:t> </a:t>
+            </a:r>
+            <a:r>
+              <a:rPr lang="en-GB" sz="800" dirty="0" err="1" smtClean="0"/>
+              <a:t>och</a:t>
+            </a:r>
+            <a:r>
+              <a:rPr lang="en-GB" sz="800" dirty="0" smtClean="0"/>
+              <a:t> </a:t>
+            </a:r>
+            <a:r>
+              <a:rPr lang="en-GB" sz="800" dirty="0" err="1" smtClean="0"/>
+              <a:t>infomängder</a:t>
+            </a:r>
+            <a:r>
+              <a:rPr lang="en-GB" sz="800" dirty="0" smtClean="0"/>
+              <a:t> </a:t>
+            </a:r>
+            <a:r>
+              <a:rPr lang="en-GB" sz="800" dirty="0" err="1" smtClean="0"/>
+              <a:t>som</a:t>
+            </a:r>
+            <a:r>
+              <a:rPr lang="en-GB" sz="800" dirty="0" smtClean="0"/>
+              <a:t> </a:t>
+            </a:r>
+            <a:r>
+              <a:rPr lang="en-GB" sz="800" dirty="0" err="1" smtClean="0"/>
+              <a:t>är</a:t>
+            </a:r>
+            <a:r>
+              <a:rPr lang="en-GB" sz="800" dirty="0" smtClean="0"/>
+              <a:t> </a:t>
+            </a:r>
+            <a:r>
+              <a:rPr lang="en-GB" sz="800" dirty="0" err="1" smtClean="0"/>
+              <a:t>tillgängliga</a:t>
+            </a:r>
+            <a:r>
+              <a:rPr lang="en-GB" sz="800" dirty="0" smtClean="0"/>
+              <a:t> </a:t>
+            </a:r>
+            <a:r>
+              <a:rPr lang="en-GB" sz="800" dirty="0" err="1" smtClean="0"/>
+              <a:t>för</a:t>
+            </a:r>
+            <a:r>
+              <a:rPr lang="en-GB" sz="800" dirty="0" smtClean="0"/>
+              <a:t> </a:t>
+            </a:r>
+            <a:r>
+              <a:rPr lang="en-GB" sz="800" dirty="0" err="1" smtClean="0"/>
+              <a:t>tillämpningen</a:t>
+            </a:r>
+            <a:endParaRPr lang="en-GB" sz="800" dirty="0"/>
+          </a:p>
+        </p:txBody>
+      </p:sp>
+      <p:sp>
+        <p:nvSpPr>
+          <p:cNvPr id="22" name="Rektangel 21"/>
+          <p:cNvSpPr/>
+          <p:nvPr/>
+        </p:nvSpPr>
+        <p:spPr bwMode="auto">
+          <a:xfrm>
+            <a:off x="929891" y="4581128"/>
+            <a:ext cx="8124317" cy="241023"/>
+          </a:xfrm>
+          <a:prstGeom prst="rect">
+            <a:avLst/>
+          </a:prstGeom>
+          <a:solidFill>
+            <a:schemeClr val="accent1">
+              <a:lumMod val="20000"/>
+              <a:lumOff val="80000"/>
+            </a:schemeClr>
+          </a:solidFill>
+          <a:ln w="9525" cap="flat" cmpd="sng" algn="ctr">
+            <a:solidFill>
+              <a:srgbClr val="003468"/>
+            </a:solidFill>
+            <a:prstDash val="solid"/>
+            <a:round/>
+            <a:headEnd type="none" w="med" len="med"/>
+            <a:tailEnd type="none" w="med" len="med"/>
+          </a:ln>
+          <a:effectLst/>
+        </p:spPr>
+        <p:txBody>
+          <a:bodyPr wrap="none" lIns="63898" tIns="31949" rIns="63898" bIns="31949" anchor="ctr"/>
+          <a:lstStyle/>
+          <a:p>
+            <a:pPr eaLnBrk="0" hangingPunct="0">
+              <a:spcBef>
+                <a:spcPct val="50000"/>
+              </a:spcBef>
+              <a:defRPr/>
+            </a:pPr>
+            <a:r>
+              <a:rPr lang="en-GB" sz="1000" dirty="0" err="1" smtClean="0">
+                <a:latin typeface="Verdana" pitchFamily="34" charset="0"/>
+                <a:ea typeface="Geneva" pitchFamily="1" charset="-128"/>
+              </a:rPr>
+              <a:t>Tjänsteadresseringskatalog</a:t>
+            </a:r>
+            <a:endParaRPr lang="en-GB" sz="1000" dirty="0">
+              <a:latin typeface="Verdana" pitchFamily="34" charset="0"/>
+              <a:ea typeface="Geneva" pitchFamily="1" charset="-128"/>
+            </a:endParaRPr>
+          </a:p>
+        </p:txBody>
+      </p:sp>
+      <p:sp>
+        <p:nvSpPr>
+          <p:cNvPr id="41" name="Femhörning 10"/>
+          <p:cNvSpPr>
+            <a:spLocks noChangeArrowheads="1"/>
+          </p:cNvSpPr>
+          <p:nvPr/>
+        </p:nvSpPr>
+        <p:spPr bwMode="auto">
+          <a:xfrm>
+            <a:off x="4674307" y="2060848"/>
+            <a:ext cx="2592288" cy="504056"/>
+          </a:xfrm>
+          <a:prstGeom prst="homePlate">
+            <a:avLst>
+              <a:gd name="adj" fmla="val 50002"/>
+            </a:avLst>
+          </a:prstGeom>
+          <a:solidFill>
+            <a:schemeClr val="bg1"/>
+          </a:solidFill>
+          <a:ln w="9525">
+            <a:solidFill>
+              <a:srgbClr val="003468"/>
+            </a:solidFill>
+            <a:round/>
+            <a:headEnd/>
+            <a:tailEnd/>
+          </a:ln>
+        </p:spPr>
+        <p:txBody>
+          <a:bodyPr lIns="63898" tIns="31949" rIns="63898" bIns="31949" anchor="ctr"/>
+          <a:lstStyle/>
+          <a:p>
+            <a:pPr algn="ctr" eaLnBrk="0" hangingPunct="0">
+              <a:spcBef>
+                <a:spcPct val="50000"/>
+              </a:spcBef>
+            </a:pPr>
+            <a:r>
+              <a:rPr lang="en-GB" sz="1000" dirty="0" err="1" smtClean="0">
+                <a:cs typeface="Geneva" charset="0"/>
+              </a:rPr>
+              <a:t>Hämta</a:t>
+            </a:r>
+            <a:r>
+              <a:rPr lang="en-GB" sz="1000" dirty="0" smtClean="0">
+                <a:cs typeface="Geneva" charset="0"/>
+              </a:rPr>
+              <a:t> info</a:t>
+            </a:r>
+          </a:p>
+          <a:p>
+            <a:pPr algn="ctr" eaLnBrk="0" hangingPunct="0">
+              <a:spcBef>
+                <a:spcPct val="50000"/>
+              </a:spcBef>
+            </a:pPr>
+            <a:r>
+              <a:rPr lang="en-GB" sz="1000" dirty="0" smtClean="0">
+                <a:cs typeface="Geneva" charset="0"/>
+              </a:rPr>
+              <a:t>(aggregering </a:t>
+            </a:r>
+            <a:r>
+              <a:rPr lang="en-GB" sz="1000" dirty="0" err="1" smtClean="0">
+                <a:cs typeface="Geneva" charset="0"/>
+              </a:rPr>
+              <a:t>i</a:t>
+            </a:r>
+            <a:r>
+              <a:rPr lang="en-GB" sz="1000" dirty="0" smtClean="0">
+                <a:cs typeface="Geneva" charset="0"/>
+              </a:rPr>
+              <a:t> </a:t>
+            </a:r>
+            <a:r>
+              <a:rPr lang="en-GB" sz="1000" dirty="0" err="1" smtClean="0">
+                <a:cs typeface="Geneva" charset="0"/>
+              </a:rPr>
+              <a:t>NTjP</a:t>
+            </a:r>
+            <a:r>
+              <a:rPr lang="en-GB" sz="1000" dirty="0" smtClean="0">
+                <a:cs typeface="Geneva" charset="0"/>
+              </a:rPr>
+              <a:t>)</a:t>
+            </a:r>
+            <a:endParaRPr lang="en-GB" sz="1000" dirty="0">
+              <a:cs typeface="Geneva" charset="0"/>
+            </a:endParaRPr>
+          </a:p>
+        </p:txBody>
+      </p:sp>
+      <p:sp>
+        <p:nvSpPr>
+          <p:cNvPr id="43" name="textruta 9"/>
+          <p:cNvSpPr txBox="1">
+            <a:spLocks noChangeArrowheads="1"/>
+          </p:cNvSpPr>
+          <p:nvPr/>
+        </p:nvSpPr>
+        <p:spPr bwMode="auto">
+          <a:xfrm>
+            <a:off x="883886" y="1196752"/>
+            <a:ext cx="1114024" cy="680075"/>
+          </a:xfrm>
+          <a:prstGeom prst="rect">
+            <a:avLst/>
+          </a:prstGeom>
+          <a:noFill/>
+          <a:ln>
+            <a:noFill/>
+          </a:ln>
+          <a:extLst>
+            <a:ext uri="{909E8E84-426E-40dd-AFC4-6F175D3DCCD1}">
+              <a14:hiddenFill xmlns:a14="http://schemas.microsoft.com/office/drawing/2010/main">
+                <a:solidFill>
+                  <a:srgbClr val="FFFFFF"/>
+                </a:solidFill>
+              </a14:hiddenFill>
+            </a:ext>
+            <a:ext uri="{91240B29-F687-4f45-9708-019B960494DF}">
+              <a14:hiddenLine xmlns:a14="http://schemas.microsoft.com/office/drawing/2010/main" w="9525">
+                <a:solidFill>
+                  <a:srgbClr val="000000"/>
+                </a:solidFill>
+                <a:miter lim="800000"/>
+                <a:headEnd/>
+                <a:tailEnd/>
+              </a14:hiddenLine>
+            </a:ext>
+          </a:extLst>
+        </p:spPr>
+        <p:txBody>
+          <a:bodyPr wrap="square" lIns="63898" tIns="31949" rIns="63898" bIns="31949">
+            <a:spAutoFit/>
+          </a:bodyPr>
+          <a:lstStyle>
+            <a:lvl1pPr eaLnBrk="0" hangingPunct="0">
+              <a:defRPr sz="3100">
+                <a:solidFill>
+                  <a:schemeClr val="tx1"/>
+                </a:solidFill>
+                <a:latin typeface="Verdana" charset="0"/>
+                <a:ea typeface="ＭＳ Ｐゴシック" charset="0"/>
+                <a:cs typeface="ＭＳ Ｐゴシック" charset="0"/>
+              </a:defRPr>
+            </a:lvl1pPr>
+            <a:lvl2pPr marL="742950" indent="-285750" eaLnBrk="0" hangingPunct="0">
+              <a:defRPr sz="3100">
+                <a:solidFill>
+                  <a:schemeClr val="tx1"/>
+                </a:solidFill>
+                <a:latin typeface="Verdana" charset="0"/>
+                <a:ea typeface="ＭＳ Ｐゴシック" charset="0"/>
+              </a:defRPr>
+            </a:lvl2pPr>
+            <a:lvl3pPr marL="1143000" indent="-228600" eaLnBrk="0" hangingPunct="0">
+              <a:defRPr sz="3100">
+                <a:solidFill>
+                  <a:schemeClr val="tx1"/>
+                </a:solidFill>
+                <a:latin typeface="Verdana" charset="0"/>
+                <a:ea typeface="ＭＳ Ｐゴシック" charset="0"/>
+              </a:defRPr>
+            </a:lvl3pPr>
+            <a:lvl4pPr marL="1600200" indent="-228600" eaLnBrk="0" hangingPunct="0">
+              <a:defRPr sz="3100">
+                <a:solidFill>
+                  <a:schemeClr val="tx1"/>
+                </a:solidFill>
+                <a:latin typeface="Verdana" charset="0"/>
+                <a:ea typeface="ＭＳ Ｐゴシック" charset="0"/>
+              </a:defRPr>
+            </a:lvl4pPr>
+            <a:lvl5pPr marL="2057400" indent="-228600" eaLnBrk="0" hangingPunct="0">
+              <a:defRPr sz="3100">
+                <a:solidFill>
+                  <a:schemeClr val="tx1"/>
+                </a:solidFill>
+                <a:latin typeface="Verdana" charset="0"/>
+                <a:ea typeface="ＭＳ Ｐゴシック" charset="0"/>
+              </a:defRPr>
+            </a:lvl5pPr>
+            <a:lvl6pPr marL="2514600" indent="-228600" eaLnBrk="0" fontAlgn="base" hangingPunct="0">
+              <a:spcBef>
+                <a:spcPct val="0"/>
+              </a:spcBef>
+              <a:spcAft>
+                <a:spcPct val="0"/>
+              </a:spcAft>
+              <a:defRPr sz="3100">
+                <a:solidFill>
+                  <a:schemeClr val="tx1"/>
+                </a:solidFill>
+                <a:latin typeface="Verdana" charset="0"/>
+                <a:ea typeface="ＭＳ Ｐゴシック" charset="0"/>
+              </a:defRPr>
+            </a:lvl6pPr>
+            <a:lvl7pPr marL="2971800" indent="-228600" eaLnBrk="0" fontAlgn="base" hangingPunct="0">
+              <a:spcBef>
+                <a:spcPct val="0"/>
+              </a:spcBef>
+              <a:spcAft>
+                <a:spcPct val="0"/>
+              </a:spcAft>
+              <a:defRPr sz="3100">
+                <a:solidFill>
+                  <a:schemeClr val="tx1"/>
+                </a:solidFill>
+                <a:latin typeface="Verdana" charset="0"/>
+                <a:ea typeface="ＭＳ Ｐゴシック" charset="0"/>
+              </a:defRPr>
+            </a:lvl7pPr>
+            <a:lvl8pPr marL="3429000" indent="-228600" eaLnBrk="0" fontAlgn="base" hangingPunct="0">
+              <a:spcBef>
+                <a:spcPct val="0"/>
+              </a:spcBef>
+              <a:spcAft>
+                <a:spcPct val="0"/>
+              </a:spcAft>
+              <a:defRPr sz="3100">
+                <a:solidFill>
+                  <a:schemeClr val="tx1"/>
+                </a:solidFill>
+                <a:latin typeface="Verdana" charset="0"/>
+                <a:ea typeface="ＭＳ Ｐゴシック" charset="0"/>
+              </a:defRPr>
+            </a:lvl8pPr>
+            <a:lvl9pPr marL="3886200" indent="-228600" eaLnBrk="0" fontAlgn="base" hangingPunct="0">
+              <a:spcBef>
+                <a:spcPct val="0"/>
+              </a:spcBef>
+              <a:spcAft>
+                <a:spcPct val="0"/>
+              </a:spcAft>
+              <a:defRPr sz="3100">
+                <a:solidFill>
+                  <a:schemeClr val="tx1"/>
+                </a:solidFill>
+                <a:latin typeface="Verdana" charset="0"/>
+                <a:ea typeface="ＭＳ Ｐゴシック" charset="0"/>
+              </a:defRPr>
+            </a:lvl9pPr>
+          </a:lstStyle>
+          <a:p>
+            <a:pPr eaLnBrk="1" hangingPunct="1"/>
+            <a:r>
+              <a:rPr lang="en-GB" sz="1000" dirty="0" err="1" smtClean="0"/>
+              <a:t>Patientens</a:t>
+            </a:r>
+            <a:r>
+              <a:rPr lang="en-GB" sz="1000" dirty="0" smtClean="0"/>
+              <a:t> </a:t>
+            </a:r>
+            <a:r>
+              <a:rPr lang="en-GB" sz="1000" dirty="0" err="1" smtClean="0"/>
+              <a:t>aktiviteter</a:t>
+            </a:r>
+            <a:r>
+              <a:rPr lang="en-GB" sz="1000" dirty="0" smtClean="0"/>
+              <a:t> </a:t>
+            </a:r>
+            <a:r>
+              <a:rPr lang="en-GB" sz="1000" dirty="0" err="1" smtClean="0"/>
+              <a:t>i</a:t>
+            </a:r>
+            <a:r>
+              <a:rPr lang="en-GB" sz="1000" dirty="0" smtClean="0"/>
+              <a:t> e-</a:t>
+            </a:r>
+            <a:r>
+              <a:rPr lang="en-GB" sz="1000" dirty="0" err="1" smtClean="0"/>
+              <a:t>tjänst</a:t>
+            </a:r>
+            <a:r>
+              <a:rPr lang="en-GB" sz="1000" dirty="0" smtClean="0"/>
+              <a:t> </a:t>
+            </a:r>
+            <a:r>
+              <a:rPr lang="en-GB" sz="1000" dirty="0" err="1" smtClean="0"/>
+              <a:t>för</a:t>
+            </a:r>
+            <a:r>
+              <a:rPr lang="en-GB" sz="1000" dirty="0" smtClean="0"/>
+              <a:t> </a:t>
+            </a:r>
+            <a:r>
+              <a:rPr lang="en-GB" sz="1000" dirty="0" err="1" smtClean="0"/>
+              <a:t>journalåtkomst</a:t>
+            </a:r>
+            <a:endParaRPr lang="en-GB" sz="1000" dirty="0"/>
+          </a:p>
+        </p:txBody>
+      </p:sp>
+      <p:sp>
+        <p:nvSpPr>
+          <p:cNvPr id="44" name="Femhörning 10"/>
+          <p:cNvSpPr>
+            <a:spLocks noChangeArrowheads="1"/>
+          </p:cNvSpPr>
+          <p:nvPr/>
+        </p:nvSpPr>
+        <p:spPr bwMode="auto">
+          <a:xfrm>
+            <a:off x="7554627" y="1268760"/>
+            <a:ext cx="1512168" cy="504056"/>
+          </a:xfrm>
+          <a:prstGeom prst="homePlate">
+            <a:avLst>
+              <a:gd name="adj" fmla="val 50002"/>
+            </a:avLst>
+          </a:prstGeom>
+          <a:solidFill>
+            <a:schemeClr val="bg1"/>
+          </a:solidFill>
+          <a:ln w="9525">
+            <a:solidFill>
+              <a:srgbClr val="003468"/>
+            </a:solidFill>
+            <a:round/>
+            <a:headEnd/>
+            <a:tailEnd/>
+          </a:ln>
+        </p:spPr>
+        <p:txBody>
+          <a:bodyPr lIns="63898" tIns="31949" rIns="63898" bIns="31949" anchor="ctr"/>
+          <a:lstStyle/>
+          <a:p>
+            <a:pPr algn="ctr" eaLnBrk="0" hangingPunct="0">
+              <a:spcBef>
+                <a:spcPct val="50000"/>
+              </a:spcBef>
+            </a:pPr>
+            <a:r>
+              <a:rPr lang="en-GB" sz="1000" dirty="0" err="1" smtClean="0">
+                <a:cs typeface="Geneva" charset="0"/>
+              </a:rPr>
+              <a:t>Läsa</a:t>
+            </a:r>
+            <a:r>
+              <a:rPr lang="en-GB" sz="1000" dirty="0" smtClean="0">
+                <a:cs typeface="Geneva" charset="0"/>
+              </a:rPr>
+              <a:t> </a:t>
+            </a:r>
+            <a:r>
+              <a:rPr lang="en-GB" sz="1000" dirty="0" err="1" smtClean="0">
+                <a:cs typeface="Geneva" charset="0"/>
+              </a:rPr>
+              <a:t>journalhistorik</a:t>
+            </a:r>
+            <a:endParaRPr lang="en-GB" sz="1000" dirty="0">
+              <a:cs typeface="Geneva" charset="0"/>
+            </a:endParaRPr>
+          </a:p>
+        </p:txBody>
+      </p:sp>
+      <p:sp>
+        <p:nvSpPr>
+          <p:cNvPr id="45" name="Rektangel 63"/>
+          <p:cNvSpPr>
+            <a:spLocks noChangeArrowheads="1"/>
+          </p:cNvSpPr>
+          <p:nvPr/>
+        </p:nvSpPr>
+        <p:spPr bwMode="auto">
+          <a:xfrm>
+            <a:off x="865688" y="1196752"/>
+            <a:ext cx="8208912" cy="698506"/>
+          </a:xfrm>
+          <a:prstGeom prst="rect">
+            <a:avLst/>
+          </a:prstGeom>
+          <a:noFill/>
+          <a:ln w="9525">
+            <a:solidFill>
+              <a:srgbClr val="003468"/>
+            </a:solidFill>
+            <a:round/>
+            <a:headEnd/>
+            <a:tailEnd/>
+          </a:ln>
+          <a:extLst>
+            <a:ext uri="{909E8E84-426E-40dd-AFC4-6F175D3DCCD1}">
+              <a14:hiddenFill xmlns:a14="http://schemas.microsoft.com/office/drawing/2010/main">
+                <a:solidFill>
+                  <a:srgbClr val="FFFFFF"/>
+                </a:solidFill>
+              </a14:hiddenFill>
+            </a:ext>
+          </a:extLst>
+        </p:spPr>
+        <p:txBody>
+          <a:bodyPr lIns="63898" tIns="31949" rIns="63898" bIns="31949" anchor="ctr">
+            <a:noAutofit/>
+          </a:bodyPr>
+          <a:lstStyle/>
+          <a:p>
+            <a:pPr algn="ctr" eaLnBrk="0" hangingPunct="0">
+              <a:spcBef>
+                <a:spcPct val="50000"/>
+              </a:spcBef>
+            </a:pPr>
+            <a:endParaRPr lang="en-GB" sz="1500">
+              <a:cs typeface="Geneva" charset="0"/>
+            </a:endParaRPr>
+          </a:p>
+        </p:txBody>
+      </p:sp>
+      <p:sp>
+        <p:nvSpPr>
+          <p:cNvPr id="46" name="Femhörning 8"/>
+          <p:cNvSpPr>
+            <a:spLocks noChangeArrowheads="1"/>
+          </p:cNvSpPr>
+          <p:nvPr/>
+        </p:nvSpPr>
+        <p:spPr bwMode="auto">
+          <a:xfrm>
+            <a:off x="1971907" y="1268760"/>
+            <a:ext cx="1262240" cy="504056"/>
+          </a:xfrm>
+          <a:prstGeom prst="homePlate">
+            <a:avLst>
+              <a:gd name="adj" fmla="val 50008"/>
+            </a:avLst>
+          </a:prstGeom>
+          <a:solidFill>
+            <a:schemeClr val="bg1"/>
+          </a:solidFill>
+          <a:ln w="9525">
+            <a:solidFill>
+              <a:srgbClr val="003468"/>
+            </a:solidFill>
+            <a:round/>
+            <a:headEnd/>
+            <a:tailEnd/>
+          </a:ln>
+        </p:spPr>
+        <p:txBody>
+          <a:bodyPr lIns="63898" tIns="31949" rIns="63898" bIns="31949" anchor="ctr"/>
+          <a:lstStyle/>
+          <a:p>
+            <a:pPr algn="ctr" eaLnBrk="0" hangingPunct="0">
+              <a:spcBef>
+                <a:spcPct val="50000"/>
+              </a:spcBef>
+            </a:pPr>
+            <a:r>
+              <a:rPr lang="en-GB" sz="1000" dirty="0" err="1" smtClean="0">
+                <a:cs typeface="Geneva" charset="0"/>
+              </a:rPr>
+              <a:t>Bedöm</a:t>
+            </a:r>
+            <a:r>
+              <a:rPr lang="en-GB" sz="1000" dirty="0" smtClean="0">
+                <a:cs typeface="Geneva" charset="0"/>
+              </a:rPr>
+              <a:t> </a:t>
+            </a:r>
+            <a:r>
+              <a:rPr lang="en-GB" sz="1000" dirty="0" err="1" smtClean="0">
+                <a:cs typeface="Geneva" charset="0"/>
+              </a:rPr>
+              <a:t>informationskvalité</a:t>
+            </a:r>
+            <a:endParaRPr lang="en-GB" sz="1000" dirty="0">
+              <a:cs typeface="Geneva" charset="0"/>
+            </a:endParaRPr>
+          </a:p>
+        </p:txBody>
+      </p:sp>
+      <p:cxnSp>
+        <p:nvCxnSpPr>
+          <p:cNvPr id="12" name="Vinklad  11"/>
+          <p:cNvCxnSpPr>
+            <a:stCxn id="46" idx="3"/>
+            <a:endCxn id="41" idx="1"/>
+          </p:cNvCxnSpPr>
+          <p:nvPr/>
+        </p:nvCxnSpPr>
+        <p:spPr>
+          <a:xfrm>
+            <a:off x="3234147" y="1520788"/>
+            <a:ext cx="1440160" cy="792088"/>
+          </a:xfrm>
+          <a:prstGeom prst="bentConnector3">
+            <a:avLst/>
+          </a:prstGeom>
+        </p:spPr>
+        <p:style>
+          <a:lnRef idx="2">
+            <a:schemeClr val="accent1"/>
+          </a:lnRef>
+          <a:fillRef idx="0">
+            <a:schemeClr val="accent1"/>
+          </a:fillRef>
+          <a:effectRef idx="1">
+            <a:schemeClr val="accent1"/>
+          </a:effectRef>
+          <a:fontRef idx="minor">
+            <a:schemeClr val="tx1"/>
+          </a:fontRef>
+        </p:style>
+      </p:cxnSp>
+      <p:cxnSp>
+        <p:nvCxnSpPr>
+          <p:cNvPr id="14" name="Vinklad  13"/>
+          <p:cNvCxnSpPr>
+            <a:stCxn id="41" idx="3"/>
+            <a:endCxn id="44" idx="1"/>
+          </p:cNvCxnSpPr>
+          <p:nvPr/>
+        </p:nvCxnSpPr>
+        <p:spPr>
+          <a:xfrm flipV="1">
+            <a:off x="7266595" y="1520788"/>
+            <a:ext cx="288032" cy="792088"/>
+          </a:xfrm>
+          <a:prstGeom prst="bentConnector3">
+            <a:avLst>
+              <a:gd name="adj1" fmla="val 50000"/>
+            </a:avLst>
+          </a:prstGeom>
+        </p:spPr>
+        <p:style>
+          <a:lnRef idx="2">
+            <a:schemeClr val="accent1"/>
+          </a:lnRef>
+          <a:fillRef idx="0">
+            <a:schemeClr val="accent1"/>
+          </a:fillRef>
+          <a:effectRef idx="1">
+            <a:schemeClr val="accent1"/>
+          </a:effectRef>
+          <a:fontRef idx="minor">
+            <a:schemeClr val="tx1"/>
+          </a:fontRef>
+        </p:style>
+      </p:cxnSp>
+      <p:cxnSp>
+        <p:nvCxnSpPr>
+          <p:cNvPr id="59" name="Rak pil 33"/>
+          <p:cNvCxnSpPr>
+            <a:cxnSpLocks noChangeShapeType="1"/>
+          </p:cNvCxnSpPr>
+          <p:nvPr/>
+        </p:nvCxnSpPr>
+        <p:spPr bwMode="auto">
+          <a:xfrm>
+            <a:off x="4890331" y="2564904"/>
+            <a:ext cx="0" cy="1872208"/>
           </a:xfrm>
           <a:prstGeom prst="straightConnector1">
             <a:avLst/>
@@ -10140,7 +11047,7 @@
       </p:cxnSp>
       <p:sp>
         <p:nvSpPr>
-          <p:cNvPr id="21516" name="textruta 20"/>
+          <p:cNvPr id="35" name="textruta 32"/>
           <p:cNvSpPr txBox="1">
             <a:spLocks noChangeArrowheads="1"/>
           </p:cNvSpPr>
@@ -10148,8 +11055,8 @@
         </p:nvSpPr>
         <p:spPr bwMode="auto">
           <a:xfrm>
-            <a:off x="1073907" y="2780928"/>
-            <a:ext cx="2016224" cy="519535"/>
+            <a:off x="4314267" y="3385952"/>
+            <a:ext cx="1152128" cy="432048"/>
           </a:xfrm>
           <a:prstGeom prst="rect">
             <a:avLst/>
@@ -10280,7 +11187,7 @@
             <a:pPr eaLnBrk="1" hangingPunct="1"/>
             <a:r>
               <a:rPr lang="en-GB" sz="800" dirty="0" err="1" smtClean="0"/>
-              <a:t>Begärn</a:t>
+              <a:t>Begäran</a:t>
             </a:r>
             <a:r>
               <a:rPr lang="en-GB" sz="800" dirty="0" smtClean="0"/>
@@ -10312,676 +11219,15 @@
             </a:r>
             <a:r>
               <a:rPr lang="en-GB" sz="800" dirty="0" err="1" smtClean="0"/>
-              <a:t>anslutna</a:t>
-            </a:r>
-            <a:r>
-              <a:rPr lang="en-GB" sz="800" dirty="0" smtClean="0"/>
-              <a:t> PDL-</a:t>
-            </a:r>
-            <a:r>
-              <a:rPr lang="en-GB" sz="800" dirty="0" err="1" smtClean="0"/>
-              <a:t>enheter</a:t>
-            </a:r>
-            <a:r>
-              <a:rPr lang="en-GB" sz="800" dirty="0" smtClean="0"/>
-              <a:t> </a:t>
-            </a:r>
-            <a:r>
-              <a:rPr lang="en-GB" sz="800" dirty="0" err="1" smtClean="0"/>
-              <a:t>och</a:t>
-            </a:r>
-            <a:r>
-              <a:rPr lang="en-GB" sz="800" dirty="0" smtClean="0"/>
-              <a:t> </a:t>
-            </a:r>
-            <a:r>
-              <a:rPr lang="en-GB" sz="800" dirty="0" err="1" smtClean="0"/>
-              <a:t>infomängder</a:t>
-            </a:r>
-            <a:r>
-              <a:rPr lang="en-GB" sz="800" dirty="0" smtClean="0"/>
-              <a:t> </a:t>
-            </a:r>
-            <a:r>
-              <a:rPr lang="en-GB" sz="800" dirty="0" err="1" smtClean="0"/>
-              <a:t>som</a:t>
-            </a:r>
-            <a:r>
-              <a:rPr lang="en-GB" sz="800" dirty="0" smtClean="0"/>
-              <a:t> </a:t>
-            </a:r>
-            <a:r>
-              <a:rPr lang="en-GB" sz="800" dirty="0" err="1" smtClean="0"/>
-              <a:t>är</a:t>
-            </a:r>
-            <a:r>
-              <a:rPr lang="en-GB" sz="800" dirty="0" smtClean="0"/>
-              <a:t> </a:t>
-            </a:r>
-            <a:r>
-              <a:rPr lang="en-GB" sz="800" dirty="0" err="1" smtClean="0"/>
-              <a:t>tillgängliga</a:t>
-            </a:r>
-            <a:r>
-              <a:rPr lang="en-GB" sz="800" dirty="0" smtClean="0"/>
-              <a:t> </a:t>
-            </a:r>
-            <a:r>
-              <a:rPr lang="en-GB" sz="800" dirty="0" err="1" smtClean="0"/>
-              <a:t>för</a:t>
-            </a:r>
-            <a:r>
-              <a:rPr lang="en-GB" sz="800" dirty="0" smtClean="0"/>
-              <a:t> </a:t>
-            </a:r>
-            <a:r>
-              <a:rPr lang="en-GB" sz="800" dirty="0" err="1" smtClean="0"/>
-              <a:t>tillämpningen</a:t>
+              <a:t>engagemang</a:t>
             </a:r>
             <a:endParaRPr lang="en-GB" sz="800" dirty="0"/>
-          </a:p>
-        </p:txBody>
-      </p:sp>
-      <p:sp>
-        <p:nvSpPr>
-          <p:cNvPr id="22" name="Rektangel 21"/>
-          <p:cNvSpPr/>
-          <p:nvPr/>
-        </p:nvSpPr>
-        <p:spPr bwMode="auto">
-          <a:xfrm>
-            <a:off x="929891" y="4581128"/>
-            <a:ext cx="8124317" cy="241023"/>
-          </a:xfrm>
-          <a:prstGeom prst="rect">
-            <a:avLst/>
-          </a:prstGeom>
-          <a:solidFill>
-            <a:schemeClr val="accent1">
-              <a:lumMod val="20000"/>
-              <a:lumOff val="80000"/>
-            </a:schemeClr>
-          </a:solidFill>
-          <a:ln w="9525" cap="flat" cmpd="sng" algn="ctr">
-            <a:solidFill>
-              <a:srgbClr val="003468"/>
-            </a:solidFill>
-            <a:prstDash val="solid"/>
-            <a:round/>
-            <a:headEnd type="none" w="med" len="med"/>
-            <a:tailEnd type="none" w="med" len="med"/>
-          </a:ln>
-          <a:effectLst/>
-        </p:spPr>
-        <p:txBody>
-          <a:bodyPr wrap="none" lIns="63898" tIns="31949" rIns="63898" bIns="31949" anchor="ctr"/>
-          <a:lstStyle/>
-          <a:p>
-            <a:pPr eaLnBrk="0" hangingPunct="0">
-              <a:spcBef>
-                <a:spcPct val="50000"/>
-              </a:spcBef>
-              <a:defRPr/>
-            </a:pPr>
-            <a:r>
-              <a:rPr lang="en-GB" sz="1000" dirty="0" err="1" smtClean="0">
-                <a:latin typeface="Verdana" pitchFamily="34" charset="0"/>
-                <a:ea typeface="Geneva" pitchFamily="1" charset="-128"/>
-              </a:rPr>
-              <a:t>Tjänsteadresseringskatalog</a:t>
-            </a:r>
-            <a:endParaRPr lang="en-GB" sz="1000" dirty="0">
-              <a:latin typeface="Verdana" pitchFamily="34" charset="0"/>
-              <a:ea typeface="Geneva" pitchFamily="1" charset="-128"/>
-            </a:endParaRPr>
-          </a:p>
-        </p:txBody>
-      </p:sp>
-      <p:sp>
-        <p:nvSpPr>
-          <p:cNvPr id="41" name="Femhörning 10"/>
-          <p:cNvSpPr>
-            <a:spLocks noChangeArrowheads="1"/>
-          </p:cNvSpPr>
-          <p:nvPr/>
-        </p:nvSpPr>
-        <p:spPr bwMode="auto">
-          <a:xfrm>
-            <a:off x="4674307" y="2060848"/>
-            <a:ext cx="2592288" cy="504056"/>
-          </a:xfrm>
-          <a:prstGeom prst="homePlate">
-            <a:avLst>
-              <a:gd name="adj" fmla="val 50002"/>
-            </a:avLst>
-          </a:prstGeom>
-          <a:solidFill>
-            <a:schemeClr val="bg1"/>
-          </a:solidFill>
-          <a:ln w="9525">
-            <a:solidFill>
-              <a:srgbClr val="003468"/>
-            </a:solidFill>
-            <a:round/>
-            <a:headEnd/>
-            <a:tailEnd/>
-          </a:ln>
-        </p:spPr>
-        <p:txBody>
-          <a:bodyPr lIns="63898" tIns="31949" rIns="63898" bIns="31949" anchor="ctr"/>
-          <a:lstStyle/>
-          <a:p>
-            <a:pPr algn="ctr" eaLnBrk="0" hangingPunct="0">
-              <a:spcBef>
-                <a:spcPct val="50000"/>
-              </a:spcBef>
-            </a:pPr>
-            <a:r>
-              <a:rPr lang="en-GB" sz="1000" dirty="0" err="1" smtClean="0">
-                <a:cs typeface="Geneva" charset="0"/>
-              </a:rPr>
-              <a:t>Hämta</a:t>
-            </a:r>
-            <a:r>
-              <a:rPr lang="en-GB" sz="1000" dirty="0" smtClean="0">
-                <a:cs typeface="Geneva" charset="0"/>
-              </a:rPr>
-              <a:t> info</a:t>
-            </a:r>
-          </a:p>
-          <a:p>
-            <a:pPr algn="ctr" eaLnBrk="0" hangingPunct="0">
-              <a:spcBef>
-                <a:spcPct val="50000"/>
-              </a:spcBef>
-            </a:pPr>
-            <a:r>
-              <a:rPr lang="en-GB" sz="1000" dirty="0" smtClean="0">
-                <a:cs typeface="Geneva" charset="0"/>
-              </a:rPr>
-              <a:t>(aggregering </a:t>
-            </a:r>
-            <a:r>
-              <a:rPr lang="en-GB" sz="1000" dirty="0" err="1" smtClean="0">
-                <a:cs typeface="Geneva" charset="0"/>
-              </a:rPr>
-              <a:t>i</a:t>
-            </a:r>
-            <a:r>
-              <a:rPr lang="en-GB" sz="1000" dirty="0" smtClean="0">
-                <a:cs typeface="Geneva" charset="0"/>
-              </a:rPr>
-              <a:t> </a:t>
-            </a:r>
-            <a:r>
-              <a:rPr lang="en-GB" sz="1000" dirty="0" err="1" smtClean="0">
-                <a:cs typeface="Geneva" charset="0"/>
-              </a:rPr>
-              <a:t>NTjP</a:t>
-            </a:r>
-            <a:r>
-              <a:rPr lang="en-GB" sz="1000" dirty="0" smtClean="0">
-                <a:cs typeface="Geneva" charset="0"/>
-              </a:rPr>
-              <a:t>)</a:t>
-            </a:r>
-            <a:endParaRPr lang="en-GB" sz="1000" dirty="0">
-              <a:cs typeface="Geneva" charset="0"/>
-            </a:endParaRPr>
-          </a:p>
-        </p:txBody>
-      </p:sp>
-      <p:sp>
-        <p:nvSpPr>
-          <p:cNvPr id="43" name="textruta 9"/>
-          <p:cNvSpPr txBox="1">
-            <a:spLocks noChangeArrowheads="1"/>
-          </p:cNvSpPr>
-          <p:nvPr/>
-        </p:nvSpPr>
-        <p:spPr bwMode="auto">
-          <a:xfrm>
-            <a:off x="883886" y="1196752"/>
-            <a:ext cx="1114024" cy="680075"/>
-          </a:xfrm>
-          <a:prstGeom prst="rect">
-            <a:avLst/>
-          </a:prstGeom>
-          <a:noFill/>
-          <a:ln>
-            <a:noFill/>
-          </a:ln>
-          <a:extLst>
-            <a:ext uri="{909E8E84-426E-40dd-AFC4-6F175D3DCCD1}">
-              <a14:hiddenFill xmlns:a14="http://schemas.microsoft.com/office/drawing/2010/main">
-                <a:solidFill>
-                  <a:srgbClr val="FFFFFF"/>
-                </a:solidFill>
-              </a14:hiddenFill>
-            </a:ext>
-            <a:ext uri="{91240B29-F687-4f45-9708-019B960494DF}">
-              <a14:hiddenLine xmlns:a14="http://schemas.microsoft.com/office/drawing/2010/main" w="9525">
-                <a:solidFill>
-                  <a:srgbClr val="000000"/>
-                </a:solidFill>
-                <a:miter lim="800000"/>
-                <a:headEnd/>
-                <a:tailEnd/>
-              </a14:hiddenLine>
-            </a:ext>
-          </a:extLst>
-        </p:spPr>
-        <p:txBody>
-          <a:bodyPr wrap="square" lIns="63898" tIns="31949" rIns="63898" bIns="31949">
-            <a:spAutoFit/>
-          </a:bodyPr>
-          <a:lstStyle>
-            <a:lvl1pPr eaLnBrk="0" hangingPunct="0">
-              <a:defRPr sz="3100">
-                <a:solidFill>
-                  <a:schemeClr val="tx1"/>
-                </a:solidFill>
-                <a:latin typeface="Verdana" charset="0"/>
-                <a:ea typeface="ＭＳ Ｐゴシック" charset="0"/>
-                <a:cs typeface="ＭＳ Ｐゴシック" charset="0"/>
-              </a:defRPr>
-            </a:lvl1pPr>
-            <a:lvl2pPr marL="742950" indent="-285750" eaLnBrk="0" hangingPunct="0">
-              <a:defRPr sz="3100">
-                <a:solidFill>
-                  <a:schemeClr val="tx1"/>
-                </a:solidFill>
-                <a:latin typeface="Verdana" charset="0"/>
-                <a:ea typeface="ＭＳ Ｐゴシック" charset="0"/>
-              </a:defRPr>
-            </a:lvl2pPr>
-            <a:lvl3pPr marL="1143000" indent="-228600" eaLnBrk="0" hangingPunct="0">
-              <a:defRPr sz="3100">
-                <a:solidFill>
-                  <a:schemeClr val="tx1"/>
-                </a:solidFill>
-                <a:latin typeface="Verdana" charset="0"/>
-                <a:ea typeface="ＭＳ Ｐゴシック" charset="0"/>
-              </a:defRPr>
-            </a:lvl3pPr>
-            <a:lvl4pPr marL="1600200" indent="-228600" eaLnBrk="0" hangingPunct="0">
-              <a:defRPr sz="3100">
-                <a:solidFill>
-                  <a:schemeClr val="tx1"/>
-                </a:solidFill>
-                <a:latin typeface="Verdana" charset="0"/>
-                <a:ea typeface="ＭＳ Ｐゴシック" charset="0"/>
-              </a:defRPr>
-            </a:lvl4pPr>
-            <a:lvl5pPr marL="2057400" indent="-228600" eaLnBrk="0" hangingPunct="0">
-              <a:defRPr sz="3100">
-                <a:solidFill>
-                  <a:schemeClr val="tx1"/>
-                </a:solidFill>
-                <a:latin typeface="Verdana" charset="0"/>
-                <a:ea typeface="ＭＳ Ｐゴシック" charset="0"/>
-              </a:defRPr>
-            </a:lvl5pPr>
-            <a:lvl6pPr marL="2514600" indent="-228600" eaLnBrk="0" fontAlgn="base" hangingPunct="0">
-              <a:spcBef>
-                <a:spcPct val="0"/>
-              </a:spcBef>
-              <a:spcAft>
-                <a:spcPct val="0"/>
-              </a:spcAft>
-              <a:defRPr sz="3100">
-                <a:solidFill>
-                  <a:schemeClr val="tx1"/>
-                </a:solidFill>
-                <a:latin typeface="Verdana" charset="0"/>
-                <a:ea typeface="ＭＳ Ｐゴシック" charset="0"/>
-              </a:defRPr>
-            </a:lvl6pPr>
-            <a:lvl7pPr marL="2971800" indent="-228600" eaLnBrk="0" fontAlgn="base" hangingPunct="0">
-              <a:spcBef>
-                <a:spcPct val="0"/>
-              </a:spcBef>
-              <a:spcAft>
-                <a:spcPct val="0"/>
-              </a:spcAft>
-              <a:defRPr sz="3100">
-                <a:solidFill>
-                  <a:schemeClr val="tx1"/>
-                </a:solidFill>
-                <a:latin typeface="Verdana" charset="0"/>
-                <a:ea typeface="ＭＳ Ｐゴシック" charset="0"/>
-              </a:defRPr>
-            </a:lvl7pPr>
-            <a:lvl8pPr marL="3429000" indent="-228600" eaLnBrk="0" fontAlgn="base" hangingPunct="0">
-              <a:spcBef>
-                <a:spcPct val="0"/>
-              </a:spcBef>
-              <a:spcAft>
-                <a:spcPct val="0"/>
-              </a:spcAft>
-              <a:defRPr sz="3100">
-                <a:solidFill>
-                  <a:schemeClr val="tx1"/>
-                </a:solidFill>
-                <a:latin typeface="Verdana" charset="0"/>
-                <a:ea typeface="ＭＳ Ｐゴシック" charset="0"/>
-              </a:defRPr>
-            </a:lvl8pPr>
-            <a:lvl9pPr marL="3886200" indent="-228600" eaLnBrk="0" fontAlgn="base" hangingPunct="0">
-              <a:spcBef>
-                <a:spcPct val="0"/>
-              </a:spcBef>
-              <a:spcAft>
-                <a:spcPct val="0"/>
-              </a:spcAft>
-              <a:defRPr sz="3100">
-                <a:solidFill>
-                  <a:schemeClr val="tx1"/>
-                </a:solidFill>
-                <a:latin typeface="Verdana" charset="0"/>
-                <a:ea typeface="ＭＳ Ｐゴシック" charset="0"/>
-              </a:defRPr>
-            </a:lvl9pPr>
-          </a:lstStyle>
-          <a:p>
-            <a:pPr eaLnBrk="1" hangingPunct="1"/>
-            <a:r>
-              <a:rPr lang="en-GB" sz="1000" dirty="0" err="1" smtClean="0"/>
-              <a:t>Patientens</a:t>
-            </a:r>
-            <a:r>
-              <a:rPr lang="en-GB" sz="1000" dirty="0" smtClean="0"/>
-              <a:t> </a:t>
-            </a:r>
-            <a:r>
-              <a:rPr lang="en-GB" sz="1000" dirty="0" err="1" smtClean="0"/>
-              <a:t>aktiviteter</a:t>
-            </a:r>
-            <a:r>
-              <a:rPr lang="en-GB" sz="1000" dirty="0" smtClean="0"/>
-              <a:t> </a:t>
-            </a:r>
-            <a:r>
-              <a:rPr lang="en-GB" sz="1000" dirty="0" err="1" smtClean="0"/>
-              <a:t>i</a:t>
-            </a:r>
-            <a:r>
-              <a:rPr lang="en-GB" sz="1000" dirty="0" smtClean="0"/>
-              <a:t> e-</a:t>
-            </a:r>
-            <a:r>
-              <a:rPr lang="en-GB" sz="1000" dirty="0" err="1" smtClean="0"/>
-              <a:t>tjänst</a:t>
-            </a:r>
-            <a:r>
-              <a:rPr lang="en-GB" sz="1000" dirty="0" smtClean="0"/>
-              <a:t> </a:t>
-            </a:r>
-            <a:r>
-              <a:rPr lang="en-GB" sz="1000" dirty="0" err="1" smtClean="0"/>
-              <a:t>för</a:t>
-            </a:r>
-            <a:r>
-              <a:rPr lang="en-GB" sz="1000" dirty="0" smtClean="0"/>
-              <a:t> </a:t>
-            </a:r>
-            <a:r>
-              <a:rPr lang="en-GB" sz="1000" dirty="0" err="1" smtClean="0"/>
-              <a:t>journalåtkomst</a:t>
-            </a:r>
-            <a:endParaRPr lang="en-GB" sz="1000" dirty="0"/>
-          </a:p>
-        </p:txBody>
-      </p:sp>
-      <p:sp>
-        <p:nvSpPr>
-          <p:cNvPr id="44" name="Femhörning 10"/>
-          <p:cNvSpPr>
-            <a:spLocks noChangeArrowheads="1"/>
-          </p:cNvSpPr>
-          <p:nvPr/>
-        </p:nvSpPr>
-        <p:spPr bwMode="auto">
-          <a:xfrm>
-            <a:off x="7554627" y="1268760"/>
-            <a:ext cx="1512168" cy="504056"/>
-          </a:xfrm>
-          <a:prstGeom prst="homePlate">
-            <a:avLst>
-              <a:gd name="adj" fmla="val 50002"/>
-            </a:avLst>
-          </a:prstGeom>
-          <a:solidFill>
-            <a:schemeClr val="bg1"/>
-          </a:solidFill>
-          <a:ln w="9525">
-            <a:solidFill>
-              <a:srgbClr val="003468"/>
-            </a:solidFill>
-            <a:round/>
-            <a:headEnd/>
-            <a:tailEnd/>
-          </a:ln>
-        </p:spPr>
-        <p:txBody>
-          <a:bodyPr lIns="63898" tIns="31949" rIns="63898" bIns="31949" anchor="ctr"/>
-          <a:lstStyle/>
-          <a:p>
-            <a:pPr algn="ctr" eaLnBrk="0" hangingPunct="0">
-              <a:spcBef>
-                <a:spcPct val="50000"/>
-              </a:spcBef>
-            </a:pPr>
-            <a:r>
-              <a:rPr lang="en-GB" sz="1000" dirty="0" err="1" smtClean="0">
-                <a:cs typeface="Geneva" charset="0"/>
-              </a:rPr>
-              <a:t>Läsa</a:t>
-            </a:r>
-            <a:r>
-              <a:rPr lang="en-GB" sz="1000" dirty="0" smtClean="0">
-                <a:cs typeface="Geneva" charset="0"/>
-              </a:rPr>
-              <a:t> </a:t>
-            </a:r>
-            <a:r>
-              <a:rPr lang="en-GB" sz="1000" dirty="0" err="1" smtClean="0">
-                <a:cs typeface="Geneva" charset="0"/>
-              </a:rPr>
-              <a:t>journalhistorik</a:t>
-            </a:r>
-            <a:endParaRPr lang="en-GB" sz="1000" dirty="0">
-              <a:cs typeface="Geneva" charset="0"/>
-            </a:endParaRPr>
-          </a:p>
-        </p:txBody>
-      </p:sp>
-      <p:sp>
-        <p:nvSpPr>
-          <p:cNvPr id="45" name="Rektangel 63"/>
-          <p:cNvSpPr>
-            <a:spLocks noChangeArrowheads="1"/>
-          </p:cNvSpPr>
-          <p:nvPr/>
-        </p:nvSpPr>
-        <p:spPr bwMode="auto">
-          <a:xfrm>
-            <a:off x="865688" y="1196752"/>
-            <a:ext cx="8208912" cy="698506"/>
-          </a:xfrm>
-          <a:prstGeom prst="rect">
-            <a:avLst/>
-          </a:prstGeom>
-          <a:noFill/>
-          <a:ln w="9525">
-            <a:solidFill>
-              <a:srgbClr val="003468"/>
-            </a:solidFill>
-            <a:round/>
-            <a:headEnd/>
-            <a:tailEnd/>
-          </a:ln>
-          <a:extLst>
-            <a:ext uri="{909E8E84-426E-40dd-AFC4-6F175D3DCCD1}">
-              <a14:hiddenFill xmlns:a14="http://schemas.microsoft.com/office/drawing/2010/main">
-                <a:solidFill>
-                  <a:srgbClr val="FFFFFF"/>
-                </a:solidFill>
-              </a14:hiddenFill>
-            </a:ext>
-          </a:extLst>
-        </p:spPr>
-        <p:txBody>
-          <a:bodyPr lIns="63898" tIns="31949" rIns="63898" bIns="31949" anchor="ctr">
-            <a:noAutofit/>
-          </a:bodyPr>
-          <a:lstStyle/>
-          <a:p>
-            <a:pPr algn="ctr" eaLnBrk="0" hangingPunct="0">
-              <a:spcBef>
-                <a:spcPct val="50000"/>
-              </a:spcBef>
-            </a:pPr>
-            <a:endParaRPr lang="en-GB" sz="1500">
-              <a:cs typeface="Geneva" charset="0"/>
-            </a:endParaRPr>
-          </a:p>
-        </p:txBody>
-      </p:sp>
-      <p:sp>
-        <p:nvSpPr>
-          <p:cNvPr id="46" name="Femhörning 8"/>
-          <p:cNvSpPr>
-            <a:spLocks noChangeArrowheads="1"/>
-          </p:cNvSpPr>
-          <p:nvPr/>
-        </p:nvSpPr>
-        <p:spPr bwMode="auto">
-          <a:xfrm>
-            <a:off x="1971907" y="1268760"/>
-            <a:ext cx="1262240" cy="504056"/>
-          </a:xfrm>
-          <a:prstGeom prst="homePlate">
-            <a:avLst>
-              <a:gd name="adj" fmla="val 50008"/>
-            </a:avLst>
-          </a:prstGeom>
-          <a:solidFill>
-            <a:schemeClr val="bg1"/>
-          </a:solidFill>
-          <a:ln w="9525">
-            <a:solidFill>
-              <a:srgbClr val="003468"/>
-            </a:solidFill>
-            <a:round/>
-            <a:headEnd/>
-            <a:tailEnd/>
-          </a:ln>
-        </p:spPr>
-        <p:txBody>
-          <a:bodyPr lIns="63898" tIns="31949" rIns="63898" bIns="31949" anchor="ctr"/>
-          <a:lstStyle/>
-          <a:p>
-            <a:pPr algn="ctr" eaLnBrk="0" hangingPunct="0">
-              <a:spcBef>
-                <a:spcPct val="50000"/>
-              </a:spcBef>
-            </a:pPr>
-            <a:r>
-              <a:rPr lang="en-GB" sz="1000" dirty="0" err="1" smtClean="0">
-                <a:cs typeface="Geneva" charset="0"/>
-              </a:rPr>
-              <a:t>Bedöm</a:t>
-            </a:r>
-            <a:r>
-              <a:rPr lang="en-GB" sz="1000" dirty="0" smtClean="0">
-                <a:cs typeface="Geneva" charset="0"/>
-              </a:rPr>
-              <a:t> </a:t>
-            </a:r>
-            <a:r>
-              <a:rPr lang="en-GB" sz="1000" dirty="0" err="1" smtClean="0">
-                <a:cs typeface="Geneva" charset="0"/>
-              </a:rPr>
-              <a:t>informationskvalité</a:t>
-            </a:r>
-            <a:endParaRPr lang="en-GB" sz="1000" dirty="0">
-              <a:cs typeface="Geneva" charset="0"/>
-            </a:endParaRPr>
           </a:p>
         </p:txBody>
       </p:sp>
       <p:cxnSp>
         <p:nvCxnSpPr>
-          <p:cNvPr id="12" name="Vinklad  11"/>
-          <p:cNvCxnSpPr>
-            <a:stCxn id="46" idx="3"/>
-            <a:endCxn id="41" idx="1"/>
-          </p:cNvCxnSpPr>
-          <p:nvPr/>
-        </p:nvCxnSpPr>
-        <p:spPr>
-          <a:xfrm>
-            <a:off x="3234147" y="1520788"/>
-            <a:ext cx="1440160" cy="792088"/>
-          </a:xfrm>
-          <a:prstGeom prst="bentConnector3">
-            <a:avLst/>
-          </a:prstGeom>
-        </p:spPr>
-        <p:style>
-          <a:lnRef idx="2">
-            <a:schemeClr val="accent1"/>
-          </a:lnRef>
-          <a:fillRef idx="0">
-            <a:schemeClr val="accent1"/>
-          </a:fillRef>
-          <a:effectRef idx="1">
-            <a:schemeClr val="accent1"/>
-          </a:effectRef>
-          <a:fontRef idx="minor">
-            <a:schemeClr val="tx1"/>
-          </a:fontRef>
-        </p:style>
-      </p:cxnSp>
-      <p:cxnSp>
-        <p:nvCxnSpPr>
-          <p:cNvPr id="14" name="Vinklad  13"/>
-          <p:cNvCxnSpPr>
-            <a:stCxn id="41" idx="3"/>
-            <a:endCxn id="44" idx="1"/>
-          </p:cNvCxnSpPr>
-          <p:nvPr/>
-        </p:nvCxnSpPr>
-        <p:spPr>
-          <a:xfrm flipV="1">
-            <a:off x="7266595" y="1520788"/>
-            <a:ext cx="288032" cy="792088"/>
-          </a:xfrm>
-          <a:prstGeom prst="bentConnector3">
-            <a:avLst>
-              <a:gd name="adj1" fmla="val 50000"/>
-            </a:avLst>
-          </a:prstGeom>
-        </p:spPr>
-        <p:style>
-          <a:lnRef idx="2">
-            <a:schemeClr val="accent1"/>
-          </a:lnRef>
-          <a:fillRef idx="0">
-            <a:schemeClr val="accent1"/>
-          </a:fillRef>
-          <a:effectRef idx="1">
-            <a:schemeClr val="accent1"/>
-          </a:effectRef>
-          <a:fontRef idx="minor">
-            <a:schemeClr val="tx1"/>
-          </a:fontRef>
-        </p:style>
-      </p:cxnSp>
-      <p:cxnSp>
-        <p:nvCxnSpPr>
-          <p:cNvPr id="59" name="Rak pil 33"/>
+          <p:cNvPr id="62" name="Rak pil 33"/>
           <p:cNvCxnSpPr>
             <a:cxnSpLocks noChangeShapeType="1"/>
           </p:cNvCxnSpPr>
@@ -10989,8 +11235,8 @@
         </p:nvCxnSpPr>
         <p:spPr bwMode="auto">
           <a:xfrm>
-            <a:off x="4890331" y="2564904"/>
-            <a:ext cx="0" cy="1872208"/>
+            <a:off x="5538403" y="2564904"/>
+            <a:ext cx="0" cy="2160240"/>
           </a:xfrm>
           <a:prstGeom prst="straightConnector1">
             <a:avLst/>
@@ -11015,7 +11261,7 @@
       </p:cxnSp>
       <p:sp>
         <p:nvSpPr>
-          <p:cNvPr id="35" name="textruta 32"/>
+          <p:cNvPr id="64" name="textruta 32"/>
           <p:cNvSpPr txBox="1">
             <a:spLocks noChangeArrowheads="1"/>
           </p:cNvSpPr>
@@ -11023,8 +11269,8 @@
         </p:nvSpPr>
         <p:spPr bwMode="auto">
           <a:xfrm>
-            <a:off x="4314267" y="3385952"/>
-            <a:ext cx="1152128" cy="432048"/>
+            <a:off x="5034347" y="2852936"/>
+            <a:ext cx="1512168" cy="432048"/>
           </a:xfrm>
           <a:prstGeom prst="rect">
             <a:avLst/>
@@ -11187,7 +11433,39 @@
             </a:r>
             <a:r>
               <a:rPr lang="en-GB" sz="800" dirty="0" err="1" smtClean="0"/>
-              <a:t>engagemang</a:t>
+              <a:t>anslutningspunkter</a:t>
+            </a:r>
+            <a:r>
+              <a:rPr lang="en-GB" sz="800" dirty="0" smtClean="0"/>
+              <a:t> </a:t>
+            </a:r>
+            <a:r>
+              <a:rPr lang="en-GB" sz="800" dirty="0" err="1" smtClean="0"/>
+              <a:t>för</a:t>
+            </a:r>
+            <a:r>
+              <a:rPr lang="en-GB" sz="800" dirty="0" smtClean="0"/>
+              <a:t> </a:t>
+            </a:r>
+            <a:r>
+              <a:rPr lang="en-GB" sz="800" dirty="0" err="1" smtClean="0"/>
+              <a:t>systemen</a:t>
+            </a:r>
+            <a:r>
+              <a:rPr lang="en-GB" sz="800" dirty="0" smtClean="0"/>
+              <a:t> </a:t>
+            </a:r>
+            <a:r>
+              <a:rPr lang="en-GB" sz="800" dirty="0" err="1" smtClean="0"/>
+              <a:t>från</a:t>
+            </a:r>
+            <a:r>
+              <a:rPr lang="en-GB" sz="800" dirty="0" smtClean="0"/>
+              <a:t> </a:t>
+            </a:r>
+            <a:r>
+              <a:rPr lang="en-GB" sz="800" dirty="0" err="1" smtClean="0"/>
+              <a:t>indexposter</a:t>
             </a:r>
             <a:endParaRPr lang="en-GB" sz="800" dirty="0"/>
           </a:p>
@@ -11195,7 +11473,7 @@
       </p:sp>
       <p:cxnSp>
         <p:nvCxnSpPr>
-          <p:cNvPr id="62" name="Rak pil 33"/>
+          <p:cNvPr id="68" name="Rak pil 33"/>
           <p:cNvCxnSpPr>
             <a:cxnSpLocks noChangeShapeType="1"/>
           </p:cNvCxnSpPr>
@@ -11203,8 +11481,8 @@
         </p:nvCxnSpPr>
         <p:spPr bwMode="auto">
           <a:xfrm>
-            <a:off x="5538403" y="2564904"/>
-            <a:ext cx="0" cy="2160240"/>
+            <a:off x="6690531" y="2564904"/>
+            <a:ext cx="0" cy="3312368"/>
           </a:xfrm>
           <a:prstGeom prst="straightConnector1">
             <a:avLst/>
@@ -11229,219 +11507,134 @@
       </p:cxnSp>
       <p:sp>
         <p:nvSpPr>
-          <p:cNvPr id="64" name="textruta 32"/>
-          <p:cNvSpPr txBox="1">
+          <p:cNvPr id="69" name="Rektangel 7"/>
+          <p:cNvSpPr>
             <a:spLocks noChangeArrowheads="1"/>
           </p:cNvSpPr>
           <p:nvPr/>
         </p:nvSpPr>
         <p:spPr bwMode="auto">
           <a:xfrm>
-            <a:off x="5034347" y="2852936"/>
-            <a:ext cx="1512168" cy="432048"/>
+            <a:off x="929891" y="6165304"/>
+            <a:ext cx="8174031" cy="235444"/>
           </a:xfrm>
           <a:prstGeom prst="rect">
             <a:avLst/>
           </a:prstGeom>
           <a:solidFill>
-            <a:schemeClr val="bg1"/>
+            <a:srgbClr val="CCFFCC"/>
           </a:solidFill>
           <a:ln w="9525">
             <a:solidFill>
-              <a:schemeClr val="tx1"/>
+              <a:srgbClr val="003468"/>
             </a:solidFill>
-            <a:miter lim="800000"/>
+            <a:round/>
             <a:headEnd/>
             <a:tailEnd/>
           </a:ln>
         </p:spPr>
         <p:txBody>
-          <a:bodyPr lIns="63898" tIns="31949" rIns="63898" bIns="31949"/>
-          <a:lstStyle>
-            <a:lvl1pPr eaLnBrk="0" hangingPunct="0">
-              <a:defRPr sz="3100">
-                <a:solidFill>
-                  <a:schemeClr val="tx1"/>
-                </a:solidFill>
-                <a:latin typeface="Verdana" charset="0"/>
-                <a:ea typeface="ＭＳ Ｐゴシック" charset="0"/>
-                <a:cs typeface="ＭＳ Ｐゴシック" charset="0"/>
-              </a:defRPr>
-            </a:lvl1pPr>
-            <a:lvl2pPr marL="742950" indent="-285750" eaLnBrk="0" hangingPunct="0">
-              <a:defRPr sz="3100">
-                <a:solidFill>
-                  <a:schemeClr val="tx1"/>
-                </a:solidFill>
-                <a:latin typeface="Verdana" charset="0"/>
-                <a:ea typeface="ＭＳ Ｐゴシック" charset="0"/>
-              </a:defRPr>
-            </a:lvl2pPr>
-            <a:lvl3pPr marL="1143000" indent="-228600" eaLnBrk="0" hangingPunct="0">
-              <a:defRPr sz="3100">
-                <a:solidFill>
-                  <a:schemeClr val="tx1"/>
-                </a:solidFill>
-                <a:latin typeface="Verdana" charset="0"/>
-                <a:ea typeface="ＭＳ Ｐゴシック" charset="0"/>
-              </a:defRPr>
-            </a:lvl3pPr>
-            <a:lvl4pPr marL="1600200" indent="-228600" eaLnBrk="0" hangingPunct="0">
-              <a:defRPr sz="3100">
-                <a:solidFill>
-                  <a:schemeClr val="tx1"/>
-                </a:solidFill>
-                <a:latin typeface="Verdana" charset="0"/>
-                <a:ea typeface="ＭＳ Ｐゴシック" charset="0"/>
-              </a:defRPr>
-            </a:lvl4pPr>
-            <a:lvl5pPr marL="2057400" indent="-228600" eaLnBrk="0" hangingPunct="0">
-              <a:defRPr sz="3100">
-                <a:solidFill>
-                  <a:schemeClr val="tx1"/>
-                </a:solidFill>
-                <a:latin typeface="Verdana" charset="0"/>
-                <a:ea typeface="ＭＳ Ｐゴシック" charset="0"/>
-              </a:defRPr>
-            </a:lvl5pPr>
-            <a:lvl6pPr marL="2514600" indent="-228600" eaLnBrk="0" fontAlgn="base" hangingPunct="0">
+          <a:bodyPr wrap="none" lIns="63898" tIns="31949" rIns="63898" bIns="31949" anchor="ctr"/>
+          <a:lstStyle/>
+          <a:p>
+            <a:pPr eaLnBrk="0" hangingPunct="0">
               <a:spcBef>
-                <a:spcPct val="0"/>
+                <a:spcPct val="50000"/>
               </a:spcBef>
-              <a:spcAft>
-                <a:spcPct val="0"/>
-              </a:spcAft>
-              <a:defRPr sz="3100">
-                <a:solidFill>
-                  <a:schemeClr val="tx1"/>
-                </a:solidFill>
-                <a:latin typeface="Verdana" charset="0"/>
-                <a:ea typeface="ＭＳ Ｐゴシック" charset="0"/>
-              </a:defRPr>
-            </a:lvl6pPr>
-            <a:lvl7pPr marL="2971800" indent="-228600" eaLnBrk="0" fontAlgn="base" hangingPunct="0">
-              <a:spcBef>
-                <a:spcPct val="0"/>
-              </a:spcBef>
-              <a:spcAft>
-                <a:spcPct val="0"/>
-              </a:spcAft>
-              <a:defRPr sz="3100">
-                <a:solidFill>
-                  <a:schemeClr val="tx1"/>
-                </a:solidFill>
-                <a:latin typeface="Verdana" charset="0"/>
-                <a:ea typeface="ＭＳ Ｐゴシック" charset="0"/>
-              </a:defRPr>
-            </a:lvl7pPr>
-            <a:lvl8pPr marL="3429000" indent="-228600" eaLnBrk="0" fontAlgn="base" hangingPunct="0">
-              <a:spcBef>
-                <a:spcPct val="0"/>
-              </a:spcBef>
-              <a:spcAft>
-                <a:spcPct val="0"/>
-              </a:spcAft>
-              <a:defRPr sz="3100">
-                <a:solidFill>
-                  <a:schemeClr val="tx1"/>
-                </a:solidFill>
-                <a:latin typeface="Verdana" charset="0"/>
-                <a:ea typeface="ＭＳ Ｐゴシック" charset="0"/>
-              </a:defRPr>
-            </a:lvl8pPr>
-            <a:lvl9pPr marL="3886200" indent="-228600" eaLnBrk="0" fontAlgn="base" hangingPunct="0">
-              <a:spcBef>
-                <a:spcPct val="0"/>
-              </a:spcBef>
-              <a:spcAft>
-                <a:spcPct val="0"/>
-              </a:spcAft>
-              <a:defRPr sz="3100">
-                <a:solidFill>
-                  <a:schemeClr val="tx1"/>
-                </a:solidFill>
-                <a:latin typeface="Verdana" charset="0"/>
-                <a:ea typeface="ＭＳ Ｐゴシック" charset="0"/>
-              </a:defRPr>
-            </a:lvl9pPr>
-          </a:lstStyle>
-          <a:p>
-            <a:pPr eaLnBrk="1" hangingPunct="1"/>
-            <a:r>
-              <a:rPr lang="en-GB" sz="800" dirty="0" err="1" smtClean="0"/>
-              <a:t>Begäran</a:t>
-            </a:r>
-            <a:r>
-              <a:rPr lang="en-GB" sz="800" dirty="0" smtClean="0"/>
-              <a:t> </a:t>
-            </a:r>
-            <a:r>
-              <a:rPr lang="en-GB" sz="800" dirty="0" err="1" smtClean="0"/>
-              <a:t>och</a:t>
-            </a:r>
-            <a:r>
-              <a:rPr lang="en-GB" sz="800" dirty="0" smtClean="0"/>
-              <a:t> </a:t>
-            </a:r>
-            <a:r>
-              <a:rPr lang="en-GB" sz="800" dirty="0" err="1" smtClean="0"/>
-              <a:t>svar</a:t>
-            </a:r>
-            <a:r>
-              <a:rPr lang="en-GB" sz="800" dirty="0" smtClean="0"/>
-              <a:t> </a:t>
-            </a:r>
-            <a:r>
-              <a:rPr lang="en-GB" sz="800" dirty="0" err="1" smtClean="0"/>
-              <a:t>om</a:t>
-            </a:r>
-            <a:r>
-              <a:rPr lang="en-GB" sz="800" dirty="0" smtClean="0"/>
-              <a:t> </a:t>
-            </a:r>
-            <a:r>
-              <a:rPr lang="en-GB" sz="800" dirty="0" err="1" smtClean="0"/>
-              <a:t>anslutningspunkter</a:t>
-            </a:r>
-            <a:r>
-              <a:rPr lang="en-GB" sz="800" dirty="0" smtClean="0"/>
-              <a:t> </a:t>
-            </a:r>
-            <a:r>
-              <a:rPr lang="en-GB" sz="800" dirty="0" err="1" smtClean="0"/>
-              <a:t>för</a:t>
-            </a:r>
-            <a:r>
-              <a:rPr lang="en-GB" sz="800" dirty="0" smtClean="0"/>
-              <a:t> </a:t>
-            </a:r>
-            <a:r>
-              <a:rPr lang="en-GB" sz="800" dirty="0" err="1" smtClean="0"/>
-              <a:t>systemen</a:t>
-            </a:r>
-            <a:r>
-              <a:rPr lang="en-GB" sz="800" dirty="0" smtClean="0"/>
-              <a:t> </a:t>
-            </a:r>
-            <a:r>
-              <a:rPr lang="en-GB" sz="800" dirty="0" err="1" smtClean="0"/>
-              <a:t>från</a:t>
-            </a:r>
-            <a:r>
-              <a:rPr lang="en-GB" sz="800" dirty="0" smtClean="0"/>
-              <a:t> </a:t>
-            </a:r>
-            <a:r>
-              <a:rPr lang="en-GB" sz="800" dirty="0" err="1" smtClean="0"/>
-              <a:t>indexposter</a:t>
-            </a:r>
-            <a:endParaRPr lang="en-GB" sz="800" dirty="0"/>
+            </a:pPr>
+            <a:r>
+              <a:rPr lang="en-GB" sz="1000" dirty="0" err="1" smtClean="0">
+                <a:cs typeface="Geneva" charset="0"/>
+              </a:rPr>
+              <a:t>Informationskälla</a:t>
+            </a:r>
+            <a:r>
+              <a:rPr lang="en-GB" sz="1000" dirty="0">
+                <a:cs typeface="Geneva" charset="0"/>
+              </a:rPr>
+              <a:t>/</a:t>
+            </a:r>
+            <a:r>
+              <a:rPr lang="en-GB" sz="1000" dirty="0" err="1">
+                <a:cs typeface="Geneva" charset="0"/>
+              </a:rPr>
+              <a:t>vårdsystem</a:t>
+            </a:r>
+            <a:r>
+              <a:rPr lang="en-GB" sz="1000" dirty="0" smtClean="0">
+                <a:cs typeface="Geneva" charset="0"/>
+              </a:rPr>
+              <a:t> 2 (</a:t>
+            </a:r>
+            <a:r>
+              <a:rPr lang="en-GB" sz="1000" dirty="0" err="1" smtClean="0">
+                <a:cs typeface="Geneva" charset="0"/>
+              </a:rPr>
+              <a:t>ev</a:t>
+            </a:r>
+            <a:r>
+              <a:rPr lang="en-GB" sz="1000" dirty="0" smtClean="0">
+                <a:cs typeface="Geneva" charset="0"/>
+              </a:rPr>
+              <a:t>. </a:t>
+            </a:r>
+            <a:r>
+              <a:rPr lang="en-GB" sz="1000" dirty="0">
+                <a:cs typeface="Geneva" charset="0"/>
+              </a:rPr>
+              <a:t>v</a:t>
+            </a:r>
+            <a:r>
+              <a:rPr lang="en-GB" sz="1000" dirty="0" smtClean="0">
+                <a:cs typeface="Geneva" charset="0"/>
+              </a:rPr>
+              <a:t>ia </a:t>
+            </a:r>
+            <a:r>
+              <a:rPr lang="en-GB" sz="1000" dirty="0" err="1" smtClean="0">
+                <a:cs typeface="Geneva" charset="0"/>
+              </a:rPr>
+              <a:t>anslutningpunkt</a:t>
+            </a:r>
+            <a:r>
+              <a:rPr lang="en-GB" sz="1000" dirty="0" smtClean="0">
+                <a:cs typeface="Geneva" charset="0"/>
+              </a:rPr>
+              <a:t>/</a:t>
+            </a:r>
+            <a:r>
+              <a:rPr lang="en-GB" sz="1000" dirty="0" err="1" smtClean="0">
+                <a:cs typeface="Geneva" charset="0"/>
+              </a:rPr>
+              <a:t>RTjP</a:t>
+            </a:r>
+            <a:r>
+              <a:rPr lang="en-GB" sz="1000" dirty="0" smtClean="0">
+                <a:cs typeface="Geneva" charset="0"/>
+              </a:rPr>
+              <a:t>/</a:t>
+            </a:r>
+            <a:r>
+              <a:rPr lang="en-GB" sz="1000" dirty="0" err="1" smtClean="0">
+                <a:cs typeface="Geneva" charset="0"/>
+              </a:rPr>
+              <a:t>mellanlager</a:t>
+            </a:r>
+            <a:r>
+              <a:rPr lang="en-GB" sz="1000" dirty="0" smtClean="0">
+                <a:cs typeface="Geneva" charset="0"/>
+              </a:rPr>
+              <a:t>)</a:t>
+            </a:r>
+            <a:endParaRPr lang="en-GB" sz="1000" dirty="0">
+              <a:cs typeface="Geneva" charset="0"/>
+            </a:endParaRPr>
           </a:p>
         </p:txBody>
       </p:sp>
       <p:cxnSp>
         <p:nvCxnSpPr>
-          <p:cNvPr id="68" name="Rak pil 33"/>
+          <p:cNvPr id="71" name="Rak pil 33"/>
           <p:cNvCxnSpPr>
             <a:cxnSpLocks noChangeShapeType="1"/>
           </p:cNvCxnSpPr>
@@ -11449,8 +11642,8 @@
         </p:nvCxnSpPr>
         <p:spPr bwMode="auto">
           <a:xfrm>
-            <a:off x="6690531" y="2564904"/>
-            <a:ext cx="0" cy="3312368"/>
+            <a:off x="6978563" y="2564904"/>
+            <a:ext cx="0" cy="3672408"/>
           </a:xfrm>
           <a:prstGeom prst="straightConnector1">
             <a:avLst/>
@@ -11475,167 +11668,6 @@
       </p:cxnSp>
       <p:sp>
         <p:nvSpPr>
-          <p:cNvPr id="69" name="Rektangel 7"/>
-          <p:cNvSpPr>
-            <a:spLocks noChangeArrowheads="1"/>
-          </p:cNvSpPr>
-          <p:nvPr/>
-        </p:nvSpPr>
-        <p:spPr bwMode="auto">
-          <a:xfrm>
-            <a:off x="929891" y="6165304"/>
-            <a:ext cx="8174031" cy="235444"/>
-          </a:xfrm>
-          <a:prstGeom prst="rect">
-            <a:avLst/>
-          </a:prstGeom>
-          <a:solidFill>
-            <a:srgbClr val="CCFFCC"/>
-          </a:solidFill>
-          <a:ln w="9525">
-            <a:solidFill>
-              <a:srgbClr val="003468"/>
-            </a:solidFill>
-            <a:round/>
-            <a:headEnd/>
-            <a:tailEnd/>
-          </a:ln>
-        </p:spPr>
-        <p:txBody>
-          <a:bodyPr wrap="none" lIns="63898" tIns="31949" rIns="63898" bIns="31949" anchor="ctr"/>
-          <a:lstStyle/>
-          <a:p>
-            <a:pPr eaLnBrk="0" hangingPunct="0">
-              <a:spcBef>
-                <a:spcPct val="50000"/>
-              </a:spcBef>
-            </a:pPr>
-            <a:r>
-              <a:rPr lang="en-GB" sz="1000" dirty="0" err="1" smtClean="0">
-                <a:cs typeface="Geneva" charset="0"/>
-              </a:rPr>
-              <a:t>Informationskälla</a:t>
-            </a:r>
-            <a:r>
-              <a:rPr lang="en-GB" sz="1000" dirty="0">
-                <a:cs typeface="Geneva" charset="0"/>
-              </a:rPr>
-              <a:t>/</a:t>
-            </a:r>
-            <a:r>
-              <a:rPr lang="en-GB" sz="1000" dirty="0" err="1">
-                <a:cs typeface="Geneva" charset="0"/>
-              </a:rPr>
-              <a:t>vårdsystem</a:t>
-            </a:r>
-            <a:r>
-              <a:rPr lang="en-GB" sz="1000" dirty="0" smtClean="0">
-                <a:cs typeface="Geneva" charset="0"/>
-              </a:rPr>
-              <a:t> 2 (</a:t>
-            </a:r>
-            <a:r>
-              <a:rPr lang="en-GB" sz="1000" dirty="0" err="1" smtClean="0">
-                <a:cs typeface="Geneva" charset="0"/>
-              </a:rPr>
-              <a:t>ev</a:t>
-            </a:r>
-            <a:r>
-              <a:rPr lang="en-GB" sz="1000" dirty="0" smtClean="0">
-                <a:cs typeface="Geneva" charset="0"/>
-              </a:rPr>
-              <a:t>. </a:t>
-            </a:r>
-            <a:r>
-              <a:rPr lang="en-GB" sz="1000" dirty="0">
-                <a:cs typeface="Geneva" charset="0"/>
-              </a:rPr>
-              <a:t>v</a:t>
-            </a:r>
-            <a:r>
-              <a:rPr lang="en-GB" sz="1000" dirty="0" smtClean="0">
-                <a:cs typeface="Geneva" charset="0"/>
-              </a:rPr>
-              <a:t>ia </a:t>
-            </a:r>
-            <a:r>
-              <a:rPr lang="en-GB" sz="1000" dirty="0" err="1" smtClean="0">
-                <a:cs typeface="Geneva" charset="0"/>
-              </a:rPr>
-              <a:t>anslutningpunkt</a:t>
-            </a:r>
-            <a:r>
-              <a:rPr lang="en-GB" sz="1000" dirty="0" smtClean="0">
-                <a:cs typeface="Geneva" charset="0"/>
-              </a:rPr>
-              <a:t>/</a:t>
-            </a:r>
-            <a:r>
-              <a:rPr lang="en-GB" sz="1000" dirty="0" err="1" smtClean="0">
-                <a:cs typeface="Geneva" charset="0"/>
-              </a:rPr>
-              <a:t>RTjP</a:t>
-            </a:r>
-            <a:r>
-              <a:rPr lang="en-GB" sz="1000" dirty="0" smtClean="0">
-                <a:cs typeface="Geneva" charset="0"/>
-              </a:rPr>
-              <a:t>/</a:t>
-            </a:r>
-            <a:r>
-              <a:rPr lang="en-GB" sz="1000" dirty="0" err="1" smtClean="0">
-                <a:cs typeface="Geneva" charset="0"/>
-              </a:rPr>
-              <a:t>mellanlager</a:t>
-            </a:r>
-            <a:r>
-              <a:rPr lang="en-GB" sz="1000" dirty="0" smtClean="0">
-                <a:cs typeface="Geneva" charset="0"/>
-              </a:rPr>
-              <a:t>)</a:t>
-            </a:r>
-            <a:endParaRPr lang="en-GB" sz="1000" dirty="0">
-              <a:cs typeface="Geneva" charset="0"/>
-            </a:endParaRPr>
-          </a:p>
-        </p:txBody>
-      </p:sp>
-      <p:cxnSp>
-        <p:nvCxnSpPr>
-          <p:cNvPr id="71" name="Rak pil 33"/>
-          <p:cNvCxnSpPr>
-            <a:cxnSpLocks noChangeShapeType="1"/>
-          </p:cNvCxnSpPr>
-          <p:nvPr/>
-        </p:nvCxnSpPr>
-        <p:spPr bwMode="auto">
-          <a:xfrm>
-            <a:off x="6978563" y="2564904"/>
-            <a:ext cx="0" cy="3672408"/>
-          </a:xfrm>
-          <a:prstGeom prst="straightConnector1">
-            <a:avLst/>
-          </a:prstGeom>
-          <a:noFill/>
-          <a:ln w="38100">
-            <a:solidFill>
-              <a:srgbClr val="003468"/>
-            </a:solidFill>
-            <a:round/>
-            <a:headEnd type="triangle" w="med" len="med"/>
-            <a:tailEnd type="oval" w="med" len="med"/>
-          </a:ln>
-          <a:extLst>
-            <a:ext uri="{909E8E84-426E-40dd-AFC4-6F175D3DCCD1}">
-              <a14:hiddenFill xmlns:a14="http://schemas.microsoft.com/office/drawing/2010/main">
-                <a:noFill/>
-              </a14:hiddenFill>
-            </a:ext>
-          </a:extLst>
-        </p:spPr>
-      </p:cxnSp>
-      <p:sp>
-        <p:nvSpPr>
           <p:cNvPr id="36" name="textruta 32"/>
           <p:cNvSpPr txBox="1">
             <a:spLocks noChangeArrowheads="1"/>
@@ -11934,7 +11966,7 @@
     </p:spTree>
     <p:extLst>
       <p:ext uri="{BB962C8B-B14F-4D97-AF65-F5344CB8AC3E}">
-        <p14:creationId xmlns:p14="http://schemas.microsoft.com/office/powerpoint/2010/main" val="3270609912"/>
+        <p14:creationId xmlns:p14="http://schemas.microsoft.com/office/powerpoint/2010/main" val="828346859"/>
       </p:ext>
     </p:extLst>
   </p:cSld>
@@ -12443,61 +12475,6 @@
             </a:pPr>
             <a:endParaRPr lang="en-GB" sz="1500">
               <a:cs typeface="Geneva" charset="0"/>
-            </a:endParaRPr>
-          </a:p>
-        </p:txBody>
-      </p:sp>
-      <p:sp>
-        <p:nvSpPr>
-          <p:cNvPr id="20" name="Rektangel 19"/>
-          <p:cNvSpPr/>
-          <p:nvPr/>
-        </p:nvSpPr>
-        <p:spPr bwMode="auto">
-          <a:xfrm>
-            <a:off x="929891" y="3861048"/>
-            <a:ext cx="8124317" cy="241023"/>
-          </a:xfrm>
-          <a:prstGeom prst="rect">
-            <a:avLst/>
-          </a:prstGeom>
-          <a:solidFill>
-            <a:schemeClr val="accent1">
-              <a:lumMod val="20000"/>
-              <a:lumOff val="80000"/>
-            </a:schemeClr>
-          </a:solidFill>
-          <a:ln w="9525" cap="flat" cmpd="sng" algn="ctr">
-            <a:solidFill>
-              <a:srgbClr val="003468"/>
-            </a:solidFill>
-            <a:prstDash val="solid"/>
-            <a:round/>
-            <a:headEnd type="none" w="med" len="med"/>
-            <a:tailEnd type="none" w="med" len="med"/>
-          </a:ln>
-          <a:effectLst/>
-        </p:spPr>
-        <p:txBody>
-          <a:bodyPr wrap="none" lIns="63898" tIns="31949" rIns="63898" bIns="31949" anchor="ctr"/>
-          <a:lstStyle/>
-          <a:p>
-            <a:pPr eaLnBrk="0" hangingPunct="0">
-              <a:spcBef>
-                <a:spcPct val="50000"/>
-              </a:spcBef>
-              <a:defRPr/>
-            </a:pPr>
-            <a:r>
-              <a:rPr lang="en-GB" sz="1000" dirty="0" err="1" smtClean="0">
-                <a:latin typeface="Verdana" pitchFamily="34" charset="0"/>
-                <a:ea typeface="Geneva" pitchFamily="1" charset="-128"/>
-              </a:rPr>
-              <a:t>Anslutningskatalog</a:t>
-            </a:r>
-            <a:endParaRPr lang="en-GB" sz="1000" dirty="0">
-              <a:latin typeface="Verdana" pitchFamily="34" charset="0"/>
-              <a:ea typeface="Geneva" pitchFamily="1" charset="-128"/>
             </a:endParaRPr>
           </a:p>
         </p:txBody>
@@ -13763,7 +13740,7 @@
             <a:fld id="{793AEFA7-59BA-446D-B708-A2D615D75329}" type="datetimeFigureOut">
               <a:rPr lang="sv-SE" smtClean="0"/>
               <a:pPr defTabSz="895350"/>
-              <a:t>2013-06-22</a:t>
+              <a:t>2013-10-21</a:t>
             </a:fld>
             <a:r>
               <a:rPr lang="sv-SE" smtClean="0"/>
@@ -16238,7 +16215,7 @@
             <a:fld id="{793AEFA7-59BA-446D-B708-A2D615D75329}" type="datetimeFigureOut">
               <a:rPr lang="sv-SE" smtClean="0"/>
               <a:pPr defTabSz="895350"/>
-              <a:t>2013-06-22</a:t>
+              <a:t>2013-10-21</a:t>
             </a:fld>
             <a:r>
               <a:rPr lang="sv-SE" smtClean="0"/>
@@ -18040,7 +18017,7 @@
             <a:fld id="{793AEFA7-59BA-446D-B708-A2D615D75329}" type="datetimeFigureOut">
               <a:rPr lang="sv-SE" smtClean="0"/>
               <a:pPr defTabSz="895350"/>
-              <a:t>2013-06-22</a:t>
+              <a:t>2013-10-21</a:t>
             </a:fld>
             <a:r>
               <a:rPr lang="sv-SE" smtClean="0"/>
@@ -20370,7 +20347,7 @@
             <a:fld id="{793AEFA7-59BA-446D-B708-A2D615D75329}" type="datetimeFigureOut">
               <a:rPr lang="sv-SE" smtClean="0"/>
               <a:pPr defTabSz="895350"/>
-              <a:t>2013-06-22</a:t>
+              <a:t>2013-10-21</a:t>
             </a:fld>
             <a:r>
               <a:rPr lang="sv-SE" smtClean="0"/>
